--- a/Casos de uso.pptx
+++ b/Casos de uso.pptx
@@ -6,8 +6,8 @@
   </p:sldMasterIdLst>
   <p:sldIdLst>
     <p:sldId id="258" r:id="rId2"/>
-    <p:sldId id="259" r:id="rId3"/>
-    <p:sldId id="260" r:id="rId4"/>
+    <p:sldId id="263" r:id="rId3"/>
+    <p:sldId id="264" r:id="rId4"/>
   </p:sldIdLst>
   <p:sldSz cx="12192000" cy="6858000"/>
   <p:notesSz cx="6858000" cy="9144000"/>
@@ -245,7 +245,7 @@
           <a:p>
             <a:fld id="{ED59E98A-2D2E-469F-B448-44779C68489E}" type="datetimeFigureOut">
               <a:rPr lang="es-VE" smtClean="0"/>
-              <a:t>20/8/2020</a:t>
+              <a:t>5/11/2020</a:t>
             </a:fld>
             <a:endParaRPr lang="es-VE"/>
           </a:p>
@@ -415,7 +415,7 @@
           <a:p>
             <a:fld id="{ED59E98A-2D2E-469F-B448-44779C68489E}" type="datetimeFigureOut">
               <a:rPr lang="es-VE" smtClean="0"/>
-              <a:t>20/8/2020</a:t>
+              <a:t>5/11/2020</a:t>
             </a:fld>
             <a:endParaRPr lang="es-VE"/>
           </a:p>
@@ -595,7 +595,7 @@
           <a:p>
             <a:fld id="{ED59E98A-2D2E-469F-B448-44779C68489E}" type="datetimeFigureOut">
               <a:rPr lang="es-VE" smtClean="0"/>
-              <a:t>20/8/2020</a:t>
+              <a:t>5/11/2020</a:t>
             </a:fld>
             <a:endParaRPr lang="es-VE"/>
           </a:p>
@@ -765,7 +765,7 @@
           <a:p>
             <a:fld id="{ED59E98A-2D2E-469F-B448-44779C68489E}" type="datetimeFigureOut">
               <a:rPr lang="es-VE" smtClean="0"/>
-              <a:t>20/8/2020</a:t>
+              <a:t>5/11/2020</a:t>
             </a:fld>
             <a:endParaRPr lang="es-VE"/>
           </a:p>
@@ -1011,7 +1011,7 @@
           <a:p>
             <a:fld id="{ED59E98A-2D2E-469F-B448-44779C68489E}" type="datetimeFigureOut">
               <a:rPr lang="es-VE" smtClean="0"/>
-              <a:t>20/8/2020</a:t>
+              <a:t>5/11/2020</a:t>
             </a:fld>
             <a:endParaRPr lang="es-VE"/>
           </a:p>
@@ -1243,7 +1243,7 @@
           <a:p>
             <a:fld id="{ED59E98A-2D2E-469F-B448-44779C68489E}" type="datetimeFigureOut">
               <a:rPr lang="es-VE" smtClean="0"/>
-              <a:t>20/8/2020</a:t>
+              <a:t>5/11/2020</a:t>
             </a:fld>
             <a:endParaRPr lang="es-VE"/>
           </a:p>
@@ -1610,7 +1610,7 @@
           <a:p>
             <a:fld id="{ED59E98A-2D2E-469F-B448-44779C68489E}" type="datetimeFigureOut">
               <a:rPr lang="es-VE" smtClean="0"/>
-              <a:t>20/8/2020</a:t>
+              <a:t>5/11/2020</a:t>
             </a:fld>
             <a:endParaRPr lang="es-VE"/>
           </a:p>
@@ -1728,7 +1728,7 @@
           <a:p>
             <a:fld id="{ED59E98A-2D2E-469F-B448-44779C68489E}" type="datetimeFigureOut">
               <a:rPr lang="es-VE" smtClean="0"/>
-              <a:t>20/8/2020</a:t>
+              <a:t>5/11/2020</a:t>
             </a:fld>
             <a:endParaRPr lang="es-VE"/>
           </a:p>
@@ -1823,7 +1823,7 @@
           <a:p>
             <a:fld id="{ED59E98A-2D2E-469F-B448-44779C68489E}" type="datetimeFigureOut">
               <a:rPr lang="es-VE" smtClean="0"/>
-              <a:t>20/8/2020</a:t>
+              <a:t>5/11/2020</a:t>
             </a:fld>
             <a:endParaRPr lang="es-VE"/>
           </a:p>
@@ -2100,7 +2100,7 @@
           <a:p>
             <a:fld id="{ED59E98A-2D2E-469F-B448-44779C68489E}" type="datetimeFigureOut">
               <a:rPr lang="es-VE" smtClean="0"/>
-              <a:t>20/8/2020</a:t>
+              <a:t>5/11/2020</a:t>
             </a:fld>
             <a:endParaRPr lang="es-VE"/>
           </a:p>
@@ -2353,7 +2353,7 @@
           <a:p>
             <a:fld id="{ED59E98A-2D2E-469F-B448-44779C68489E}" type="datetimeFigureOut">
               <a:rPr lang="es-VE" smtClean="0"/>
-              <a:t>20/8/2020</a:t>
+              <a:t>5/11/2020</a:t>
             </a:fld>
             <a:endParaRPr lang="es-VE"/>
           </a:p>
@@ -2566,7 +2566,7 @@
           <a:p>
             <a:fld id="{ED59E98A-2D2E-469F-B448-44779C68489E}" type="datetimeFigureOut">
               <a:rPr lang="es-VE" smtClean="0"/>
-              <a:t>20/8/2020</a:t>
+              <a:t>5/11/2020</a:t>
             </a:fld>
             <a:endParaRPr lang="es-VE"/>
           </a:p>
@@ -2973,6 +2973,2441 @@
       </p:grpSpPr>
       <p:grpSp>
         <p:nvGrpSpPr>
+          <p:cNvPr id="13" name="Grupo 12"/>
+          <p:cNvGrpSpPr/>
+          <p:nvPr/>
+        </p:nvGrpSpPr>
+        <p:grpSpPr>
+          <a:xfrm>
+            <a:off x="720965" y="51398"/>
+            <a:ext cx="9939673" cy="6786342"/>
+            <a:chOff x="720965" y="51398"/>
+            <a:chExt cx="9939673" cy="6786342"/>
+          </a:xfrm>
+        </p:grpSpPr>
+        <p:sp>
+          <p:nvSpPr>
+            <p:cNvPr id="39" name="CuadroTexto 38"/>
+            <p:cNvSpPr txBox="1"/>
+            <p:nvPr/>
+          </p:nvSpPr>
+          <p:spPr>
+            <a:xfrm>
+              <a:off x="6731627" y="2214329"/>
+              <a:ext cx="1119519" cy="307777"/>
+            </a:xfrm>
+            <a:prstGeom prst="rect">
+              <a:avLst/>
+            </a:prstGeom>
+            <a:noFill/>
+          </p:spPr>
+          <p:txBody>
+            <a:bodyPr wrap="square" rtlCol="0">
+              <a:spAutoFit/>
+            </a:bodyPr>
+            <a:lstStyle/>
+            <a:p>
+              <a:r>
+                <a:rPr lang="es-VE" sz="1400" dirty="0" smtClean="0">
+                  <a:latin typeface="Times New Roman" panose="02020603050405020304" pitchFamily="18" charset="0"/>
+                  <a:cs typeface="Times New Roman" panose="02020603050405020304" pitchFamily="18" charset="0"/>
+                </a:rPr>
+                <a:t>&lt;&lt;Include&gt;&gt;</a:t>
+              </a:r>
+              <a:endParaRPr lang="es-VE" sz="1400" dirty="0">
+                <a:latin typeface="Times New Roman" panose="02020603050405020304" pitchFamily="18" charset="0"/>
+                <a:cs typeface="Times New Roman" panose="02020603050405020304" pitchFamily="18" charset="0"/>
+              </a:endParaRPr>
+            </a:p>
+          </p:txBody>
+        </p:sp>
+        <p:grpSp>
+          <p:nvGrpSpPr>
+            <p:cNvPr id="11" name="Grupo 10"/>
+            <p:cNvGrpSpPr/>
+            <p:nvPr/>
+          </p:nvGrpSpPr>
+          <p:grpSpPr>
+            <a:xfrm>
+              <a:off x="720965" y="51398"/>
+              <a:ext cx="9939673" cy="6786342"/>
+              <a:chOff x="720965" y="51398"/>
+              <a:chExt cx="9939673" cy="6786342"/>
+            </a:xfrm>
+          </p:grpSpPr>
+          <p:grpSp>
+            <p:nvGrpSpPr>
+              <p:cNvPr id="7" name="Grupo 6"/>
+              <p:cNvGrpSpPr/>
+              <p:nvPr/>
+            </p:nvGrpSpPr>
+            <p:grpSpPr>
+              <a:xfrm>
+                <a:off x="720965" y="51398"/>
+                <a:ext cx="9834287" cy="6784077"/>
+                <a:chOff x="720965" y="51398"/>
+                <a:chExt cx="9834287" cy="6784077"/>
+              </a:xfrm>
+            </p:grpSpPr>
+            <p:grpSp>
+              <p:nvGrpSpPr>
+                <p:cNvPr id="2" name="Grupo 1"/>
+                <p:cNvGrpSpPr/>
+                <p:nvPr/>
+              </p:nvGrpSpPr>
+              <p:grpSpPr>
+                <a:xfrm>
+                  <a:off x="720965" y="51398"/>
+                  <a:ext cx="9834287" cy="6784077"/>
+                  <a:chOff x="720965" y="51398"/>
+                  <a:chExt cx="9834287" cy="6784077"/>
+                </a:xfrm>
+              </p:grpSpPr>
+              <p:grpSp>
+                <p:nvGrpSpPr>
+                  <p:cNvPr id="15" name="Grupo 14"/>
+                  <p:cNvGrpSpPr/>
+                  <p:nvPr/>
+                </p:nvGrpSpPr>
+                <p:grpSpPr>
+                  <a:xfrm>
+                    <a:off x="870657" y="1994875"/>
+                    <a:ext cx="713232" cy="2072664"/>
+                    <a:chOff x="722376" y="1883664"/>
+                    <a:chExt cx="713232" cy="2072664"/>
+                  </a:xfrm>
+                </p:grpSpPr>
+                <p:sp>
+                  <p:nvSpPr>
+                    <p:cNvPr id="4" name="Elipse 3"/>
+                    <p:cNvSpPr/>
+                    <p:nvPr/>
+                  </p:nvSpPr>
+                  <p:spPr>
+                    <a:xfrm>
+                      <a:off x="722376" y="1883664"/>
+                      <a:ext cx="713232" cy="731520"/>
+                    </a:xfrm>
+                    <a:prstGeom prst="ellipse">
+                      <a:avLst/>
+                    </a:prstGeom>
+                  </p:spPr>
+                  <p:style>
+                    <a:lnRef idx="2">
+                      <a:schemeClr val="dk1"/>
+                    </a:lnRef>
+                    <a:fillRef idx="1">
+                      <a:schemeClr val="lt1"/>
+                    </a:fillRef>
+                    <a:effectRef idx="0">
+                      <a:schemeClr val="dk1"/>
+                    </a:effectRef>
+                    <a:fontRef idx="minor">
+                      <a:schemeClr val="dk1"/>
+                    </a:fontRef>
+                  </p:style>
+                  <p:txBody>
+                    <a:bodyPr rtlCol="0" anchor="ctr"/>
+                    <a:lstStyle/>
+                    <a:p>
+                      <a:pPr algn="ctr"/>
+                      <a:endParaRPr lang="es-VE" b="1">
+                        <a:ln w="10160">
+                          <a:solidFill>
+                            <a:schemeClr val="accent5"/>
+                          </a:solidFill>
+                          <a:prstDash val="solid"/>
+                        </a:ln>
+                        <a:solidFill>
+                          <a:srgbClr val="FFFFFF"/>
+                        </a:solidFill>
+                        <a:effectLst>
+                          <a:outerShdw blurRad="38100" dist="22860" dir="5400000" algn="tl" rotWithShape="0">
+                            <a:srgbClr val="000000">
+                              <a:alpha val="30000"/>
+                            </a:srgbClr>
+                          </a:outerShdw>
+                        </a:effectLst>
+                      </a:endParaRPr>
+                    </a:p>
+                  </p:txBody>
+                </p:sp>
+                <p:cxnSp>
+                  <p:nvCxnSpPr>
+                    <p:cNvPr id="6" name="Conector recto 5"/>
+                    <p:cNvCxnSpPr>
+                      <a:stCxn id="4" idx="4"/>
+                    </p:cNvCxnSpPr>
+                    <p:nvPr/>
+                  </p:nvCxnSpPr>
+                  <p:spPr>
+                    <a:xfrm flipH="1">
+                      <a:off x="1071050" y="2615184"/>
+                      <a:ext cx="7942" cy="780118"/>
+                    </a:xfrm>
+                    <a:prstGeom prst="line">
+                      <a:avLst/>
+                    </a:prstGeom>
+                  </p:spPr>
+                  <p:style>
+                    <a:lnRef idx="1">
+                      <a:schemeClr val="dk1"/>
+                    </a:lnRef>
+                    <a:fillRef idx="0">
+                      <a:schemeClr val="dk1"/>
+                    </a:fillRef>
+                    <a:effectRef idx="0">
+                      <a:schemeClr val="dk1"/>
+                    </a:effectRef>
+                    <a:fontRef idx="minor">
+                      <a:schemeClr val="tx1"/>
+                    </a:fontRef>
+                  </p:style>
+                </p:cxnSp>
+                <p:cxnSp>
+                  <p:nvCxnSpPr>
+                    <p:cNvPr id="8" name="Conector recto 7"/>
+                    <p:cNvCxnSpPr>
+                      <a:stCxn id="4" idx="4"/>
+                    </p:cNvCxnSpPr>
+                    <p:nvPr/>
+                  </p:nvCxnSpPr>
+                  <p:spPr>
+                    <a:xfrm>
+                      <a:off x="1078992" y="2615184"/>
+                      <a:ext cx="298073" cy="419458"/>
+                    </a:xfrm>
+                    <a:prstGeom prst="line">
+                      <a:avLst/>
+                    </a:prstGeom>
+                  </p:spPr>
+                  <p:style>
+                    <a:lnRef idx="1">
+                      <a:schemeClr val="dk1"/>
+                    </a:lnRef>
+                    <a:fillRef idx="0">
+                      <a:schemeClr val="dk1"/>
+                    </a:fillRef>
+                    <a:effectRef idx="0">
+                      <a:schemeClr val="dk1"/>
+                    </a:effectRef>
+                    <a:fontRef idx="minor">
+                      <a:schemeClr val="tx1"/>
+                    </a:fontRef>
+                  </p:style>
+                </p:cxnSp>
+                <p:cxnSp>
+                  <p:nvCxnSpPr>
+                    <p:cNvPr id="10" name="Conector recto 9"/>
+                    <p:cNvCxnSpPr>
+                      <a:stCxn id="4" idx="4"/>
+                    </p:cNvCxnSpPr>
+                    <p:nvPr/>
+                  </p:nvCxnSpPr>
+                  <p:spPr>
+                    <a:xfrm flipH="1">
+                      <a:off x="805109" y="2615184"/>
+                      <a:ext cx="273883" cy="415815"/>
+                    </a:xfrm>
+                    <a:prstGeom prst="line">
+                      <a:avLst/>
+                    </a:prstGeom>
+                  </p:spPr>
+                  <p:style>
+                    <a:lnRef idx="1">
+                      <a:schemeClr val="dk1"/>
+                    </a:lnRef>
+                    <a:fillRef idx="0">
+                      <a:schemeClr val="dk1"/>
+                    </a:fillRef>
+                    <a:effectRef idx="0">
+                      <a:schemeClr val="dk1"/>
+                    </a:effectRef>
+                    <a:fontRef idx="minor">
+                      <a:schemeClr val="tx1"/>
+                    </a:fontRef>
+                  </p:style>
+                </p:cxnSp>
+                <p:cxnSp>
+                  <p:nvCxnSpPr>
+                    <p:cNvPr id="12" name="Conector recto 11"/>
+                    <p:cNvCxnSpPr/>
+                    <p:nvPr/>
+                  </p:nvCxnSpPr>
+                  <p:spPr>
+                    <a:xfrm>
+                      <a:off x="1071050" y="3395302"/>
+                      <a:ext cx="251369" cy="561026"/>
+                    </a:xfrm>
+                    <a:prstGeom prst="line">
+                      <a:avLst/>
+                    </a:prstGeom>
+                  </p:spPr>
+                  <p:style>
+                    <a:lnRef idx="1">
+                      <a:schemeClr val="dk1"/>
+                    </a:lnRef>
+                    <a:fillRef idx="0">
+                      <a:schemeClr val="dk1"/>
+                    </a:fillRef>
+                    <a:effectRef idx="0">
+                      <a:schemeClr val="dk1"/>
+                    </a:effectRef>
+                    <a:fontRef idx="minor">
+                      <a:schemeClr val="tx1"/>
+                    </a:fontRef>
+                  </p:style>
+                </p:cxnSp>
+                <p:cxnSp>
+                  <p:nvCxnSpPr>
+                    <p:cNvPr id="14" name="Conector recto 13"/>
+                    <p:cNvCxnSpPr/>
+                    <p:nvPr/>
+                  </p:nvCxnSpPr>
+                  <p:spPr>
+                    <a:xfrm flipH="1">
+                      <a:off x="848825" y="3395302"/>
+                      <a:ext cx="222225" cy="561026"/>
+                    </a:xfrm>
+                    <a:prstGeom prst="line">
+                      <a:avLst/>
+                    </a:prstGeom>
+                  </p:spPr>
+                  <p:style>
+                    <a:lnRef idx="1">
+                      <a:schemeClr val="dk1"/>
+                    </a:lnRef>
+                    <a:fillRef idx="0">
+                      <a:schemeClr val="dk1"/>
+                    </a:fillRef>
+                    <a:effectRef idx="0">
+                      <a:schemeClr val="dk1"/>
+                    </a:effectRef>
+                    <a:fontRef idx="minor">
+                      <a:schemeClr val="tx1"/>
+                    </a:fontRef>
+                  </p:style>
+                </p:cxnSp>
+              </p:grpSp>
+              <p:sp>
+                <p:nvSpPr>
+                  <p:cNvPr id="16" name="Elipse 15"/>
+                  <p:cNvSpPr/>
+                  <p:nvPr/>
+                </p:nvSpPr>
+                <p:spPr>
+                  <a:xfrm>
+                    <a:off x="870657" y="51398"/>
+                    <a:ext cx="2520000" cy="720000"/>
+                  </a:xfrm>
+                  <a:prstGeom prst="ellipse">
+                    <a:avLst/>
+                  </a:prstGeom>
+                  <a:ln w="57150"/>
+                </p:spPr>
+                <p:style>
+                  <a:lnRef idx="2">
+                    <a:schemeClr val="dk1"/>
+                  </a:lnRef>
+                  <a:fillRef idx="1">
+                    <a:schemeClr val="lt1"/>
+                  </a:fillRef>
+                  <a:effectRef idx="0">
+                    <a:schemeClr val="dk1"/>
+                  </a:effectRef>
+                  <a:fontRef idx="minor">
+                    <a:schemeClr val="dk1"/>
+                  </a:fontRef>
+                </p:style>
+                <p:txBody>
+                  <a:bodyPr rtlCol="0" anchor="ctr"/>
+                  <a:lstStyle/>
+                  <a:p>
+                    <a:pPr algn="ctr"/>
+                    <a:r>
+                      <a:rPr lang="es-VE" sz="1400" dirty="0" smtClean="0">
+                        <a:latin typeface="Times New Roman" panose="02020603050405020304" pitchFamily="18" charset="0"/>
+                        <a:cs typeface="Times New Roman" panose="02020603050405020304" pitchFamily="18" charset="0"/>
+                      </a:rPr>
+                      <a:t>Iniciar Sesión</a:t>
+                    </a:r>
+                    <a:endParaRPr lang="es-VE" sz="1400" dirty="0">
+                      <a:latin typeface="Times New Roman" panose="02020603050405020304" pitchFamily="18" charset="0"/>
+                      <a:cs typeface="Times New Roman" panose="02020603050405020304" pitchFamily="18" charset="0"/>
+                    </a:endParaRPr>
+                  </a:p>
+                </p:txBody>
+              </p:sp>
+              <p:sp>
+                <p:nvSpPr>
+                  <p:cNvPr id="17" name="Elipse 16"/>
+                  <p:cNvSpPr/>
+                  <p:nvPr/>
+                </p:nvSpPr>
+                <p:spPr>
+                  <a:xfrm>
+                    <a:off x="4630906" y="51398"/>
+                    <a:ext cx="2520000" cy="720000"/>
+                  </a:xfrm>
+                  <a:prstGeom prst="ellipse">
+                    <a:avLst/>
+                  </a:prstGeom>
+                  <a:ln w="57150"/>
+                </p:spPr>
+                <p:style>
+                  <a:lnRef idx="2">
+                    <a:schemeClr val="dk1"/>
+                  </a:lnRef>
+                  <a:fillRef idx="1">
+                    <a:schemeClr val="lt1"/>
+                  </a:fillRef>
+                  <a:effectRef idx="0">
+                    <a:schemeClr val="dk1"/>
+                  </a:effectRef>
+                  <a:fontRef idx="minor">
+                    <a:schemeClr val="dk1"/>
+                  </a:fontRef>
+                </p:style>
+                <p:txBody>
+                  <a:bodyPr rtlCol="0" anchor="ctr"/>
+                  <a:lstStyle/>
+                  <a:p>
+                    <a:pPr algn="ctr"/>
+                    <a:r>
+                      <a:rPr lang="es-VE" sz="1400" dirty="0" smtClean="0">
+                        <a:latin typeface="Times New Roman" panose="02020603050405020304" pitchFamily="18" charset="0"/>
+                        <a:cs typeface="Times New Roman" panose="02020603050405020304" pitchFamily="18" charset="0"/>
+                      </a:rPr>
+                      <a:t>Gestionar</a:t>
+                    </a:r>
+                  </a:p>
+                  <a:p>
+                    <a:pPr algn="ctr"/>
+                    <a:r>
+                      <a:rPr lang="es-VE" sz="1400" dirty="0" smtClean="0">
+                        <a:latin typeface="Times New Roman" panose="02020603050405020304" pitchFamily="18" charset="0"/>
+                        <a:cs typeface="Times New Roman" panose="02020603050405020304" pitchFamily="18" charset="0"/>
+                      </a:rPr>
+                      <a:t>Usuarios</a:t>
+                    </a:r>
+                    <a:endParaRPr lang="es-VE" sz="1400" dirty="0">
+                      <a:latin typeface="Times New Roman" panose="02020603050405020304" pitchFamily="18" charset="0"/>
+                      <a:cs typeface="Times New Roman" panose="02020603050405020304" pitchFamily="18" charset="0"/>
+                    </a:endParaRPr>
+                  </a:p>
+                </p:txBody>
+              </p:sp>
+              <p:sp>
+                <p:nvSpPr>
+                  <p:cNvPr id="18" name="Elipse 17"/>
+                  <p:cNvSpPr/>
+                  <p:nvPr/>
+                </p:nvSpPr>
+                <p:spPr>
+                  <a:xfrm>
+                    <a:off x="4630906" y="1567417"/>
+                    <a:ext cx="2520000" cy="720000"/>
+                  </a:xfrm>
+                  <a:prstGeom prst="ellipse">
+                    <a:avLst/>
+                  </a:prstGeom>
+                  <a:ln w="57150"/>
+                </p:spPr>
+                <p:style>
+                  <a:lnRef idx="2">
+                    <a:schemeClr val="dk1"/>
+                  </a:lnRef>
+                  <a:fillRef idx="1">
+                    <a:schemeClr val="lt1"/>
+                  </a:fillRef>
+                  <a:effectRef idx="0">
+                    <a:schemeClr val="dk1"/>
+                  </a:effectRef>
+                  <a:fontRef idx="minor">
+                    <a:schemeClr val="dk1"/>
+                  </a:fontRef>
+                </p:style>
+                <p:txBody>
+                  <a:bodyPr rtlCol="0" anchor="ctr"/>
+                  <a:lstStyle/>
+                  <a:p>
+                    <a:pPr algn="ctr"/>
+                    <a:r>
+                      <a:rPr lang="es-VE" sz="1400" dirty="0" smtClean="0">
+                        <a:latin typeface="Times New Roman" panose="02020603050405020304" pitchFamily="18" charset="0"/>
+                        <a:cs typeface="Times New Roman" panose="02020603050405020304" pitchFamily="18" charset="0"/>
+                      </a:rPr>
+                      <a:t>Gestionar </a:t>
+                    </a:r>
+                    <a:r>
+                      <a:rPr lang="es-VE" sz="1400" dirty="0" smtClean="0">
+                        <a:latin typeface="Times New Roman" panose="02020603050405020304" pitchFamily="18" charset="0"/>
+                        <a:cs typeface="Times New Roman" panose="02020603050405020304" pitchFamily="18" charset="0"/>
+                      </a:rPr>
+                      <a:t>Presupuesto</a:t>
+                    </a:r>
+                    <a:endParaRPr lang="es-VE" sz="1400" dirty="0">
+                      <a:latin typeface="Times New Roman" panose="02020603050405020304" pitchFamily="18" charset="0"/>
+                      <a:cs typeface="Times New Roman" panose="02020603050405020304" pitchFamily="18" charset="0"/>
+                    </a:endParaRPr>
+                  </a:p>
+                </p:txBody>
+              </p:sp>
+              <p:sp>
+                <p:nvSpPr>
+                  <p:cNvPr id="19" name="Elipse 18"/>
+                  <p:cNvSpPr/>
+                  <p:nvPr/>
+                </p:nvSpPr>
+                <p:spPr>
+                  <a:xfrm>
+                    <a:off x="4630906" y="3083436"/>
+                    <a:ext cx="2520000" cy="720000"/>
+                  </a:xfrm>
+                  <a:prstGeom prst="ellipse">
+                    <a:avLst/>
+                  </a:prstGeom>
+                  <a:ln w="57150"/>
+                </p:spPr>
+                <p:style>
+                  <a:lnRef idx="2">
+                    <a:schemeClr val="dk1"/>
+                  </a:lnRef>
+                  <a:fillRef idx="1">
+                    <a:schemeClr val="lt1"/>
+                  </a:fillRef>
+                  <a:effectRef idx="0">
+                    <a:schemeClr val="dk1"/>
+                  </a:effectRef>
+                  <a:fontRef idx="minor">
+                    <a:schemeClr val="dk1"/>
+                  </a:fontRef>
+                </p:style>
+                <p:txBody>
+                  <a:bodyPr rtlCol="0" anchor="ctr"/>
+                  <a:lstStyle/>
+                  <a:p>
+                    <a:pPr algn="ctr"/>
+                    <a:r>
+                      <a:rPr lang="es-VE" sz="1400" dirty="0" smtClean="0">
+                        <a:latin typeface="Times New Roman" panose="02020603050405020304" pitchFamily="18" charset="0"/>
+                        <a:cs typeface="Times New Roman" panose="02020603050405020304" pitchFamily="18" charset="0"/>
+                      </a:rPr>
+                      <a:t>Gestionar </a:t>
+                    </a:r>
+                    <a:r>
+                      <a:rPr lang="es-VE" sz="1400" dirty="0" smtClean="0">
+                        <a:latin typeface="Times New Roman" panose="02020603050405020304" pitchFamily="18" charset="0"/>
+                        <a:cs typeface="Times New Roman" panose="02020603050405020304" pitchFamily="18" charset="0"/>
+                      </a:rPr>
+                      <a:t>Reformulación</a:t>
+                    </a:r>
+                    <a:endParaRPr lang="es-VE" sz="1400" dirty="0">
+                      <a:latin typeface="Times New Roman" panose="02020603050405020304" pitchFamily="18" charset="0"/>
+                      <a:cs typeface="Times New Roman" panose="02020603050405020304" pitchFamily="18" charset="0"/>
+                    </a:endParaRPr>
+                  </a:p>
+                </p:txBody>
+              </p:sp>
+              <p:sp>
+                <p:nvSpPr>
+                  <p:cNvPr id="21" name="Elipse 20"/>
+                  <p:cNvSpPr/>
+                  <p:nvPr/>
+                </p:nvSpPr>
+                <p:spPr>
+                  <a:xfrm>
+                    <a:off x="4630906" y="4599455"/>
+                    <a:ext cx="2520000" cy="720000"/>
+                  </a:xfrm>
+                  <a:prstGeom prst="ellipse">
+                    <a:avLst/>
+                  </a:prstGeom>
+                  <a:ln w="57150"/>
+                </p:spPr>
+                <p:style>
+                  <a:lnRef idx="2">
+                    <a:schemeClr val="dk1"/>
+                  </a:lnRef>
+                  <a:fillRef idx="1">
+                    <a:schemeClr val="lt1"/>
+                  </a:fillRef>
+                  <a:effectRef idx="0">
+                    <a:schemeClr val="dk1"/>
+                  </a:effectRef>
+                  <a:fontRef idx="minor">
+                    <a:schemeClr val="dk1"/>
+                  </a:fontRef>
+                </p:style>
+                <p:txBody>
+                  <a:bodyPr rtlCol="0" anchor="ctr"/>
+                  <a:lstStyle/>
+                  <a:p>
+                    <a:pPr algn="ctr"/>
+                    <a:r>
+                      <a:rPr lang="es-VE" sz="1400" dirty="0" smtClean="0">
+                        <a:latin typeface="Times New Roman" panose="02020603050405020304" pitchFamily="18" charset="0"/>
+                        <a:cs typeface="Times New Roman" panose="02020603050405020304" pitchFamily="18" charset="0"/>
+                      </a:rPr>
+                      <a:t>Gestionar </a:t>
+                    </a:r>
+                    <a:r>
+                      <a:rPr lang="es-VE" sz="1400" dirty="0" smtClean="0">
+                        <a:latin typeface="Times New Roman" panose="02020603050405020304" pitchFamily="18" charset="0"/>
+                        <a:cs typeface="Times New Roman" panose="02020603050405020304" pitchFamily="18" charset="0"/>
+                      </a:rPr>
+                      <a:t>Cuentas</a:t>
+                    </a:r>
+                    <a:endParaRPr lang="es-VE" sz="1400" dirty="0">
+                      <a:latin typeface="Times New Roman" panose="02020603050405020304" pitchFamily="18" charset="0"/>
+                      <a:cs typeface="Times New Roman" panose="02020603050405020304" pitchFamily="18" charset="0"/>
+                    </a:endParaRPr>
+                  </a:p>
+                </p:txBody>
+              </p:sp>
+              <p:sp>
+                <p:nvSpPr>
+                  <p:cNvPr id="25" name="Elipse 24"/>
+                  <p:cNvSpPr/>
+                  <p:nvPr/>
+                </p:nvSpPr>
+                <p:spPr>
+                  <a:xfrm>
+                    <a:off x="4630906" y="6115475"/>
+                    <a:ext cx="2520000" cy="720000"/>
+                  </a:xfrm>
+                  <a:prstGeom prst="ellipse">
+                    <a:avLst/>
+                  </a:prstGeom>
+                  <a:ln w="57150"/>
+                </p:spPr>
+                <p:style>
+                  <a:lnRef idx="2">
+                    <a:schemeClr val="dk1"/>
+                  </a:lnRef>
+                  <a:fillRef idx="1">
+                    <a:schemeClr val="lt1"/>
+                  </a:fillRef>
+                  <a:effectRef idx="0">
+                    <a:schemeClr val="dk1"/>
+                  </a:effectRef>
+                  <a:fontRef idx="minor">
+                    <a:schemeClr val="dk1"/>
+                  </a:fontRef>
+                </p:style>
+                <p:txBody>
+                  <a:bodyPr rtlCol="0" anchor="ctr"/>
+                  <a:lstStyle/>
+                  <a:p>
+                    <a:pPr algn="ctr"/>
+                    <a:r>
+                      <a:rPr lang="es-VE" sz="1400" dirty="0" smtClean="0">
+                        <a:latin typeface="Times New Roman" panose="02020603050405020304" pitchFamily="18" charset="0"/>
+                        <a:cs typeface="Times New Roman" panose="02020603050405020304" pitchFamily="18" charset="0"/>
+                      </a:rPr>
+                      <a:t>Gestionar</a:t>
+                    </a:r>
+                    <a:r>
+                      <a:rPr lang="es-VE" sz="1400" dirty="0" smtClean="0">
+                        <a:latin typeface="Times New Roman" panose="02020603050405020304" pitchFamily="18" charset="0"/>
+                        <a:cs typeface="Times New Roman" panose="02020603050405020304" pitchFamily="18" charset="0"/>
+                      </a:rPr>
+                      <a:t> </a:t>
+                    </a:r>
+                    <a:r>
+                      <a:rPr lang="es-VE" sz="1400" dirty="0" smtClean="0">
+                        <a:latin typeface="Times New Roman" panose="02020603050405020304" pitchFamily="18" charset="0"/>
+                        <a:cs typeface="Times New Roman" panose="02020603050405020304" pitchFamily="18" charset="0"/>
+                      </a:rPr>
+                      <a:t>Nominas</a:t>
+                    </a:r>
+                    <a:endParaRPr lang="es-VE" sz="1400" dirty="0">
+                      <a:latin typeface="Times New Roman" panose="02020603050405020304" pitchFamily="18" charset="0"/>
+                      <a:cs typeface="Times New Roman" panose="02020603050405020304" pitchFamily="18" charset="0"/>
+                    </a:endParaRPr>
+                  </a:p>
+                </p:txBody>
+              </p:sp>
+              <p:sp>
+                <p:nvSpPr>
+                  <p:cNvPr id="27" name="Elipse 26"/>
+                  <p:cNvSpPr/>
+                  <p:nvPr/>
+                </p:nvSpPr>
+                <p:spPr>
+                  <a:xfrm>
+                    <a:off x="8035252" y="1121737"/>
+                    <a:ext cx="2520000" cy="720000"/>
+                  </a:xfrm>
+                  <a:prstGeom prst="ellipse">
+                    <a:avLst/>
+                  </a:prstGeom>
+                  <a:ln w="57150"/>
+                </p:spPr>
+                <p:style>
+                  <a:lnRef idx="2">
+                    <a:schemeClr val="dk1"/>
+                  </a:lnRef>
+                  <a:fillRef idx="1">
+                    <a:schemeClr val="lt1"/>
+                  </a:fillRef>
+                  <a:effectRef idx="0">
+                    <a:schemeClr val="dk1"/>
+                  </a:effectRef>
+                  <a:fontRef idx="minor">
+                    <a:schemeClr val="dk1"/>
+                  </a:fontRef>
+                </p:style>
+                <p:txBody>
+                  <a:bodyPr rtlCol="0" anchor="ctr"/>
+                  <a:lstStyle/>
+                  <a:p>
+                    <a:pPr algn="ctr"/>
+                    <a:r>
+                      <a:rPr lang="es-VE" sz="1400" dirty="0" smtClean="0">
+                        <a:latin typeface="Times New Roman" panose="02020603050405020304" pitchFamily="18" charset="0"/>
+                        <a:cs typeface="Times New Roman" panose="02020603050405020304" pitchFamily="18" charset="0"/>
+                      </a:rPr>
+                      <a:t>Importar </a:t>
+                    </a:r>
+                    <a:r>
+                      <a:rPr lang="es-VE" sz="1400" dirty="0" smtClean="0">
+                        <a:latin typeface="Times New Roman" panose="02020603050405020304" pitchFamily="18" charset="0"/>
+                        <a:cs typeface="Times New Roman" panose="02020603050405020304" pitchFamily="18" charset="0"/>
+                      </a:rPr>
+                      <a:t>Archivo</a:t>
+                    </a:r>
+                    <a:endParaRPr lang="es-VE" sz="1400" dirty="0">
+                      <a:latin typeface="Times New Roman" panose="02020603050405020304" pitchFamily="18" charset="0"/>
+                      <a:cs typeface="Times New Roman" panose="02020603050405020304" pitchFamily="18" charset="0"/>
+                    </a:endParaRPr>
+                  </a:p>
+                </p:txBody>
+              </p:sp>
+              <p:sp>
+                <p:nvSpPr>
+                  <p:cNvPr id="28" name="Elipse 27"/>
+                  <p:cNvSpPr/>
+                  <p:nvPr/>
+                </p:nvSpPr>
+                <p:spPr>
+                  <a:xfrm>
+                    <a:off x="8035252" y="3088811"/>
+                    <a:ext cx="2520000" cy="720000"/>
+                  </a:xfrm>
+                  <a:prstGeom prst="ellipse">
+                    <a:avLst/>
+                  </a:prstGeom>
+                  <a:ln w="57150"/>
+                </p:spPr>
+                <p:style>
+                  <a:lnRef idx="2">
+                    <a:schemeClr val="dk1"/>
+                  </a:lnRef>
+                  <a:fillRef idx="1">
+                    <a:schemeClr val="lt1"/>
+                  </a:fillRef>
+                  <a:effectRef idx="0">
+                    <a:schemeClr val="dk1"/>
+                  </a:effectRef>
+                  <a:fontRef idx="minor">
+                    <a:schemeClr val="dk1"/>
+                  </a:fontRef>
+                </p:style>
+                <p:txBody>
+                  <a:bodyPr rtlCol="0" anchor="ctr"/>
+                  <a:lstStyle/>
+                  <a:p>
+                    <a:pPr algn="ctr"/>
+                    <a:r>
+                      <a:rPr lang="es-VE" sz="1400" dirty="0" smtClean="0">
+                        <a:latin typeface="Times New Roman" panose="02020603050405020304" pitchFamily="18" charset="0"/>
+                        <a:cs typeface="Times New Roman" panose="02020603050405020304" pitchFamily="18" charset="0"/>
+                      </a:rPr>
+                      <a:t>Cargar Archivo</a:t>
+                    </a:r>
+                    <a:endParaRPr lang="es-VE" sz="1400" dirty="0">
+                      <a:latin typeface="Times New Roman" panose="02020603050405020304" pitchFamily="18" charset="0"/>
+                      <a:cs typeface="Times New Roman" panose="02020603050405020304" pitchFamily="18" charset="0"/>
+                    </a:endParaRPr>
+                  </a:p>
+                </p:txBody>
+              </p:sp>
+              <p:sp>
+                <p:nvSpPr>
+                  <p:cNvPr id="34" name="CuadroTexto 33"/>
+                  <p:cNvSpPr txBox="1"/>
+                  <p:nvPr/>
+                </p:nvSpPr>
+                <p:spPr>
+                  <a:xfrm>
+                    <a:off x="720965" y="4120422"/>
+                    <a:ext cx="1012615" cy="307777"/>
+                  </a:xfrm>
+                  <a:prstGeom prst="rect">
+                    <a:avLst/>
+                  </a:prstGeom>
+                  <a:noFill/>
+                </p:spPr>
+                <p:txBody>
+                  <a:bodyPr wrap="square" rtlCol="0">
+                    <a:spAutoFit/>
+                  </a:bodyPr>
+                  <a:lstStyle/>
+                  <a:p>
+                    <a:r>
+                      <a:rPr lang="es-VE" sz="1400" dirty="0" smtClean="0">
+                        <a:latin typeface="Times New Roman" panose="02020603050405020304" pitchFamily="18" charset="0"/>
+                        <a:cs typeface="Times New Roman" panose="02020603050405020304" pitchFamily="18" charset="0"/>
+                      </a:rPr>
+                      <a:t>Supervisor</a:t>
+                    </a:r>
+                    <a:endParaRPr lang="es-VE" sz="1400" dirty="0">
+                      <a:latin typeface="Times New Roman" panose="02020603050405020304" pitchFamily="18" charset="0"/>
+                      <a:cs typeface="Times New Roman" panose="02020603050405020304" pitchFamily="18" charset="0"/>
+                    </a:endParaRPr>
+                  </a:p>
+                </p:txBody>
+              </p:sp>
+              <p:cxnSp>
+                <p:nvCxnSpPr>
+                  <p:cNvPr id="36" name="Conector recto de flecha 35"/>
+                  <p:cNvCxnSpPr>
+                    <a:endCxn id="17" idx="2"/>
+                  </p:cNvCxnSpPr>
+                  <p:nvPr/>
+                </p:nvCxnSpPr>
+                <p:spPr>
+                  <a:xfrm flipV="1">
+                    <a:off x="2720494" y="411398"/>
+                    <a:ext cx="1910412" cy="2730813"/>
+                  </a:xfrm>
+                  <a:prstGeom prst="straightConnector1">
+                    <a:avLst/>
+                  </a:prstGeom>
+                  <a:ln>
+                    <a:tailEnd type="triangle"/>
+                  </a:ln>
+                </p:spPr>
+                <p:style>
+                  <a:lnRef idx="1">
+                    <a:schemeClr val="dk1"/>
+                  </a:lnRef>
+                  <a:fillRef idx="0">
+                    <a:schemeClr val="dk1"/>
+                  </a:fillRef>
+                  <a:effectRef idx="0">
+                    <a:schemeClr val="dk1"/>
+                  </a:effectRef>
+                  <a:fontRef idx="minor">
+                    <a:schemeClr val="tx1"/>
+                  </a:fontRef>
+                </p:style>
+              </p:cxnSp>
+              <p:cxnSp>
+                <p:nvCxnSpPr>
+                  <p:cNvPr id="38" name="Conector recto de flecha 37"/>
+                  <p:cNvCxnSpPr>
+                    <a:endCxn id="25" idx="2"/>
+                  </p:cNvCxnSpPr>
+                  <p:nvPr/>
+                </p:nvCxnSpPr>
+                <p:spPr>
+                  <a:xfrm>
+                    <a:off x="2720494" y="3116454"/>
+                    <a:ext cx="1910412" cy="3359021"/>
+                  </a:xfrm>
+                  <a:prstGeom prst="straightConnector1">
+                    <a:avLst/>
+                  </a:prstGeom>
+                  <a:ln>
+                    <a:tailEnd type="triangle"/>
+                  </a:ln>
+                </p:spPr>
+                <p:style>
+                  <a:lnRef idx="1">
+                    <a:schemeClr val="dk1"/>
+                  </a:lnRef>
+                  <a:fillRef idx="0">
+                    <a:schemeClr val="dk1"/>
+                  </a:fillRef>
+                  <a:effectRef idx="0">
+                    <a:schemeClr val="dk1"/>
+                  </a:effectRef>
+                  <a:fontRef idx="minor">
+                    <a:schemeClr val="tx1"/>
+                  </a:fontRef>
+                </p:style>
+              </p:cxnSp>
+              <p:cxnSp>
+                <p:nvCxnSpPr>
+                  <p:cNvPr id="40" name="Conector recto de flecha 39"/>
+                  <p:cNvCxnSpPr>
+                    <a:endCxn id="18" idx="2"/>
+                  </p:cNvCxnSpPr>
+                  <p:nvPr/>
+                </p:nvCxnSpPr>
+                <p:spPr>
+                  <a:xfrm flipV="1">
+                    <a:off x="2720494" y="1927417"/>
+                    <a:ext cx="1910412" cy="1214795"/>
+                  </a:xfrm>
+                  <a:prstGeom prst="straightConnector1">
+                    <a:avLst/>
+                  </a:prstGeom>
+                  <a:ln>
+                    <a:tailEnd type="triangle"/>
+                  </a:ln>
+                </p:spPr>
+                <p:style>
+                  <a:lnRef idx="1">
+                    <a:schemeClr val="dk1"/>
+                  </a:lnRef>
+                  <a:fillRef idx="0">
+                    <a:schemeClr val="dk1"/>
+                  </a:fillRef>
+                  <a:effectRef idx="0">
+                    <a:schemeClr val="dk1"/>
+                  </a:effectRef>
+                  <a:fontRef idx="minor">
+                    <a:schemeClr val="tx1"/>
+                  </a:fontRef>
+                </p:style>
+              </p:cxnSp>
+              <p:cxnSp>
+                <p:nvCxnSpPr>
+                  <p:cNvPr id="42" name="Conector recto de flecha 41"/>
+                  <p:cNvCxnSpPr>
+                    <a:endCxn id="19" idx="2"/>
+                  </p:cNvCxnSpPr>
+                  <p:nvPr/>
+                </p:nvCxnSpPr>
+                <p:spPr>
+                  <a:xfrm>
+                    <a:off x="2720494" y="3149436"/>
+                    <a:ext cx="1910412" cy="294000"/>
+                  </a:xfrm>
+                  <a:prstGeom prst="straightConnector1">
+                    <a:avLst/>
+                  </a:prstGeom>
+                  <a:ln>
+                    <a:tailEnd type="triangle"/>
+                  </a:ln>
+                </p:spPr>
+                <p:style>
+                  <a:lnRef idx="1">
+                    <a:schemeClr val="dk1"/>
+                  </a:lnRef>
+                  <a:fillRef idx="0">
+                    <a:schemeClr val="dk1"/>
+                  </a:fillRef>
+                  <a:effectRef idx="0">
+                    <a:schemeClr val="dk1"/>
+                  </a:effectRef>
+                  <a:fontRef idx="minor">
+                    <a:schemeClr val="tx1"/>
+                  </a:fontRef>
+                </p:style>
+              </p:cxnSp>
+              <p:cxnSp>
+                <p:nvCxnSpPr>
+                  <p:cNvPr id="44" name="Conector recto de flecha 43"/>
+                  <p:cNvCxnSpPr>
+                    <a:endCxn id="21" idx="2"/>
+                  </p:cNvCxnSpPr>
+                  <p:nvPr/>
+                </p:nvCxnSpPr>
+                <p:spPr>
+                  <a:xfrm>
+                    <a:off x="2708785" y="3140533"/>
+                    <a:ext cx="1922121" cy="1818922"/>
+                  </a:xfrm>
+                  <a:prstGeom prst="straightConnector1">
+                    <a:avLst/>
+                  </a:prstGeom>
+                  <a:ln>
+                    <a:tailEnd type="triangle"/>
+                  </a:ln>
+                </p:spPr>
+                <p:style>
+                  <a:lnRef idx="1">
+                    <a:schemeClr val="dk1"/>
+                  </a:lnRef>
+                  <a:fillRef idx="0">
+                    <a:schemeClr val="dk1"/>
+                  </a:fillRef>
+                  <a:effectRef idx="0">
+                    <a:schemeClr val="dk1"/>
+                  </a:effectRef>
+                  <a:fontRef idx="minor">
+                    <a:schemeClr val="tx1"/>
+                  </a:fontRef>
+                </p:style>
+              </p:cxnSp>
+              <p:cxnSp>
+                <p:nvCxnSpPr>
+                  <p:cNvPr id="65" name="Conector recto de flecha 64"/>
+                  <p:cNvCxnSpPr>
+                    <a:stCxn id="16" idx="6"/>
+                    <a:endCxn id="17" idx="2"/>
+                  </p:cNvCxnSpPr>
+                  <p:nvPr/>
+                </p:nvCxnSpPr>
+                <p:spPr>
+                  <a:xfrm>
+                    <a:off x="3390657" y="411398"/>
+                    <a:ext cx="1240249" cy="0"/>
+                  </a:xfrm>
+                  <a:prstGeom prst="straightConnector1">
+                    <a:avLst/>
+                  </a:prstGeom>
+                  <a:ln w="9525" cap="flat" cmpd="sng" algn="ctr">
+                    <a:solidFill>
+                      <a:schemeClr val="dk1"/>
+                    </a:solidFill>
+                    <a:prstDash val="dash"/>
+                    <a:round/>
+                    <a:headEnd type="triangle" w="med" len="med"/>
+                    <a:tailEnd type="none" w="med" len="med"/>
+                  </a:ln>
+                </p:spPr>
+                <p:style>
+                  <a:lnRef idx="0">
+                    <a:scrgbClr r="0" g="0" b="0"/>
+                  </a:lnRef>
+                  <a:fillRef idx="0">
+                    <a:scrgbClr r="0" g="0" b="0"/>
+                  </a:fillRef>
+                  <a:effectRef idx="0">
+                    <a:scrgbClr r="0" g="0" b="0"/>
+                  </a:effectRef>
+                  <a:fontRef idx="minor">
+                    <a:schemeClr val="tx1"/>
+                  </a:fontRef>
+                </p:style>
+              </p:cxnSp>
+              <p:cxnSp>
+                <p:nvCxnSpPr>
+                  <p:cNvPr id="67" name="Conector recto de flecha 66"/>
+                  <p:cNvCxnSpPr>
+                    <a:stCxn id="27" idx="2"/>
+                    <a:endCxn id="18" idx="6"/>
+                  </p:cNvCxnSpPr>
+                  <p:nvPr/>
+                </p:nvCxnSpPr>
+                <p:spPr>
+                  <a:xfrm flipH="1">
+                    <a:off x="7150906" y="1481737"/>
+                    <a:ext cx="884346" cy="445680"/>
+                  </a:xfrm>
+                  <a:prstGeom prst="straightConnector1">
+                    <a:avLst/>
+                  </a:prstGeom>
+                  <a:ln w="9525" cap="flat" cmpd="sng" algn="ctr">
+                    <a:solidFill>
+                      <a:schemeClr val="dk1"/>
+                    </a:solidFill>
+                    <a:prstDash val="dash"/>
+                    <a:round/>
+                    <a:headEnd type="triangle" w="med" len="med"/>
+                    <a:tailEnd type="none" w="med" len="med"/>
+                  </a:ln>
+                </p:spPr>
+                <p:style>
+                  <a:lnRef idx="0">
+                    <a:scrgbClr r="0" g="0" b="0"/>
+                  </a:lnRef>
+                  <a:fillRef idx="0">
+                    <a:scrgbClr r="0" g="0" b="0"/>
+                  </a:fillRef>
+                  <a:effectRef idx="0">
+                    <a:scrgbClr r="0" g="0" b="0"/>
+                  </a:effectRef>
+                  <a:fontRef idx="minor">
+                    <a:schemeClr val="tx1"/>
+                  </a:fontRef>
+                </p:style>
+              </p:cxnSp>
+              <p:cxnSp>
+                <p:nvCxnSpPr>
+                  <p:cNvPr id="70" name="Conector recto de flecha 69"/>
+                  <p:cNvCxnSpPr>
+                    <a:stCxn id="28" idx="2"/>
+                    <a:endCxn id="19" idx="6"/>
+                  </p:cNvCxnSpPr>
+                  <p:nvPr/>
+                </p:nvCxnSpPr>
+                <p:spPr>
+                  <a:xfrm flipH="1" flipV="1">
+                    <a:off x="7150906" y="3443436"/>
+                    <a:ext cx="884346" cy="5375"/>
+                  </a:xfrm>
+                  <a:prstGeom prst="straightConnector1">
+                    <a:avLst/>
+                  </a:prstGeom>
+                  <a:ln w="9525" cap="flat" cmpd="sng" algn="ctr">
+                    <a:solidFill>
+                      <a:schemeClr val="dk1"/>
+                    </a:solidFill>
+                    <a:prstDash val="dash"/>
+                    <a:round/>
+                    <a:headEnd type="triangle" w="med" len="med"/>
+                    <a:tailEnd type="none" w="med" len="med"/>
+                  </a:ln>
+                </p:spPr>
+                <p:style>
+                  <a:lnRef idx="0">
+                    <a:scrgbClr r="0" g="0" b="0"/>
+                  </a:lnRef>
+                  <a:fillRef idx="0">
+                    <a:scrgbClr r="0" g="0" b="0"/>
+                  </a:fillRef>
+                  <a:effectRef idx="0">
+                    <a:scrgbClr r="0" g="0" b="0"/>
+                  </a:effectRef>
+                  <a:fontRef idx="minor">
+                    <a:schemeClr val="tx1"/>
+                  </a:fontRef>
+                </p:style>
+              </p:cxnSp>
+              <p:sp>
+                <p:nvSpPr>
+                  <p:cNvPr id="82" name="CuadroTexto 81"/>
+                  <p:cNvSpPr txBox="1"/>
+                  <p:nvPr/>
+                </p:nvSpPr>
+                <p:spPr>
+                  <a:xfrm>
+                    <a:off x="7045520" y="3150178"/>
+                    <a:ext cx="1119519" cy="307777"/>
+                  </a:xfrm>
+                  <a:prstGeom prst="rect">
+                    <a:avLst/>
+                  </a:prstGeom>
+                  <a:noFill/>
+                </p:spPr>
+                <p:txBody>
+                  <a:bodyPr wrap="square" rtlCol="0">
+                    <a:spAutoFit/>
+                  </a:bodyPr>
+                  <a:lstStyle/>
+                  <a:p>
+                    <a:r>
+                      <a:rPr lang="es-VE" sz="1400" dirty="0" smtClean="0">
+                        <a:latin typeface="Times New Roman" panose="02020603050405020304" pitchFamily="18" charset="0"/>
+                        <a:cs typeface="Times New Roman" panose="02020603050405020304" pitchFamily="18" charset="0"/>
+                      </a:rPr>
+                      <a:t>&lt;&lt;Include&gt;&gt;</a:t>
+                    </a:r>
+                    <a:endParaRPr lang="es-VE" sz="1400" dirty="0">
+                      <a:latin typeface="Times New Roman" panose="02020603050405020304" pitchFamily="18" charset="0"/>
+                      <a:cs typeface="Times New Roman" panose="02020603050405020304" pitchFamily="18" charset="0"/>
+                    </a:endParaRPr>
+                  </a:p>
+                </p:txBody>
+              </p:sp>
+              <p:sp>
+                <p:nvSpPr>
+                  <p:cNvPr id="83" name="CuadroTexto 82"/>
+                  <p:cNvSpPr txBox="1"/>
+                  <p:nvPr/>
+                </p:nvSpPr>
+                <p:spPr>
+                  <a:xfrm>
+                    <a:off x="6731627" y="1309393"/>
+                    <a:ext cx="1119519" cy="307777"/>
+                  </a:xfrm>
+                  <a:prstGeom prst="rect">
+                    <a:avLst/>
+                  </a:prstGeom>
+                  <a:noFill/>
+                </p:spPr>
+                <p:txBody>
+                  <a:bodyPr wrap="square" rtlCol="0">
+                    <a:spAutoFit/>
+                  </a:bodyPr>
+                  <a:lstStyle/>
+                  <a:p>
+                    <a:r>
+                      <a:rPr lang="es-VE" sz="1400" dirty="0" smtClean="0">
+                        <a:latin typeface="Times New Roman" panose="02020603050405020304" pitchFamily="18" charset="0"/>
+                        <a:cs typeface="Times New Roman" panose="02020603050405020304" pitchFamily="18" charset="0"/>
+                      </a:rPr>
+                      <a:t>&lt;&lt;Include&gt;&gt;</a:t>
+                    </a:r>
+                    <a:endParaRPr lang="es-VE" sz="1400" dirty="0">
+                      <a:latin typeface="Times New Roman" panose="02020603050405020304" pitchFamily="18" charset="0"/>
+                      <a:cs typeface="Times New Roman" panose="02020603050405020304" pitchFamily="18" charset="0"/>
+                    </a:endParaRPr>
+                  </a:p>
+                </p:txBody>
+              </p:sp>
+              <p:sp>
+                <p:nvSpPr>
+                  <p:cNvPr id="84" name="CuadroTexto 83"/>
+                  <p:cNvSpPr txBox="1"/>
+                  <p:nvPr/>
+                </p:nvSpPr>
+                <p:spPr>
+                  <a:xfrm>
+                    <a:off x="3451022" y="97033"/>
+                    <a:ext cx="1119519" cy="307777"/>
+                  </a:xfrm>
+                  <a:prstGeom prst="rect">
+                    <a:avLst/>
+                  </a:prstGeom>
+                  <a:noFill/>
+                </p:spPr>
+                <p:txBody>
+                  <a:bodyPr wrap="square" rtlCol="0">
+                    <a:spAutoFit/>
+                  </a:bodyPr>
+                  <a:lstStyle/>
+                  <a:p>
+                    <a:r>
+                      <a:rPr lang="es-VE" sz="1400" dirty="0" smtClean="0">
+                        <a:latin typeface="Times New Roman" panose="02020603050405020304" pitchFamily="18" charset="0"/>
+                        <a:cs typeface="Times New Roman" panose="02020603050405020304" pitchFamily="18" charset="0"/>
+                      </a:rPr>
+                      <a:t>&lt;&lt;Include&gt;&gt;</a:t>
+                    </a:r>
+                    <a:endParaRPr lang="es-VE" sz="1400" dirty="0">
+                      <a:latin typeface="Times New Roman" panose="02020603050405020304" pitchFamily="18" charset="0"/>
+                      <a:cs typeface="Times New Roman" panose="02020603050405020304" pitchFamily="18" charset="0"/>
+                    </a:endParaRPr>
+                  </a:p>
+                </p:txBody>
+              </p:sp>
+            </p:grpSp>
+            <p:sp>
+              <p:nvSpPr>
+                <p:cNvPr id="35" name="Elipse 34"/>
+                <p:cNvSpPr/>
+                <p:nvPr/>
+              </p:nvSpPr>
+              <p:spPr>
+                <a:xfrm>
+                  <a:off x="8035252" y="2045298"/>
+                  <a:ext cx="2520000" cy="720000"/>
+                </a:xfrm>
+                <a:prstGeom prst="ellipse">
+                  <a:avLst/>
+                </a:prstGeom>
+                <a:ln w="57150"/>
+              </p:spPr>
+              <p:style>
+                <a:lnRef idx="2">
+                  <a:schemeClr val="dk1"/>
+                </a:lnRef>
+                <a:fillRef idx="1">
+                  <a:schemeClr val="lt1"/>
+                </a:fillRef>
+                <a:effectRef idx="0">
+                  <a:schemeClr val="dk1"/>
+                </a:effectRef>
+                <a:fontRef idx="minor">
+                  <a:schemeClr val="dk1"/>
+                </a:fontRef>
+              </p:style>
+              <p:txBody>
+                <a:bodyPr rtlCol="0" anchor="ctr"/>
+                <a:lstStyle/>
+                <a:p>
+                  <a:pPr algn="ctr"/>
+                  <a:r>
+                    <a:rPr lang="es-VE" sz="1400" dirty="0" smtClean="0">
+                      <a:latin typeface="Times New Roman" panose="02020603050405020304" pitchFamily="18" charset="0"/>
+                      <a:cs typeface="Times New Roman" panose="02020603050405020304" pitchFamily="18" charset="0"/>
+                    </a:rPr>
+                    <a:t>Exportar</a:t>
+                  </a:r>
+                  <a:r>
+                    <a:rPr lang="es-VE" sz="1400" dirty="0" smtClean="0">
+                      <a:latin typeface="Times New Roman" panose="02020603050405020304" pitchFamily="18" charset="0"/>
+                      <a:cs typeface="Times New Roman" panose="02020603050405020304" pitchFamily="18" charset="0"/>
+                    </a:rPr>
+                    <a:t> Archivo</a:t>
+                  </a:r>
+                  <a:endParaRPr lang="es-VE" sz="1400" dirty="0">
+                    <a:latin typeface="Times New Roman" panose="02020603050405020304" pitchFamily="18" charset="0"/>
+                    <a:cs typeface="Times New Roman" panose="02020603050405020304" pitchFamily="18" charset="0"/>
+                  </a:endParaRPr>
+                </a:p>
+              </p:txBody>
+            </p:sp>
+            <p:cxnSp>
+              <p:nvCxnSpPr>
+                <p:cNvPr id="37" name="Conector recto de flecha 36"/>
+                <p:cNvCxnSpPr>
+                  <a:stCxn id="35" idx="2"/>
+                  <a:endCxn id="18" idx="6"/>
+                </p:cNvCxnSpPr>
+                <p:nvPr/>
+              </p:nvCxnSpPr>
+              <p:spPr>
+                <a:xfrm flipH="1" flipV="1">
+                  <a:off x="7150906" y="1927417"/>
+                  <a:ext cx="884346" cy="477881"/>
+                </a:xfrm>
+                <a:prstGeom prst="straightConnector1">
+                  <a:avLst/>
+                </a:prstGeom>
+                <a:ln w="9525" cap="flat" cmpd="sng" algn="ctr">
+                  <a:solidFill>
+                    <a:schemeClr val="dk1"/>
+                  </a:solidFill>
+                  <a:prstDash val="dash"/>
+                  <a:round/>
+                  <a:headEnd type="triangle" w="med" len="med"/>
+                  <a:tailEnd type="none" w="med" len="med"/>
+                </a:ln>
+              </p:spPr>
+              <p:style>
+                <a:lnRef idx="0">
+                  <a:scrgbClr r="0" g="0" b="0"/>
+                </a:lnRef>
+                <a:fillRef idx="0">
+                  <a:scrgbClr r="0" g="0" b="0"/>
+                </a:fillRef>
+                <a:effectRef idx="0">
+                  <a:scrgbClr r="0" g="0" b="0"/>
+                </a:effectRef>
+                <a:fontRef idx="minor">
+                  <a:schemeClr val="tx1"/>
+                </a:fontRef>
+              </p:style>
+            </p:cxnSp>
+          </p:grpSp>
+          <p:sp>
+            <p:nvSpPr>
+              <p:cNvPr id="41" name="Elipse 40"/>
+              <p:cNvSpPr/>
+              <p:nvPr/>
+            </p:nvSpPr>
+            <p:spPr>
+              <a:xfrm>
+                <a:off x="8140638" y="6117740"/>
+                <a:ext cx="2520000" cy="720000"/>
+              </a:xfrm>
+              <a:prstGeom prst="ellipse">
+                <a:avLst/>
+              </a:prstGeom>
+              <a:ln w="57150"/>
+            </p:spPr>
+            <p:style>
+              <a:lnRef idx="2">
+                <a:schemeClr val="dk1"/>
+              </a:lnRef>
+              <a:fillRef idx="1">
+                <a:schemeClr val="lt1"/>
+              </a:fillRef>
+              <a:effectRef idx="0">
+                <a:schemeClr val="dk1"/>
+              </a:effectRef>
+              <a:fontRef idx="minor">
+                <a:schemeClr val="dk1"/>
+              </a:fontRef>
+            </p:style>
+            <p:txBody>
+              <a:bodyPr rtlCol="0" anchor="ctr"/>
+              <a:lstStyle/>
+              <a:p>
+                <a:pPr algn="ctr"/>
+                <a:r>
+                  <a:rPr lang="es-VE" sz="1400" dirty="0" smtClean="0">
+                    <a:latin typeface="Times New Roman" panose="02020603050405020304" pitchFamily="18" charset="0"/>
+                    <a:cs typeface="Times New Roman" panose="02020603050405020304" pitchFamily="18" charset="0"/>
+                  </a:rPr>
+                  <a:t>Cargar Archivo</a:t>
+                </a:r>
+                <a:endParaRPr lang="es-VE" sz="1400" dirty="0">
+                  <a:latin typeface="Times New Roman" panose="02020603050405020304" pitchFamily="18" charset="0"/>
+                  <a:cs typeface="Times New Roman" panose="02020603050405020304" pitchFamily="18" charset="0"/>
+                </a:endParaRPr>
+              </a:p>
+            </p:txBody>
+          </p:sp>
+          <p:cxnSp>
+            <p:nvCxnSpPr>
+              <p:cNvPr id="43" name="Conector recto de flecha 42"/>
+              <p:cNvCxnSpPr>
+                <a:stCxn id="41" idx="2"/>
+                <a:endCxn id="25" idx="6"/>
+              </p:cNvCxnSpPr>
+              <p:nvPr/>
+            </p:nvCxnSpPr>
+            <p:spPr>
+              <a:xfrm flipH="1" flipV="1">
+                <a:off x="7150906" y="6475475"/>
+                <a:ext cx="989732" cy="2265"/>
+              </a:xfrm>
+              <a:prstGeom prst="straightConnector1">
+                <a:avLst/>
+              </a:prstGeom>
+              <a:ln w="9525" cap="flat" cmpd="sng" algn="ctr">
+                <a:solidFill>
+                  <a:schemeClr val="dk1"/>
+                </a:solidFill>
+                <a:prstDash val="dash"/>
+                <a:round/>
+                <a:headEnd type="triangle" w="med" len="med"/>
+                <a:tailEnd type="none" w="med" len="med"/>
+              </a:ln>
+            </p:spPr>
+            <p:style>
+              <a:lnRef idx="0">
+                <a:scrgbClr r="0" g="0" b="0"/>
+              </a:lnRef>
+              <a:fillRef idx="0">
+                <a:scrgbClr r="0" g="0" b="0"/>
+              </a:fillRef>
+              <a:effectRef idx="0">
+                <a:scrgbClr r="0" g="0" b="0"/>
+              </a:effectRef>
+              <a:fontRef idx="minor">
+                <a:schemeClr val="tx1"/>
+              </a:fontRef>
+            </p:style>
+          </p:cxnSp>
+          <p:sp>
+            <p:nvSpPr>
+              <p:cNvPr id="45" name="CuadroTexto 44"/>
+              <p:cNvSpPr txBox="1"/>
+              <p:nvPr/>
+            </p:nvSpPr>
+            <p:spPr>
+              <a:xfrm>
+                <a:off x="7150906" y="6133387"/>
+                <a:ext cx="1119519" cy="307777"/>
+              </a:xfrm>
+              <a:prstGeom prst="rect">
+                <a:avLst/>
+              </a:prstGeom>
+              <a:noFill/>
+            </p:spPr>
+            <p:txBody>
+              <a:bodyPr wrap="square" rtlCol="0">
+                <a:spAutoFit/>
+              </a:bodyPr>
+              <a:lstStyle/>
+              <a:p>
+                <a:r>
+                  <a:rPr lang="es-VE" sz="1400" dirty="0" smtClean="0">
+                    <a:latin typeface="Times New Roman" panose="02020603050405020304" pitchFamily="18" charset="0"/>
+                    <a:cs typeface="Times New Roman" panose="02020603050405020304" pitchFamily="18" charset="0"/>
+                  </a:rPr>
+                  <a:t>&lt;&lt;Include&gt;&gt;</a:t>
+                </a:r>
+                <a:endParaRPr lang="es-VE" sz="1400" dirty="0">
+                  <a:latin typeface="Times New Roman" panose="02020603050405020304" pitchFamily="18" charset="0"/>
+                  <a:cs typeface="Times New Roman" panose="02020603050405020304" pitchFamily="18" charset="0"/>
+                </a:endParaRPr>
+              </a:p>
+            </p:txBody>
+          </p:sp>
+        </p:grpSp>
+      </p:grpSp>
+    </p:spTree>
+    <p:extLst>
+      <p:ext uri="{BB962C8B-B14F-4D97-AF65-F5344CB8AC3E}">
+        <p14:creationId xmlns:p14="http://schemas.microsoft.com/office/powerpoint/2010/main" val="1056881136"/>
+      </p:ext>
+    </p:extLst>
+  </p:cSld>
+  <p:clrMapOvr>
+    <a:masterClrMapping/>
+  </p:clrMapOvr>
+</p:sld>
+</file>
+
+<file path=ppt/slides/slide2.xml><?xml version="1.0" encoding="utf-8"?>
+<p:sld xmlns:a="http://schemas.openxmlformats.org/drawingml/2006/main" xmlns:r="http://schemas.openxmlformats.org/officeDocument/2006/relationships" xmlns:p="http://schemas.openxmlformats.org/presentationml/2006/main">
+  <p:cSld>
+    <p:spTree>
+      <p:nvGrpSpPr>
+        <p:cNvPr id="1" name=""/>
+        <p:cNvGrpSpPr/>
+        <p:nvPr/>
+      </p:nvGrpSpPr>
+      <p:grpSpPr>
+        <a:xfrm>
+          <a:off x="0" y="0"/>
+          <a:ext cx="0" cy="0"/>
+          <a:chOff x="0" y="0"/>
+          <a:chExt cx="0" cy="0"/>
+        </a:xfrm>
+      </p:grpSpPr>
+      <p:grpSp>
+        <p:nvGrpSpPr>
+          <p:cNvPr id="20" name="Grupo 19"/>
+          <p:cNvGrpSpPr/>
+          <p:nvPr/>
+        </p:nvGrpSpPr>
+        <p:grpSpPr>
+          <a:xfrm>
+            <a:off x="870657" y="51398"/>
+            <a:ext cx="9814382" cy="6784077"/>
+            <a:chOff x="870657" y="51398"/>
+            <a:chExt cx="9814382" cy="6784077"/>
+          </a:xfrm>
+        </p:grpSpPr>
+        <p:sp>
+          <p:nvSpPr>
+            <p:cNvPr id="39" name="CuadroTexto 38"/>
+            <p:cNvSpPr txBox="1"/>
+            <p:nvPr/>
+          </p:nvSpPr>
+          <p:spPr>
+            <a:xfrm>
+              <a:off x="7104068" y="91432"/>
+              <a:ext cx="1119519" cy="307777"/>
+            </a:xfrm>
+            <a:prstGeom prst="rect">
+              <a:avLst/>
+            </a:prstGeom>
+            <a:noFill/>
+          </p:spPr>
+          <p:txBody>
+            <a:bodyPr wrap="square" rtlCol="0">
+              <a:spAutoFit/>
+            </a:bodyPr>
+            <a:lstStyle/>
+            <a:p>
+              <a:r>
+                <a:rPr lang="es-VE" sz="1400" dirty="0" smtClean="0">
+                  <a:latin typeface="Times New Roman" panose="02020603050405020304" pitchFamily="18" charset="0"/>
+                  <a:cs typeface="Times New Roman" panose="02020603050405020304" pitchFamily="18" charset="0"/>
+                </a:rPr>
+                <a:t>&lt;&lt;Include&gt;&gt;</a:t>
+              </a:r>
+              <a:endParaRPr lang="es-VE" sz="1400" dirty="0">
+                <a:latin typeface="Times New Roman" panose="02020603050405020304" pitchFamily="18" charset="0"/>
+                <a:cs typeface="Times New Roman" panose="02020603050405020304" pitchFamily="18" charset="0"/>
+              </a:endParaRPr>
+            </a:p>
+          </p:txBody>
+        </p:sp>
+        <p:grpSp>
+          <p:nvGrpSpPr>
+            <p:cNvPr id="7" name="Grupo 6"/>
+            <p:cNvGrpSpPr/>
+            <p:nvPr/>
+          </p:nvGrpSpPr>
+          <p:grpSpPr>
+            <a:xfrm>
+              <a:off x="870657" y="51398"/>
+              <a:ext cx="9814382" cy="6784077"/>
+              <a:chOff x="870657" y="51398"/>
+              <a:chExt cx="9814382" cy="6784077"/>
+            </a:xfrm>
+          </p:grpSpPr>
+          <p:grpSp>
+            <p:nvGrpSpPr>
+              <p:cNvPr id="2" name="Grupo 1"/>
+              <p:cNvGrpSpPr/>
+              <p:nvPr/>
+            </p:nvGrpSpPr>
+            <p:grpSpPr>
+              <a:xfrm>
+                <a:off x="870657" y="51398"/>
+                <a:ext cx="6276506" cy="6784077"/>
+                <a:chOff x="870657" y="51398"/>
+                <a:chExt cx="6276506" cy="6784077"/>
+              </a:xfrm>
+            </p:grpSpPr>
+            <p:grpSp>
+              <p:nvGrpSpPr>
+                <p:cNvPr id="15" name="Grupo 14"/>
+                <p:cNvGrpSpPr/>
+                <p:nvPr/>
+              </p:nvGrpSpPr>
+              <p:grpSpPr>
+                <a:xfrm>
+                  <a:off x="870657" y="1994875"/>
+                  <a:ext cx="713232" cy="2072664"/>
+                  <a:chOff x="722376" y="1883664"/>
+                  <a:chExt cx="713232" cy="2072664"/>
+                </a:xfrm>
+              </p:grpSpPr>
+              <p:sp>
+                <p:nvSpPr>
+                  <p:cNvPr id="4" name="Elipse 3"/>
+                  <p:cNvSpPr/>
+                  <p:nvPr/>
+                </p:nvSpPr>
+                <p:spPr>
+                  <a:xfrm>
+                    <a:off x="722376" y="1883664"/>
+                    <a:ext cx="713232" cy="731520"/>
+                  </a:xfrm>
+                  <a:prstGeom prst="ellipse">
+                    <a:avLst/>
+                  </a:prstGeom>
+                </p:spPr>
+                <p:style>
+                  <a:lnRef idx="2">
+                    <a:schemeClr val="dk1"/>
+                  </a:lnRef>
+                  <a:fillRef idx="1">
+                    <a:schemeClr val="lt1"/>
+                  </a:fillRef>
+                  <a:effectRef idx="0">
+                    <a:schemeClr val="dk1"/>
+                  </a:effectRef>
+                  <a:fontRef idx="minor">
+                    <a:schemeClr val="dk1"/>
+                  </a:fontRef>
+                </p:style>
+                <p:txBody>
+                  <a:bodyPr rtlCol="0" anchor="ctr"/>
+                  <a:lstStyle/>
+                  <a:p>
+                    <a:pPr algn="ctr"/>
+                    <a:endParaRPr lang="es-VE" b="1">
+                      <a:ln w="10160">
+                        <a:solidFill>
+                          <a:schemeClr val="accent5"/>
+                        </a:solidFill>
+                        <a:prstDash val="solid"/>
+                      </a:ln>
+                      <a:solidFill>
+                        <a:srgbClr val="FFFFFF"/>
+                      </a:solidFill>
+                      <a:effectLst>
+                        <a:outerShdw blurRad="38100" dist="22860" dir="5400000" algn="tl" rotWithShape="0">
+                          <a:srgbClr val="000000">
+                            <a:alpha val="30000"/>
+                          </a:srgbClr>
+                        </a:outerShdw>
+                      </a:effectLst>
+                    </a:endParaRPr>
+                  </a:p>
+                </p:txBody>
+              </p:sp>
+              <p:cxnSp>
+                <p:nvCxnSpPr>
+                  <p:cNvPr id="6" name="Conector recto 5"/>
+                  <p:cNvCxnSpPr>
+                    <a:stCxn id="4" idx="4"/>
+                  </p:cNvCxnSpPr>
+                  <p:nvPr/>
+                </p:nvCxnSpPr>
+                <p:spPr>
+                  <a:xfrm flipH="1">
+                    <a:off x="1071050" y="2615184"/>
+                    <a:ext cx="7942" cy="780118"/>
+                  </a:xfrm>
+                  <a:prstGeom prst="line">
+                    <a:avLst/>
+                  </a:prstGeom>
+                </p:spPr>
+                <p:style>
+                  <a:lnRef idx="1">
+                    <a:schemeClr val="dk1"/>
+                  </a:lnRef>
+                  <a:fillRef idx="0">
+                    <a:schemeClr val="dk1"/>
+                  </a:fillRef>
+                  <a:effectRef idx="0">
+                    <a:schemeClr val="dk1"/>
+                  </a:effectRef>
+                  <a:fontRef idx="minor">
+                    <a:schemeClr val="tx1"/>
+                  </a:fontRef>
+                </p:style>
+              </p:cxnSp>
+              <p:cxnSp>
+                <p:nvCxnSpPr>
+                  <p:cNvPr id="8" name="Conector recto 7"/>
+                  <p:cNvCxnSpPr>
+                    <a:stCxn id="4" idx="4"/>
+                  </p:cNvCxnSpPr>
+                  <p:nvPr/>
+                </p:nvCxnSpPr>
+                <p:spPr>
+                  <a:xfrm>
+                    <a:off x="1078992" y="2615184"/>
+                    <a:ext cx="298073" cy="419458"/>
+                  </a:xfrm>
+                  <a:prstGeom prst="line">
+                    <a:avLst/>
+                  </a:prstGeom>
+                </p:spPr>
+                <p:style>
+                  <a:lnRef idx="1">
+                    <a:schemeClr val="dk1"/>
+                  </a:lnRef>
+                  <a:fillRef idx="0">
+                    <a:schemeClr val="dk1"/>
+                  </a:fillRef>
+                  <a:effectRef idx="0">
+                    <a:schemeClr val="dk1"/>
+                  </a:effectRef>
+                  <a:fontRef idx="minor">
+                    <a:schemeClr val="tx1"/>
+                  </a:fontRef>
+                </p:style>
+              </p:cxnSp>
+              <p:cxnSp>
+                <p:nvCxnSpPr>
+                  <p:cNvPr id="10" name="Conector recto 9"/>
+                  <p:cNvCxnSpPr>
+                    <a:stCxn id="4" idx="4"/>
+                  </p:cNvCxnSpPr>
+                  <p:nvPr/>
+                </p:nvCxnSpPr>
+                <p:spPr>
+                  <a:xfrm flipH="1">
+                    <a:off x="805109" y="2615184"/>
+                    <a:ext cx="273883" cy="415815"/>
+                  </a:xfrm>
+                  <a:prstGeom prst="line">
+                    <a:avLst/>
+                  </a:prstGeom>
+                </p:spPr>
+                <p:style>
+                  <a:lnRef idx="1">
+                    <a:schemeClr val="dk1"/>
+                  </a:lnRef>
+                  <a:fillRef idx="0">
+                    <a:schemeClr val="dk1"/>
+                  </a:fillRef>
+                  <a:effectRef idx="0">
+                    <a:schemeClr val="dk1"/>
+                  </a:effectRef>
+                  <a:fontRef idx="minor">
+                    <a:schemeClr val="tx1"/>
+                  </a:fontRef>
+                </p:style>
+              </p:cxnSp>
+              <p:cxnSp>
+                <p:nvCxnSpPr>
+                  <p:cNvPr id="12" name="Conector recto 11"/>
+                  <p:cNvCxnSpPr/>
+                  <p:nvPr/>
+                </p:nvCxnSpPr>
+                <p:spPr>
+                  <a:xfrm>
+                    <a:off x="1071050" y="3395302"/>
+                    <a:ext cx="251369" cy="561026"/>
+                  </a:xfrm>
+                  <a:prstGeom prst="line">
+                    <a:avLst/>
+                  </a:prstGeom>
+                </p:spPr>
+                <p:style>
+                  <a:lnRef idx="1">
+                    <a:schemeClr val="dk1"/>
+                  </a:lnRef>
+                  <a:fillRef idx="0">
+                    <a:schemeClr val="dk1"/>
+                  </a:fillRef>
+                  <a:effectRef idx="0">
+                    <a:schemeClr val="dk1"/>
+                  </a:effectRef>
+                  <a:fontRef idx="minor">
+                    <a:schemeClr val="tx1"/>
+                  </a:fontRef>
+                </p:style>
+              </p:cxnSp>
+              <p:cxnSp>
+                <p:nvCxnSpPr>
+                  <p:cNvPr id="14" name="Conector recto 13"/>
+                  <p:cNvCxnSpPr/>
+                  <p:nvPr/>
+                </p:nvCxnSpPr>
+                <p:spPr>
+                  <a:xfrm flipH="1">
+                    <a:off x="848825" y="3395302"/>
+                    <a:ext cx="222225" cy="561026"/>
+                  </a:xfrm>
+                  <a:prstGeom prst="line">
+                    <a:avLst/>
+                  </a:prstGeom>
+                </p:spPr>
+                <p:style>
+                  <a:lnRef idx="1">
+                    <a:schemeClr val="dk1"/>
+                  </a:lnRef>
+                  <a:fillRef idx="0">
+                    <a:schemeClr val="dk1"/>
+                  </a:fillRef>
+                  <a:effectRef idx="0">
+                    <a:schemeClr val="dk1"/>
+                  </a:effectRef>
+                  <a:fontRef idx="minor">
+                    <a:schemeClr val="tx1"/>
+                  </a:fontRef>
+                </p:style>
+              </p:cxnSp>
+            </p:grpSp>
+            <p:sp>
+              <p:nvSpPr>
+                <p:cNvPr id="16" name="Elipse 15"/>
+                <p:cNvSpPr/>
+                <p:nvPr/>
+              </p:nvSpPr>
+              <p:spPr>
+                <a:xfrm>
+                  <a:off x="870657" y="51398"/>
+                  <a:ext cx="2520000" cy="720000"/>
+                </a:xfrm>
+                <a:prstGeom prst="ellipse">
+                  <a:avLst/>
+                </a:prstGeom>
+                <a:ln w="57150"/>
+              </p:spPr>
+              <p:style>
+                <a:lnRef idx="2">
+                  <a:schemeClr val="dk1"/>
+                </a:lnRef>
+                <a:fillRef idx="1">
+                  <a:schemeClr val="lt1"/>
+                </a:fillRef>
+                <a:effectRef idx="0">
+                  <a:schemeClr val="dk1"/>
+                </a:effectRef>
+                <a:fontRef idx="minor">
+                  <a:schemeClr val="dk1"/>
+                </a:fontRef>
+              </p:style>
+              <p:txBody>
+                <a:bodyPr rtlCol="0" anchor="ctr"/>
+                <a:lstStyle/>
+                <a:p>
+                  <a:pPr algn="ctr"/>
+                  <a:r>
+                    <a:rPr lang="es-VE" sz="1400" dirty="0" smtClean="0">
+                      <a:latin typeface="Times New Roman" panose="02020603050405020304" pitchFamily="18" charset="0"/>
+                      <a:cs typeface="Times New Roman" panose="02020603050405020304" pitchFamily="18" charset="0"/>
+                    </a:rPr>
+                    <a:t>Iniciar Sesión</a:t>
+                  </a:r>
+                  <a:endParaRPr lang="es-VE" sz="1400" dirty="0">
+                    <a:latin typeface="Times New Roman" panose="02020603050405020304" pitchFamily="18" charset="0"/>
+                    <a:cs typeface="Times New Roman" panose="02020603050405020304" pitchFamily="18" charset="0"/>
+                  </a:endParaRPr>
+                </a:p>
+              </p:txBody>
+            </p:sp>
+            <p:sp>
+              <p:nvSpPr>
+                <p:cNvPr id="18" name="Elipse 17"/>
+                <p:cNvSpPr/>
+                <p:nvPr/>
+              </p:nvSpPr>
+              <p:spPr>
+                <a:xfrm>
+                  <a:off x="4627163" y="57273"/>
+                  <a:ext cx="2520000" cy="720000"/>
+                </a:xfrm>
+                <a:prstGeom prst="ellipse">
+                  <a:avLst/>
+                </a:prstGeom>
+                <a:ln w="57150"/>
+              </p:spPr>
+              <p:style>
+                <a:lnRef idx="2">
+                  <a:schemeClr val="dk1"/>
+                </a:lnRef>
+                <a:fillRef idx="1">
+                  <a:schemeClr val="lt1"/>
+                </a:fillRef>
+                <a:effectRef idx="0">
+                  <a:schemeClr val="dk1"/>
+                </a:effectRef>
+                <a:fontRef idx="minor">
+                  <a:schemeClr val="dk1"/>
+                </a:fontRef>
+              </p:style>
+              <p:txBody>
+                <a:bodyPr rtlCol="0" anchor="ctr"/>
+                <a:lstStyle/>
+                <a:p>
+                  <a:pPr algn="ctr"/>
+                  <a:r>
+                    <a:rPr lang="es-VE" sz="1400" dirty="0" smtClean="0">
+                      <a:latin typeface="Times New Roman" panose="02020603050405020304" pitchFamily="18" charset="0"/>
+                      <a:cs typeface="Times New Roman" panose="02020603050405020304" pitchFamily="18" charset="0"/>
+                    </a:rPr>
+                    <a:t>Gestionar </a:t>
+                  </a:r>
+                  <a:r>
+                    <a:rPr lang="es-VE" sz="1400" dirty="0" smtClean="0">
+                      <a:latin typeface="Times New Roman" panose="02020603050405020304" pitchFamily="18" charset="0"/>
+                      <a:cs typeface="Times New Roman" panose="02020603050405020304" pitchFamily="18" charset="0"/>
+                    </a:rPr>
+                    <a:t>Presupuesto</a:t>
+                  </a:r>
+                  <a:endParaRPr lang="es-VE" sz="1400" dirty="0">
+                    <a:latin typeface="Times New Roman" panose="02020603050405020304" pitchFamily="18" charset="0"/>
+                    <a:cs typeface="Times New Roman" panose="02020603050405020304" pitchFamily="18" charset="0"/>
+                  </a:endParaRPr>
+                </a:p>
+              </p:txBody>
+            </p:sp>
+            <p:sp>
+              <p:nvSpPr>
+                <p:cNvPr id="19" name="Elipse 18"/>
+                <p:cNvSpPr/>
+                <p:nvPr/>
+              </p:nvSpPr>
+              <p:spPr>
+                <a:xfrm>
+                  <a:off x="4627163" y="2076674"/>
+                  <a:ext cx="2520000" cy="720000"/>
+                </a:xfrm>
+                <a:prstGeom prst="ellipse">
+                  <a:avLst/>
+                </a:prstGeom>
+                <a:ln w="57150"/>
+              </p:spPr>
+              <p:style>
+                <a:lnRef idx="2">
+                  <a:schemeClr val="dk1"/>
+                </a:lnRef>
+                <a:fillRef idx="1">
+                  <a:schemeClr val="lt1"/>
+                </a:fillRef>
+                <a:effectRef idx="0">
+                  <a:schemeClr val="dk1"/>
+                </a:effectRef>
+                <a:fontRef idx="minor">
+                  <a:schemeClr val="dk1"/>
+                </a:fontRef>
+              </p:style>
+              <p:txBody>
+                <a:bodyPr rtlCol="0" anchor="ctr"/>
+                <a:lstStyle/>
+                <a:p>
+                  <a:pPr algn="ctr"/>
+                  <a:r>
+                    <a:rPr lang="es-VE" sz="1400" dirty="0" smtClean="0">
+                      <a:latin typeface="Times New Roman" panose="02020603050405020304" pitchFamily="18" charset="0"/>
+                      <a:cs typeface="Times New Roman" panose="02020603050405020304" pitchFamily="18" charset="0"/>
+                    </a:rPr>
+                    <a:t>Gestionar </a:t>
+                  </a:r>
+                  <a:r>
+                    <a:rPr lang="es-VE" sz="1400" dirty="0" smtClean="0">
+                      <a:latin typeface="Times New Roman" panose="02020603050405020304" pitchFamily="18" charset="0"/>
+                      <a:cs typeface="Times New Roman" panose="02020603050405020304" pitchFamily="18" charset="0"/>
+                    </a:rPr>
+                    <a:t>Reformulación</a:t>
+                  </a:r>
+                  <a:endParaRPr lang="es-VE" sz="1400" dirty="0">
+                    <a:latin typeface="Times New Roman" panose="02020603050405020304" pitchFamily="18" charset="0"/>
+                    <a:cs typeface="Times New Roman" panose="02020603050405020304" pitchFamily="18" charset="0"/>
+                  </a:endParaRPr>
+                </a:p>
+              </p:txBody>
+            </p:sp>
+            <p:sp>
+              <p:nvSpPr>
+                <p:cNvPr id="21" name="Elipse 20"/>
+                <p:cNvSpPr/>
+                <p:nvPr/>
+              </p:nvSpPr>
+              <p:spPr>
+                <a:xfrm>
+                  <a:off x="4627163" y="4096075"/>
+                  <a:ext cx="2520000" cy="720000"/>
+                </a:xfrm>
+                <a:prstGeom prst="ellipse">
+                  <a:avLst/>
+                </a:prstGeom>
+                <a:ln w="57150"/>
+              </p:spPr>
+              <p:style>
+                <a:lnRef idx="2">
+                  <a:schemeClr val="dk1"/>
+                </a:lnRef>
+                <a:fillRef idx="1">
+                  <a:schemeClr val="lt1"/>
+                </a:fillRef>
+                <a:effectRef idx="0">
+                  <a:schemeClr val="dk1"/>
+                </a:effectRef>
+                <a:fontRef idx="minor">
+                  <a:schemeClr val="dk1"/>
+                </a:fontRef>
+              </p:style>
+              <p:txBody>
+                <a:bodyPr rtlCol="0" anchor="ctr"/>
+                <a:lstStyle/>
+                <a:p>
+                  <a:pPr algn="ctr"/>
+                  <a:r>
+                    <a:rPr lang="es-VE" sz="1400" dirty="0" smtClean="0">
+                      <a:latin typeface="Times New Roman" panose="02020603050405020304" pitchFamily="18" charset="0"/>
+                      <a:cs typeface="Times New Roman" panose="02020603050405020304" pitchFamily="18" charset="0"/>
+                    </a:rPr>
+                    <a:t>Gestionar </a:t>
+                  </a:r>
+                  <a:r>
+                    <a:rPr lang="es-VE" sz="1400" dirty="0" smtClean="0">
+                      <a:latin typeface="Times New Roman" panose="02020603050405020304" pitchFamily="18" charset="0"/>
+                      <a:cs typeface="Times New Roman" panose="02020603050405020304" pitchFamily="18" charset="0"/>
+                    </a:rPr>
+                    <a:t>Cuentas</a:t>
+                  </a:r>
+                  <a:endParaRPr lang="es-VE" sz="1400" dirty="0">
+                    <a:latin typeface="Times New Roman" panose="02020603050405020304" pitchFamily="18" charset="0"/>
+                    <a:cs typeface="Times New Roman" panose="02020603050405020304" pitchFamily="18" charset="0"/>
+                  </a:endParaRPr>
+                </a:p>
+              </p:txBody>
+            </p:sp>
+            <p:sp>
+              <p:nvSpPr>
+                <p:cNvPr id="25" name="Elipse 24"/>
+                <p:cNvSpPr/>
+                <p:nvPr/>
+              </p:nvSpPr>
+              <p:spPr>
+                <a:xfrm>
+                  <a:off x="4627163" y="6115475"/>
+                  <a:ext cx="2520000" cy="720000"/>
+                </a:xfrm>
+                <a:prstGeom prst="ellipse">
+                  <a:avLst/>
+                </a:prstGeom>
+                <a:ln w="57150"/>
+              </p:spPr>
+              <p:style>
+                <a:lnRef idx="2">
+                  <a:schemeClr val="dk1"/>
+                </a:lnRef>
+                <a:fillRef idx="1">
+                  <a:schemeClr val="lt1"/>
+                </a:fillRef>
+                <a:effectRef idx="0">
+                  <a:schemeClr val="dk1"/>
+                </a:effectRef>
+                <a:fontRef idx="minor">
+                  <a:schemeClr val="dk1"/>
+                </a:fontRef>
+              </p:style>
+              <p:txBody>
+                <a:bodyPr rtlCol="0" anchor="ctr"/>
+                <a:lstStyle/>
+                <a:p>
+                  <a:pPr algn="ctr"/>
+                  <a:r>
+                    <a:rPr lang="es-VE" sz="1400" dirty="0" smtClean="0">
+                      <a:latin typeface="Times New Roman" panose="02020603050405020304" pitchFamily="18" charset="0"/>
+                      <a:cs typeface="Times New Roman" panose="02020603050405020304" pitchFamily="18" charset="0"/>
+                    </a:rPr>
+                    <a:t>Gestionar</a:t>
+                  </a:r>
+                  <a:r>
+                    <a:rPr lang="es-VE" sz="1400" dirty="0" smtClean="0">
+                      <a:latin typeface="Times New Roman" panose="02020603050405020304" pitchFamily="18" charset="0"/>
+                      <a:cs typeface="Times New Roman" panose="02020603050405020304" pitchFamily="18" charset="0"/>
+                    </a:rPr>
+                    <a:t> </a:t>
+                  </a:r>
+                  <a:r>
+                    <a:rPr lang="es-VE" sz="1400" dirty="0" smtClean="0">
+                      <a:latin typeface="Times New Roman" panose="02020603050405020304" pitchFamily="18" charset="0"/>
+                      <a:cs typeface="Times New Roman" panose="02020603050405020304" pitchFamily="18" charset="0"/>
+                    </a:rPr>
+                    <a:t>Nominas</a:t>
+                  </a:r>
+                  <a:endParaRPr lang="es-VE" sz="1400" dirty="0">
+                    <a:latin typeface="Times New Roman" panose="02020603050405020304" pitchFamily="18" charset="0"/>
+                    <a:cs typeface="Times New Roman" panose="02020603050405020304" pitchFamily="18" charset="0"/>
+                  </a:endParaRPr>
+                </a:p>
+              </p:txBody>
+            </p:sp>
+            <p:sp>
+              <p:nvSpPr>
+                <p:cNvPr id="34" name="CuadroTexto 33"/>
+                <p:cNvSpPr txBox="1"/>
+                <p:nvPr/>
+              </p:nvSpPr>
+              <p:spPr>
+                <a:xfrm>
+                  <a:off x="870657" y="4120422"/>
+                  <a:ext cx="1012615" cy="307777"/>
+                </a:xfrm>
+                <a:prstGeom prst="rect">
+                  <a:avLst/>
+                </a:prstGeom>
+                <a:noFill/>
+              </p:spPr>
+              <p:txBody>
+                <a:bodyPr wrap="square" rtlCol="0">
+                  <a:spAutoFit/>
+                </a:bodyPr>
+                <a:lstStyle/>
+                <a:p>
+                  <a:r>
+                    <a:rPr lang="es-VE" sz="1400" dirty="0" smtClean="0">
+                      <a:latin typeface="Times New Roman" panose="02020603050405020304" pitchFamily="18" charset="0"/>
+                      <a:cs typeface="Times New Roman" panose="02020603050405020304" pitchFamily="18" charset="0"/>
+                    </a:rPr>
+                    <a:t>Analista</a:t>
+                  </a:r>
+                  <a:endParaRPr lang="es-VE" sz="1400" dirty="0">
+                    <a:latin typeface="Times New Roman" panose="02020603050405020304" pitchFamily="18" charset="0"/>
+                    <a:cs typeface="Times New Roman" panose="02020603050405020304" pitchFamily="18" charset="0"/>
+                  </a:endParaRPr>
+                </a:p>
+              </p:txBody>
+            </p:sp>
+            <p:cxnSp>
+              <p:nvCxnSpPr>
+                <p:cNvPr id="36" name="Conector recto de flecha 35"/>
+                <p:cNvCxnSpPr>
+                  <a:endCxn id="18" idx="2"/>
+                </p:cNvCxnSpPr>
+                <p:nvPr/>
+              </p:nvCxnSpPr>
+              <p:spPr>
+                <a:xfrm flipV="1">
+                  <a:off x="2720494" y="417273"/>
+                  <a:ext cx="1906669" cy="2724940"/>
+                </a:xfrm>
+                <a:prstGeom prst="straightConnector1">
+                  <a:avLst/>
+                </a:prstGeom>
+                <a:ln>
+                  <a:tailEnd type="triangle"/>
+                </a:ln>
+              </p:spPr>
+              <p:style>
+                <a:lnRef idx="1">
+                  <a:schemeClr val="dk1"/>
+                </a:lnRef>
+                <a:fillRef idx="0">
+                  <a:schemeClr val="dk1"/>
+                </a:fillRef>
+                <a:effectRef idx="0">
+                  <a:schemeClr val="dk1"/>
+                </a:effectRef>
+                <a:fontRef idx="minor">
+                  <a:schemeClr val="tx1"/>
+                </a:fontRef>
+              </p:style>
+            </p:cxnSp>
+            <p:cxnSp>
+              <p:nvCxnSpPr>
+                <p:cNvPr id="38" name="Conector recto de flecha 37"/>
+                <p:cNvCxnSpPr>
+                  <a:endCxn id="25" idx="2"/>
+                </p:cNvCxnSpPr>
+                <p:nvPr/>
+              </p:nvCxnSpPr>
+              <p:spPr>
+                <a:xfrm>
+                  <a:off x="2720494" y="3116454"/>
+                  <a:ext cx="1910412" cy="3359021"/>
+                </a:xfrm>
+                <a:prstGeom prst="straightConnector1">
+                  <a:avLst/>
+                </a:prstGeom>
+                <a:ln>
+                  <a:tailEnd type="triangle"/>
+                </a:ln>
+              </p:spPr>
+              <p:style>
+                <a:lnRef idx="1">
+                  <a:schemeClr val="dk1"/>
+                </a:lnRef>
+                <a:fillRef idx="0">
+                  <a:schemeClr val="dk1"/>
+                </a:fillRef>
+                <a:effectRef idx="0">
+                  <a:schemeClr val="dk1"/>
+                </a:effectRef>
+                <a:fontRef idx="minor">
+                  <a:schemeClr val="tx1"/>
+                </a:fontRef>
+              </p:style>
+            </p:cxnSp>
+            <p:cxnSp>
+              <p:nvCxnSpPr>
+                <p:cNvPr id="42" name="Conector recto de flecha 41"/>
+                <p:cNvCxnSpPr>
+                  <a:endCxn id="19" idx="2"/>
+                </p:cNvCxnSpPr>
+                <p:nvPr/>
+              </p:nvCxnSpPr>
+              <p:spPr>
+                <a:xfrm flipV="1">
+                  <a:off x="2720494" y="2436674"/>
+                  <a:ext cx="1906669" cy="712762"/>
+                </a:xfrm>
+                <a:prstGeom prst="straightConnector1">
+                  <a:avLst/>
+                </a:prstGeom>
+                <a:ln>
+                  <a:tailEnd type="triangle"/>
+                </a:ln>
+              </p:spPr>
+              <p:style>
+                <a:lnRef idx="1">
+                  <a:schemeClr val="dk1"/>
+                </a:lnRef>
+                <a:fillRef idx="0">
+                  <a:schemeClr val="dk1"/>
+                </a:fillRef>
+                <a:effectRef idx="0">
+                  <a:schemeClr val="dk1"/>
+                </a:effectRef>
+                <a:fontRef idx="minor">
+                  <a:schemeClr val="tx1"/>
+                </a:fontRef>
+              </p:style>
+            </p:cxnSp>
+            <p:cxnSp>
+              <p:nvCxnSpPr>
+                <p:cNvPr id="44" name="Conector recto de flecha 43"/>
+                <p:cNvCxnSpPr>
+                  <a:endCxn id="21" idx="2"/>
+                </p:cNvCxnSpPr>
+                <p:nvPr/>
+              </p:nvCxnSpPr>
+              <p:spPr>
+                <a:xfrm>
+                  <a:off x="2708785" y="3140533"/>
+                  <a:ext cx="1918378" cy="1315542"/>
+                </a:xfrm>
+                <a:prstGeom prst="straightConnector1">
+                  <a:avLst/>
+                </a:prstGeom>
+                <a:ln>
+                  <a:tailEnd type="triangle"/>
+                </a:ln>
+              </p:spPr>
+              <p:style>
+                <a:lnRef idx="1">
+                  <a:schemeClr val="dk1"/>
+                </a:lnRef>
+                <a:fillRef idx="0">
+                  <a:schemeClr val="dk1"/>
+                </a:fillRef>
+                <a:effectRef idx="0">
+                  <a:schemeClr val="dk1"/>
+                </a:effectRef>
+                <a:fontRef idx="minor">
+                  <a:schemeClr val="tx1"/>
+                </a:fontRef>
+              </p:style>
+            </p:cxnSp>
+            <p:cxnSp>
+              <p:nvCxnSpPr>
+                <p:cNvPr id="65" name="Conector recto de flecha 64"/>
+                <p:cNvCxnSpPr>
+                  <a:stCxn id="16" idx="6"/>
+                  <a:endCxn id="17" idx="2"/>
+                </p:cNvCxnSpPr>
+                <p:nvPr/>
+              </p:nvCxnSpPr>
+              <p:spPr>
+                <a:xfrm>
+                  <a:off x="3390657" y="411398"/>
+                  <a:ext cx="1240249" cy="0"/>
+                </a:xfrm>
+                <a:prstGeom prst="straightConnector1">
+                  <a:avLst/>
+                </a:prstGeom>
+                <a:ln w="9525" cap="flat" cmpd="sng" algn="ctr">
+                  <a:solidFill>
+                    <a:schemeClr val="dk1"/>
+                  </a:solidFill>
+                  <a:prstDash val="dash"/>
+                  <a:round/>
+                  <a:headEnd type="triangle" w="med" len="med"/>
+                  <a:tailEnd type="none" w="med" len="med"/>
+                </a:ln>
+              </p:spPr>
+              <p:style>
+                <a:lnRef idx="0">
+                  <a:scrgbClr r="0" g="0" b="0"/>
+                </a:lnRef>
+                <a:fillRef idx="0">
+                  <a:scrgbClr r="0" g="0" b="0"/>
+                </a:fillRef>
+                <a:effectRef idx="0">
+                  <a:scrgbClr r="0" g="0" b="0"/>
+                </a:effectRef>
+                <a:fontRef idx="minor">
+                  <a:schemeClr val="tx1"/>
+                </a:fontRef>
+              </p:style>
+            </p:cxnSp>
+            <p:sp>
+              <p:nvSpPr>
+                <p:cNvPr id="84" name="CuadroTexto 83"/>
+                <p:cNvSpPr txBox="1"/>
+                <p:nvPr/>
+              </p:nvSpPr>
+              <p:spPr>
+                <a:xfrm>
+                  <a:off x="3451022" y="97033"/>
+                  <a:ext cx="1119519" cy="307777"/>
+                </a:xfrm>
+                <a:prstGeom prst="rect">
+                  <a:avLst/>
+                </a:prstGeom>
+                <a:noFill/>
+              </p:spPr>
+              <p:txBody>
+                <a:bodyPr wrap="square" rtlCol="0">
+                  <a:spAutoFit/>
+                </a:bodyPr>
+                <a:lstStyle/>
+                <a:p>
+                  <a:r>
+                    <a:rPr lang="es-VE" sz="1400" dirty="0" smtClean="0">
+                      <a:latin typeface="Times New Roman" panose="02020603050405020304" pitchFamily="18" charset="0"/>
+                      <a:cs typeface="Times New Roman" panose="02020603050405020304" pitchFamily="18" charset="0"/>
+                    </a:rPr>
+                    <a:t>&lt;&lt;Include&gt;&gt;</a:t>
+                  </a:r>
+                  <a:endParaRPr lang="es-VE" sz="1400" dirty="0">
+                    <a:latin typeface="Times New Roman" panose="02020603050405020304" pitchFamily="18" charset="0"/>
+                    <a:cs typeface="Times New Roman" panose="02020603050405020304" pitchFamily="18" charset="0"/>
+                  </a:endParaRPr>
+                </a:p>
+              </p:txBody>
+            </p:sp>
+          </p:grpSp>
+          <p:sp>
+            <p:nvSpPr>
+              <p:cNvPr id="35" name="Elipse 34"/>
+              <p:cNvSpPr/>
+              <p:nvPr/>
+            </p:nvSpPr>
+            <p:spPr>
+              <a:xfrm>
+                <a:off x="8165039" y="51398"/>
+                <a:ext cx="2520000" cy="720000"/>
+              </a:xfrm>
+              <a:prstGeom prst="ellipse">
+                <a:avLst/>
+              </a:prstGeom>
+              <a:ln w="57150"/>
+            </p:spPr>
+            <p:style>
+              <a:lnRef idx="2">
+                <a:schemeClr val="dk1"/>
+              </a:lnRef>
+              <a:fillRef idx="1">
+                <a:schemeClr val="lt1"/>
+              </a:fillRef>
+              <a:effectRef idx="0">
+                <a:schemeClr val="dk1"/>
+              </a:effectRef>
+              <a:fontRef idx="minor">
+                <a:schemeClr val="dk1"/>
+              </a:fontRef>
+            </p:style>
+            <p:txBody>
+              <a:bodyPr rtlCol="0" anchor="ctr"/>
+              <a:lstStyle/>
+              <a:p>
+                <a:pPr algn="ctr"/>
+                <a:r>
+                  <a:rPr lang="es-VE" sz="1400" dirty="0" smtClean="0">
+                    <a:latin typeface="Times New Roman" panose="02020603050405020304" pitchFamily="18" charset="0"/>
+                    <a:cs typeface="Times New Roman" panose="02020603050405020304" pitchFamily="18" charset="0"/>
+                  </a:rPr>
+                  <a:t>Exportar</a:t>
+                </a:r>
+                <a:r>
+                  <a:rPr lang="es-VE" sz="1400" dirty="0" smtClean="0">
+                    <a:latin typeface="Times New Roman" panose="02020603050405020304" pitchFamily="18" charset="0"/>
+                    <a:cs typeface="Times New Roman" panose="02020603050405020304" pitchFamily="18" charset="0"/>
+                  </a:rPr>
+                  <a:t> Archivo</a:t>
+                </a:r>
+                <a:endParaRPr lang="es-VE" sz="1400" dirty="0">
+                  <a:latin typeface="Times New Roman" panose="02020603050405020304" pitchFamily="18" charset="0"/>
+                  <a:cs typeface="Times New Roman" panose="02020603050405020304" pitchFamily="18" charset="0"/>
+                </a:endParaRPr>
+              </a:p>
+            </p:txBody>
+          </p:sp>
+          <p:cxnSp>
+            <p:nvCxnSpPr>
+              <p:cNvPr id="37" name="Conector recto de flecha 36"/>
+              <p:cNvCxnSpPr>
+                <a:stCxn id="35" idx="2"/>
+                <a:endCxn id="18" idx="6"/>
+              </p:cNvCxnSpPr>
+              <p:nvPr/>
+            </p:nvCxnSpPr>
+            <p:spPr>
+              <a:xfrm flipH="1">
+                <a:off x="7147163" y="411398"/>
+                <a:ext cx="1017876" cy="5875"/>
+              </a:xfrm>
+              <a:prstGeom prst="straightConnector1">
+                <a:avLst/>
+              </a:prstGeom>
+              <a:ln w="9525" cap="flat" cmpd="sng" algn="ctr">
+                <a:solidFill>
+                  <a:schemeClr val="dk1"/>
+                </a:solidFill>
+                <a:prstDash val="dash"/>
+                <a:round/>
+                <a:headEnd type="triangle" w="med" len="med"/>
+                <a:tailEnd type="none" w="med" len="med"/>
+              </a:ln>
+            </p:spPr>
+            <p:style>
+              <a:lnRef idx="0">
+                <a:scrgbClr r="0" g="0" b="0"/>
+              </a:lnRef>
+              <a:fillRef idx="0">
+                <a:scrgbClr r="0" g="0" b="0"/>
+              </a:fillRef>
+              <a:effectRef idx="0">
+                <a:scrgbClr r="0" g="0" b="0"/>
+              </a:effectRef>
+              <a:fontRef idx="minor">
+                <a:schemeClr val="tx1"/>
+              </a:fontRef>
+            </p:style>
+          </p:cxnSp>
+        </p:grpSp>
+      </p:grpSp>
+    </p:spTree>
+    <p:extLst>
+      <p:ext uri="{BB962C8B-B14F-4D97-AF65-F5344CB8AC3E}">
+        <p14:creationId xmlns:p14="http://schemas.microsoft.com/office/powerpoint/2010/main" val="2023632519"/>
+      </p:ext>
+    </p:extLst>
+  </p:cSld>
+  <p:clrMapOvr>
+    <a:masterClrMapping/>
+  </p:clrMapOvr>
+</p:sld>
+</file>
+
+<file path=ppt/slides/slide3.xml><?xml version="1.0" encoding="utf-8"?>
+<p:sld xmlns:a="http://schemas.openxmlformats.org/drawingml/2006/main" xmlns:r="http://schemas.openxmlformats.org/officeDocument/2006/relationships" xmlns:p="http://schemas.openxmlformats.org/presentationml/2006/main">
+  <p:cSld>
+    <p:spTree>
+      <p:nvGrpSpPr>
+        <p:cNvPr id="1" name=""/>
+        <p:cNvGrpSpPr/>
+        <p:nvPr/>
+      </p:nvGrpSpPr>
+      <p:grpSpPr>
+        <a:xfrm>
+          <a:off x="0" y="0"/>
+          <a:ext cx="0" cy="0"/>
+          <a:chOff x="0" y="0"/>
+          <a:chExt cx="0" cy="0"/>
+        </a:xfrm>
+      </p:grpSpPr>
+      <p:grpSp>
+        <p:nvGrpSpPr>
           <p:cNvPr id="2" name="Grupo 1"/>
           <p:cNvGrpSpPr/>
           <p:nvPr/>
@@ -2980,9 +5415,9 @@
         <p:grpSpPr>
           <a:xfrm>
             <a:off x="720965" y="51398"/>
-            <a:ext cx="9834287" cy="6784077"/>
+            <a:ext cx="6426198" cy="6784077"/>
             <a:chOff x="720965" y="51398"/>
-            <a:chExt cx="9834287" cy="6784077"/>
+            <a:chExt cx="6426198" cy="6784077"/>
           </a:xfrm>
         </p:grpSpPr>
         <p:grpSp>
@@ -3262,13 +5697,13 @@
         </p:sp>
         <p:sp>
           <p:nvSpPr>
-            <p:cNvPr id="17" name="Elipse 16"/>
+            <p:cNvPr id="18" name="Elipse 17"/>
             <p:cNvSpPr/>
             <p:nvPr/>
           </p:nvSpPr>
           <p:spPr>
             <a:xfrm>
-              <a:off x="4630906" y="51398"/>
+              <a:off x="4627163" y="57273"/>
               <a:ext cx="2520000" cy="720000"/>
             </a:xfrm>
             <a:prstGeom prst="ellipse">
@@ -3300,17 +5735,14 @@
                   <a:latin typeface="Times New Roman" panose="02020603050405020304" pitchFamily="18" charset="0"/>
                   <a:cs typeface="Times New Roman" panose="02020603050405020304" pitchFamily="18" charset="0"/>
                 </a:rPr>
-                <a:t>Gestionar</a:t>
+                <a:t>Consultar </a:t>
               </a:r>
-            </a:p>
-            <a:p>
-              <a:pPr algn="ctr"/>
               <a:r>
                 <a:rPr lang="es-VE" sz="1400" dirty="0" smtClean="0">
                   <a:latin typeface="Times New Roman" panose="02020603050405020304" pitchFamily="18" charset="0"/>
                   <a:cs typeface="Times New Roman" panose="02020603050405020304" pitchFamily="18" charset="0"/>
                 </a:rPr>
-                <a:t>Usuarios</a:t>
+                <a:t>Presupuesto</a:t>
               </a:r>
               <a:endParaRPr lang="es-VE" sz="1400" dirty="0">
                 <a:latin typeface="Times New Roman" panose="02020603050405020304" pitchFamily="18" charset="0"/>
@@ -3321,13 +5753,13 @@
         </p:sp>
         <p:sp>
           <p:nvSpPr>
-            <p:cNvPr id="18" name="Elipse 17"/>
+            <p:cNvPr id="19" name="Elipse 18"/>
             <p:cNvSpPr/>
             <p:nvPr/>
           </p:nvSpPr>
           <p:spPr>
             <a:xfrm>
-              <a:off x="4630906" y="1062078"/>
+              <a:off x="4627163" y="2076674"/>
               <a:ext cx="2520000" cy="720000"/>
             </a:xfrm>
             <a:prstGeom prst="ellipse">
@@ -3359,14 +5791,14 @@
                   <a:latin typeface="Times New Roman" panose="02020603050405020304" pitchFamily="18" charset="0"/>
                   <a:cs typeface="Times New Roman" panose="02020603050405020304" pitchFamily="18" charset="0"/>
                 </a:rPr>
-                <a:t>Registrar </a:t>
+                <a:t>Consultar </a:t>
               </a:r>
               <a:r>
                 <a:rPr lang="es-VE" sz="1400" dirty="0" smtClean="0">
                   <a:latin typeface="Times New Roman" panose="02020603050405020304" pitchFamily="18" charset="0"/>
                   <a:cs typeface="Times New Roman" panose="02020603050405020304" pitchFamily="18" charset="0"/>
                 </a:rPr>
-                <a:t>Presupuesto</a:t>
+                <a:t>Reformulación</a:t>
               </a:r>
               <a:endParaRPr lang="es-VE" sz="1400" dirty="0">
                 <a:latin typeface="Times New Roman" panose="02020603050405020304" pitchFamily="18" charset="0"/>
@@ -3377,13 +5809,13 @@
         </p:sp>
         <p:sp>
           <p:nvSpPr>
-            <p:cNvPr id="19" name="Elipse 18"/>
+            <p:cNvPr id="21" name="Elipse 20"/>
             <p:cNvSpPr/>
             <p:nvPr/>
           </p:nvSpPr>
           <p:spPr>
             <a:xfrm>
-              <a:off x="4630906" y="2072758"/>
+              <a:off x="4627163" y="4096075"/>
               <a:ext cx="2520000" cy="720000"/>
             </a:xfrm>
             <a:prstGeom prst="ellipse">
@@ -3415,7 +5847,7 @@
                   <a:latin typeface="Times New Roman" panose="02020603050405020304" pitchFamily="18" charset="0"/>
                   <a:cs typeface="Times New Roman" panose="02020603050405020304" pitchFamily="18" charset="0"/>
                 </a:rPr>
-                <a:t>Registrar Reformulación</a:t>
+                <a:t>Consultar Cuentas</a:t>
               </a:r>
               <a:endParaRPr lang="es-VE" sz="1400" dirty="0">
                 <a:latin typeface="Times New Roman" panose="02020603050405020304" pitchFamily="18" charset="0"/>
@@ -3426,13 +5858,13 @@
         </p:sp>
         <p:sp>
           <p:nvSpPr>
-            <p:cNvPr id="21" name="Elipse 20"/>
+            <p:cNvPr id="25" name="Elipse 24"/>
             <p:cNvSpPr/>
             <p:nvPr/>
           </p:nvSpPr>
           <p:spPr>
             <a:xfrm>
-              <a:off x="4630906" y="3083438"/>
+              <a:off x="4627163" y="6115475"/>
               <a:ext cx="2520000" cy="720000"/>
             </a:xfrm>
             <a:prstGeom prst="ellipse">
@@ -3464,259 +5896,21 @@
                   <a:latin typeface="Times New Roman" panose="02020603050405020304" pitchFamily="18" charset="0"/>
                   <a:cs typeface="Times New Roman" panose="02020603050405020304" pitchFamily="18" charset="0"/>
                 </a:rPr>
-                <a:t>Gestionar </a:t>
+                <a:t>Consultar</a:t>
               </a:r>
               <a:r>
                 <a:rPr lang="es-VE" sz="1400" dirty="0" smtClean="0">
                   <a:latin typeface="Times New Roman" panose="02020603050405020304" pitchFamily="18" charset="0"/>
                   <a:cs typeface="Times New Roman" panose="02020603050405020304" pitchFamily="18" charset="0"/>
                 </a:rPr>
-                <a:t>Movimientos</a:t>
+                <a:t> </a:t>
               </a:r>
-              <a:endParaRPr lang="es-VE" sz="1400" dirty="0">
-                <a:latin typeface="Times New Roman" panose="02020603050405020304" pitchFamily="18" charset="0"/>
-                <a:cs typeface="Times New Roman" panose="02020603050405020304" pitchFamily="18" charset="0"/>
-              </a:endParaRPr>
-            </a:p>
-          </p:txBody>
-        </p:sp>
-        <p:sp>
-          <p:nvSpPr>
-            <p:cNvPr id="23" name="Elipse 22"/>
-            <p:cNvSpPr/>
-            <p:nvPr/>
-          </p:nvSpPr>
-          <p:spPr>
-            <a:xfrm>
-              <a:off x="4630906" y="4094117"/>
-              <a:ext cx="2520000" cy="720000"/>
-            </a:xfrm>
-            <a:prstGeom prst="ellipse">
-              <a:avLst/>
-            </a:prstGeom>
-            <a:ln w="57150"/>
-          </p:spPr>
-          <p:style>
-            <a:lnRef idx="2">
-              <a:schemeClr val="dk1"/>
-            </a:lnRef>
-            <a:fillRef idx="1">
-              <a:schemeClr val="lt1"/>
-            </a:fillRef>
-            <a:effectRef idx="0">
-              <a:schemeClr val="dk1"/>
-            </a:effectRef>
-            <a:fontRef idx="minor">
-              <a:schemeClr val="dk1"/>
-            </a:fontRef>
-          </p:style>
-          <p:txBody>
-            <a:bodyPr rtlCol="0" anchor="ctr"/>
-            <a:lstStyle/>
-            <a:p>
-              <a:pPr algn="ctr"/>
               <a:r>
                 <a:rPr lang="es-VE" sz="1400" dirty="0" smtClean="0">
                   <a:latin typeface="Times New Roman" panose="02020603050405020304" pitchFamily="18" charset="0"/>
                   <a:cs typeface="Times New Roman" panose="02020603050405020304" pitchFamily="18" charset="0"/>
                 </a:rPr>
-                <a:t>Generar Pre-cierres</a:t>
-              </a:r>
-              <a:endParaRPr lang="es-VE" sz="1400" dirty="0">
-                <a:latin typeface="Times New Roman" panose="02020603050405020304" pitchFamily="18" charset="0"/>
-                <a:cs typeface="Times New Roman" panose="02020603050405020304" pitchFamily="18" charset="0"/>
-              </a:endParaRPr>
-            </a:p>
-          </p:txBody>
-        </p:sp>
-        <p:sp>
-          <p:nvSpPr>
-            <p:cNvPr id="24" name="Elipse 23"/>
-            <p:cNvSpPr/>
-            <p:nvPr/>
-          </p:nvSpPr>
-          <p:spPr>
-            <a:xfrm>
-              <a:off x="4630906" y="5104796"/>
-              <a:ext cx="2520000" cy="720000"/>
-            </a:xfrm>
-            <a:prstGeom prst="ellipse">
-              <a:avLst/>
-            </a:prstGeom>
-            <a:ln w="57150"/>
-          </p:spPr>
-          <p:style>
-            <a:lnRef idx="2">
-              <a:schemeClr val="dk1"/>
-            </a:lnRef>
-            <a:fillRef idx="1">
-              <a:schemeClr val="lt1"/>
-            </a:fillRef>
-            <a:effectRef idx="0">
-              <a:schemeClr val="dk1"/>
-            </a:effectRef>
-            <a:fontRef idx="minor">
-              <a:schemeClr val="dk1"/>
-            </a:fontRef>
-          </p:style>
-          <p:txBody>
-            <a:bodyPr rtlCol="0" anchor="ctr"/>
-            <a:lstStyle/>
-            <a:p>
-              <a:pPr algn="ctr"/>
-              <a:r>
-                <a:rPr lang="es-VE" sz="1400" dirty="0" smtClean="0">
-                  <a:latin typeface="Times New Roman" panose="02020603050405020304" pitchFamily="18" charset="0"/>
-                  <a:cs typeface="Times New Roman" panose="02020603050405020304" pitchFamily="18" charset="0"/>
-                </a:rPr>
-                <a:t>Gestionar Cierres</a:t>
-              </a:r>
-              <a:endParaRPr lang="es-VE" sz="1400" dirty="0">
-                <a:latin typeface="Times New Roman" panose="02020603050405020304" pitchFamily="18" charset="0"/>
-                <a:cs typeface="Times New Roman" panose="02020603050405020304" pitchFamily="18" charset="0"/>
-              </a:endParaRPr>
-            </a:p>
-          </p:txBody>
-        </p:sp>
-        <p:sp>
-          <p:nvSpPr>
-            <p:cNvPr id="25" name="Elipse 24"/>
-            <p:cNvSpPr/>
-            <p:nvPr/>
-          </p:nvSpPr>
-          <p:spPr>
-            <a:xfrm>
-              <a:off x="4630906" y="6115475"/>
-              <a:ext cx="2520000" cy="720000"/>
-            </a:xfrm>
-            <a:prstGeom prst="ellipse">
-              <a:avLst/>
-            </a:prstGeom>
-            <a:ln w="57150"/>
-          </p:spPr>
-          <p:style>
-            <a:lnRef idx="2">
-              <a:schemeClr val="dk1"/>
-            </a:lnRef>
-            <a:fillRef idx="1">
-              <a:schemeClr val="lt1"/>
-            </a:fillRef>
-            <a:effectRef idx="0">
-              <a:schemeClr val="dk1"/>
-            </a:effectRef>
-            <a:fontRef idx="minor">
-              <a:schemeClr val="dk1"/>
-            </a:fontRef>
-          </p:style>
-          <p:txBody>
-            <a:bodyPr rtlCol="0" anchor="ctr"/>
-            <a:lstStyle/>
-            <a:p>
-              <a:pPr algn="ctr"/>
-              <a:r>
-                <a:rPr lang="es-VE" sz="1400" dirty="0" smtClean="0">
-                  <a:latin typeface="Times New Roman" panose="02020603050405020304" pitchFamily="18" charset="0"/>
-                  <a:cs typeface="Times New Roman" panose="02020603050405020304" pitchFamily="18" charset="0"/>
-                </a:rPr>
-                <a:t>Generar Nominas</a:t>
-              </a:r>
-              <a:endParaRPr lang="es-VE" sz="1400" dirty="0">
-                <a:latin typeface="Times New Roman" panose="02020603050405020304" pitchFamily="18" charset="0"/>
-                <a:cs typeface="Times New Roman" panose="02020603050405020304" pitchFamily="18" charset="0"/>
-              </a:endParaRPr>
-            </a:p>
-          </p:txBody>
-        </p:sp>
-        <p:sp>
-          <p:nvSpPr>
-            <p:cNvPr id="27" name="Elipse 26"/>
-            <p:cNvSpPr/>
-            <p:nvPr/>
-          </p:nvSpPr>
-          <p:spPr>
-            <a:xfrm>
-              <a:off x="8035252" y="1049699"/>
-              <a:ext cx="2520000" cy="720000"/>
-            </a:xfrm>
-            <a:prstGeom prst="ellipse">
-              <a:avLst/>
-            </a:prstGeom>
-            <a:ln w="57150"/>
-          </p:spPr>
-          <p:style>
-            <a:lnRef idx="2">
-              <a:schemeClr val="dk1"/>
-            </a:lnRef>
-            <a:fillRef idx="1">
-              <a:schemeClr val="lt1"/>
-            </a:fillRef>
-            <a:effectRef idx="0">
-              <a:schemeClr val="dk1"/>
-            </a:effectRef>
-            <a:fontRef idx="minor">
-              <a:schemeClr val="dk1"/>
-            </a:fontRef>
-          </p:style>
-          <p:txBody>
-            <a:bodyPr rtlCol="0" anchor="ctr"/>
-            <a:lstStyle/>
-            <a:p>
-              <a:pPr algn="ctr"/>
-              <a:r>
-                <a:rPr lang="es-VE" sz="1400" dirty="0" smtClean="0">
-                  <a:latin typeface="Times New Roman" panose="02020603050405020304" pitchFamily="18" charset="0"/>
-                  <a:cs typeface="Times New Roman" panose="02020603050405020304" pitchFamily="18" charset="0"/>
-                </a:rPr>
-                <a:t>Cargar Archivo</a:t>
-              </a:r>
-              <a:endParaRPr lang="es-VE" sz="1400" dirty="0">
-                <a:latin typeface="Times New Roman" panose="02020603050405020304" pitchFamily="18" charset="0"/>
-                <a:cs typeface="Times New Roman" panose="02020603050405020304" pitchFamily="18" charset="0"/>
-              </a:endParaRPr>
-            </a:p>
-          </p:txBody>
-        </p:sp>
-        <p:sp>
-          <p:nvSpPr>
-            <p:cNvPr id="28" name="Elipse 27"/>
-            <p:cNvSpPr/>
-            <p:nvPr/>
-          </p:nvSpPr>
-          <p:spPr>
-            <a:xfrm>
-              <a:off x="8035252" y="2073827"/>
-              <a:ext cx="2520000" cy="720000"/>
-            </a:xfrm>
-            <a:prstGeom prst="ellipse">
-              <a:avLst/>
-            </a:prstGeom>
-            <a:ln w="57150"/>
-          </p:spPr>
-          <p:style>
-            <a:lnRef idx="2">
-              <a:schemeClr val="dk1"/>
-            </a:lnRef>
-            <a:fillRef idx="1">
-              <a:schemeClr val="lt1"/>
-            </a:fillRef>
-            <a:effectRef idx="0">
-              <a:schemeClr val="dk1"/>
-            </a:effectRef>
-            <a:fontRef idx="minor">
-              <a:schemeClr val="dk1"/>
-            </a:fontRef>
-          </p:style>
-          <p:txBody>
-            <a:bodyPr rtlCol="0" anchor="ctr"/>
-            <a:lstStyle/>
-            <a:p>
-              <a:pPr algn="ctr"/>
-              <a:r>
-                <a:rPr lang="es-VE" sz="1400" dirty="0" smtClean="0">
-                  <a:latin typeface="Times New Roman" panose="02020603050405020304" pitchFamily="18" charset="0"/>
-                  <a:cs typeface="Times New Roman" panose="02020603050405020304" pitchFamily="18" charset="0"/>
-                </a:rPr>
-                <a:t>Cargar Archivo</a:t>
+                <a:t>Nominas</a:t>
               </a:r>
               <a:endParaRPr lang="es-VE" sz="1400" dirty="0">
                 <a:latin typeface="Times New Roman" panose="02020603050405020304" pitchFamily="18" charset="0"/>
@@ -3734,7 +5928,7 @@
           <p:spPr>
             <a:xfrm>
               <a:off x="720965" y="4120422"/>
-              <a:ext cx="1012615" cy="307777"/>
+              <a:ext cx="1012615" cy="523220"/>
             </a:xfrm>
             <a:prstGeom prst="rect">
               <a:avLst/>
@@ -3747,12 +5941,13 @@
             </a:bodyPr>
             <a:lstStyle/>
             <a:p>
+              <a:pPr algn="ctr"/>
               <a:r>
                 <a:rPr lang="es-VE" sz="1400" dirty="0" smtClean="0">
                   <a:latin typeface="Times New Roman" panose="02020603050405020304" pitchFamily="18" charset="0"/>
                   <a:cs typeface="Times New Roman" panose="02020603050405020304" pitchFamily="18" charset="0"/>
                 </a:rPr>
-                <a:t>Supervisor</a:t>
+                <a:t>Analista Externo</a:t>
               </a:r>
               <a:endParaRPr lang="es-VE" sz="1400" dirty="0">
                 <a:latin typeface="Times New Roman" panose="02020603050405020304" pitchFamily="18" charset="0"/>
@@ -3765,14 +5960,14 @@
           <p:nvCxnSpPr>
             <p:cNvPr id="36" name="Conector recto de flecha 35"/>
             <p:cNvCxnSpPr>
-              <a:endCxn id="17" idx="2"/>
+              <a:endCxn id="18" idx="2"/>
             </p:cNvCxnSpPr>
             <p:nvPr/>
           </p:nvCxnSpPr>
           <p:spPr>
             <a:xfrm flipV="1">
-              <a:off x="2720494" y="411398"/>
-              <a:ext cx="1910412" cy="2730813"/>
+              <a:off x="2720494" y="417273"/>
+              <a:ext cx="1906669" cy="2724940"/>
             </a:xfrm>
             <a:prstGeom prst="straightConnector1">
               <a:avLst/>
@@ -3833,41 +6028,6 @@
         </p:cxnSp>
         <p:cxnSp>
           <p:nvCxnSpPr>
-            <p:cNvPr id="40" name="Conector recto de flecha 39"/>
-            <p:cNvCxnSpPr>
-              <a:endCxn id="18" idx="2"/>
-            </p:cNvCxnSpPr>
-            <p:nvPr/>
-          </p:nvCxnSpPr>
-          <p:spPr>
-            <a:xfrm flipV="1">
-              <a:off x="2720494" y="1422078"/>
-              <a:ext cx="1910412" cy="1720133"/>
-            </a:xfrm>
-            <a:prstGeom prst="straightConnector1">
-              <a:avLst/>
-            </a:prstGeom>
-            <a:ln>
-              <a:tailEnd type="triangle"/>
-            </a:ln>
-          </p:spPr>
-          <p:style>
-            <a:lnRef idx="1">
-              <a:schemeClr val="dk1"/>
-            </a:lnRef>
-            <a:fillRef idx="0">
-              <a:schemeClr val="dk1"/>
-            </a:fillRef>
-            <a:effectRef idx="0">
-              <a:schemeClr val="dk1"/>
-            </a:effectRef>
-            <a:fontRef idx="minor">
-              <a:schemeClr val="tx1"/>
-            </a:fontRef>
-          </p:style>
-        </p:cxnSp>
-        <p:cxnSp>
-          <p:nvCxnSpPr>
             <p:cNvPr id="42" name="Conector recto de flecha 41"/>
             <p:cNvCxnSpPr>
               <a:endCxn id="19" idx="2"/>
@@ -3876,8 +6036,8 @@
           </p:nvCxnSpPr>
           <p:spPr>
             <a:xfrm flipV="1">
-              <a:off x="2720494" y="2432758"/>
-              <a:ext cx="1910412" cy="716677"/>
+              <a:off x="2720494" y="2436674"/>
+              <a:ext cx="1906669" cy="712762"/>
             </a:xfrm>
             <a:prstGeom prst="straightConnector1">
               <a:avLst/>
@@ -3912,77 +6072,7 @@
           <p:spPr>
             <a:xfrm>
               <a:off x="2708785" y="3140533"/>
-              <a:ext cx="1922121" cy="302905"/>
-            </a:xfrm>
-            <a:prstGeom prst="straightConnector1">
-              <a:avLst/>
-            </a:prstGeom>
-            <a:ln>
-              <a:tailEnd type="triangle"/>
-            </a:ln>
-          </p:spPr>
-          <p:style>
-            <a:lnRef idx="1">
-              <a:schemeClr val="dk1"/>
-            </a:lnRef>
-            <a:fillRef idx="0">
-              <a:schemeClr val="dk1"/>
-            </a:fillRef>
-            <a:effectRef idx="0">
-              <a:schemeClr val="dk1"/>
-            </a:effectRef>
-            <a:fontRef idx="minor">
-              <a:schemeClr val="tx1"/>
-            </a:fontRef>
-          </p:style>
-        </p:cxnSp>
-        <p:cxnSp>
-          <p:nvCxnSpPr>
-            <p:cNvPr id="48" name="Conector recto de flecha 47"/>
-            <p:cNvCxnSpPr>
-              <a:endCxn id="23" idx="2"/>
-            </p:cNvCxnSpPr>
-            <p:nvPr/>
-          </p:nvCxnSpPr>
-          <p:spPr>
-            <a:xfrm>
-              <a:off x="2720494" y="3140533"/>
-              <a:ext cx="1910412" cy="1313584"/>
-            </a:xfrm>
-            <a:prstGeom prst="straightConnector1">
-              <a:avLst/>
-            </a:prstGeom>
-            <a:ln>
-              <a:tailEnd type="triangle"/>
-            </a:ln>
-          </p:spPr>
-          <p:style>
-            <a:lnRef idx="1">
-              <a:schemeClr val="dk1"/>
-            </a:lnRef>
-            <a:fillRef idx="0">
-              <a:schemeClr val="dk1"/>
-            </a:fillRef>
-            <a:effectRef idx="0">
-              <a:schemeClr val="dk1"/>
-            </a:effectRef>
-            <a:fontRef idx="minor">
-              <a:schemeClr val="tx1"/>
-            </a:fontRef>
-          </p:style>
-        </p:cxnSp>
-        <p:cxnSp>
-          <p:nvCxnSpPr>
-            <p:cNvPr id="50" name="Conector recto de flecha 49"/>
-            <p:cNvCxnSpPr>
-              <a:endCxn id="24" idx="2"/>
-            </p:cNvCxnSpPr>
-            <p:nvPr/>
-          </p:nvCxnSpPr>
-          <p:spPr>
-            <a:xfrm>
-              <a:off x="2720494" y="3113464"/>
-              <a:ext cx="1910412" cy="2351332"/>
+              <a:ext cx="1918378" cy="1315542"/>
             </a:xfrm>
             <a:prstGeom prst="straightConnector1">
               <a:avLst/>
@@ -4048,162 +6138,6 @@
             </a:fontRef>
           </p:style>
         </p:cxnSp>
-        <p:cxnSp>
-          <p:nvCxnSpPr>
-            <p:cNvPr id="67" name="Conector recto de flecha 66"/>
-            <p:cNvCxnSpPr>
-              <a:stCxn id="27" idx="2"/>
-              <a:endCxn id="18" idx="6"/>
-            </p:cNvCxnSpPr>
-            <p:nvPr/>
-          </p:nvCxnSpPr>
-          <p:spPr>
-            <a:xfrm flipH="1">
-              <a:off x="7150906" y="1409699"/>
-              <a:ext cx="884346" cy="12379"/>
-            </a:xfrm>
-            <a:prstGeom prst="straightConnector1">
-              <a:avLst/>
-            </a:prstGeom>
-            <a:ln w="9525" cap="flat" cmpd="sng" algn="ctr">
-              <a:solidFill>
-                <a:schemeClr val="dk1"/>
-              </a:solidFill>
-              <a:prstDash val="dash"/>
-              <a:round/>
-              <a:headEnd type="triangle" w="med" len="med"/>
-              <a:tailEnd type="none" w="med" len="med"/>
-            </a:ln>
-          </p:spPr>
-          <p:style>
-            <a:lnRef idx="0">
-              <a:scrgbClr r="0" g="0" b="0"/>
-            </a:lnRef>
-            <a:fillRef idx="0">
-              <a:scrgbClr r="0" g="0" b="0"/>
-            </a:fillRef>
-            <a:effectRef idx="0">
-              <a:scrgbClr r="0" g="0" b="0"/>
-            </a:effectRef>
-            <a:fontRef idx="minor">
-              <a:schemeClr val="tx1"/>
-            </a:fontRef>
-          </p:style>
-        </p:cxnSp>
-        <p:cxnSp>
-          <p:nvCxnSpPr>
-            <p:cNvPr id="70" name="Conector recto de flecha 69"/>
-            <p:cNvCxnSpPr>
-              <a:stCxn id="28" idx="2"/>
-              <a:endCxn id="19" idx="6"/>
-            </p:cNvCxnSpPr>
-            <p:nvPr/>
-          </p:nvCxnSpPr>
-          <p:spPr>
-            <a:xfrm flipH="1" flipV="1">
-              <a:off x="7150906" y="2432758"/>
-              <a:ext cx="884346" cy="1069"/>
-            </a:xfrm>
-            <a:prstGeom prst="straightConnector1">
-              <a:avLst/>
-            </a:prstGeom>
-            <a:ln w="9525" cap="flat" cmpd="sng" algn="ctr">
-              <a:solidFill>
-                <a:schemeClr val="dk1"/>
-              </a:solidFill>
-              <a:prstDash val="dash"/>
-              <a:round/>
-              <a:headEnd type="triangle" w="med" len="med"/>
-              <a:tailEnd type="none" w="med" len="med"/>
-            </a:ln>
-          </p:spPr>
-          <p:style>
-            <a:lnRef idx="0">
-              <a:scrgbClr r="0" g="0" b="0"/>
-            </a:lnRef>
-            <a:fillRef idx="0">
-              <a:scrgbClr r="0" g="0" b="0"/>
-            </a:fillRef>
-            <a:effectRef idx="0">
-              <a:scrgbClr r="0" g="0" b="0"/>
-            </a:effectRef>
-            <a:fontRef idx="minor">
-              <a:schemeClr val="tx1"/>
-            </a:fontRef>
-          </p:style>
-        </p:cxnSp>
-        <p:sp>
-          <p:nvSpPr>
-            <p:cNvPr id="82" name="CuadroTexto 81"/>
-            <p:cNvSpPr txBox="1"/>
-            <p:nvPr/>
-          </p:nvSpPr>
-          <p:spPr>
-            <a:xfrm>
-              <a:off x="7045520" y="1824298"/>
-              <a:ext cx="1119519" cy="307777"/>
-            </a:xfrm>
-            <a:prstGeom prst="rect">
-              <a:avLst/>
-            </a:prstGeom>
-            <a:noFill/>
-          </p:spPr>
-          <p:txBody>
-            <a:bodyPr wrap="square" rtlCol="0">
-              <a:spAutoFit/>
-            </a:bodyPr>
-            <a:lstStyle/>
-            <a:p>
-              <a:r>
-                <a:rPr lang="es-VE" sz="1400" dirty="0" smtClean="0">
-                  <a:latin typeface="Times New Roman" panose="02020603050405020304" pitchFamily="18" charset="0"/>
-                  <a:cs typeface="Times New Roman" panose="02020603050405020304" pitchFamily="18" charset="0"/>
-                </a:rPr>
-                <a:t>&lt;&lt;Include&gt;&gt;</a:t>
-              </a:r>
-              <a:endParaRPr lang="es-VE" sz="1400" dirty="0">
-                <a:latin typeface="Times New Roman" panose="02020603050405020304" pitchFamily="18" charset="0"/>
-                <a:cs typeface="Times New Roman" panose="02020603050405020304" pitchFamily="18" charset="0"/>
-              </a:endParaRPr>
-            </a:p>
-          </p:txBody>
-        </p:sp>
-        <p:sp>
-          <p:nvSpPr>
-            <p:cNvPr id="83" name="CuadroTexto 82"/>
-            <p:cNvSpPr txBox="1"/>
-            <p:nvPr/>
-          </p:nvSpPr>
-          <p:spPr>
-            <a:xfrm>
-              <a:off x="7045520" y="918360"/>
-              <a:ext cx="1119519" cy="307777"/>
-            </a:xfrm>
-            <a:prstGeom prst="rect">
-              <a:avLst/>
-            </a:prstGeom>
-            <a:noFill/>
-          </p:spPr>
-          <p:txBody>
-            <a:bodyPr wrap="square" rtlCol="0">
-              <a:spAutoFit/>
-            </a:bodyPr>
-            <a:lstStyle/>
-            <a:p>
-              <a:r>
-                <a:rPr lang="es-VE" sz="1400" dirty="0" smtClean="0">
-                  <a:latin typeface="Times New Roman" panose="02020603050405020304" pitchFamily="18" charset="0"/>
-                  <a:cs typeface="Times New Roman" panose="02020603050405020304" pitchFamily="18" charset="0"/>
-                </a:rPr>
-                <a:t>&lt;&lt;Include&gt;&gt;</a:t>
-              </a:r>
-              <a:endParaRPr lang="es-VE" sz="1400" dirty="0">
-                <a:latin typeface="Times New Roman" panose="02020603050405020304" pitchFamily="18" charset="0"/>
-                <a:cs typeface="Times New Roman" panose="02020603050405020304" pitchFamily="18" charset="0"/>
-              </a:endParaRPr>
-            </a:p>
-          </p:txBody>
-        </p:sp>
         <p:sp>
           <p:nvSpPr>
             <p:cNvPr id="84" name="CuadroTexto 83"/>
@@ -4244,2091 +6178,7 @@
     </p:spTree>
     <p:extLst>
       <p:ext uri="{BB962C8B-B14F-4D97-AF65-F5344CB8AC3E}">
-        <p14:creationId xmlns:p14="http://schemas.microsoft.com/office/powerpoint/2010/main" val="1056881136"/>
-      </p:ext>
-    </p:extLst>
-  </p:cSld>
-  <p:clrMapOvr>
-    <a:masterClrMapping/>
-  </p:clrMapOvr>
-</p:sld>
-</file>
-
-<file path=ppt/slides/slide2.xml><?xml version="1.0" encoding="utf-8"?>
-<p:sld xmlns:a="http://schemas.openxmlformats.org/drawingml/2006/main" xmlns:r="http://schemas.openxmlformats.org/officeDocument/2006/relationships" xmlns:p="http://schemas.openxmlformats.org/presentationml/2006/main">
-  <p:cSld>
-    <p:spTree>
-      <p:nvGrpSpPr>
-        <p:cNvPr id="1" name=""/>
-        <p:cNvGrpSpPr/>
-        <p:nvPr/>
-      </p:nvGrpSpPr>
-      <p:grpSpPr>
-        <a:xfrm>
-          <a:off x="0" y="0"/>
-          <a:ext cx="0" cy="0"/>
-          <a:chOff x="0" y="0"/>
-          <a:chExt cx="0" cy="0"/>
-        </a:xfrm>
-      </p:grpSpPr>
-      <p:grpSp>
-        <p:nvGrpSpPr>
-          <p:cNvPr id="3" name="Grupo 2"/>
-          <p:cNvGrpSpPr/>
-          <p:nvPr/>
-        </p:nvGrpSpPr>
-        <p:grpSpPr>
-          <a:xfrm>
-            <a:off x="825082" y="223414"/>
-            <a:ext cx="9770364" cy="6612061"/>
-            <a:chOff x="825082" y="223414"/>
-            <a:chExt cx="9770364" cy="6612061"/>
-          </a:xfrm>
-        </p:grpSpPr>
-        <p:grpSp>
-          <p:nvGrpSpPr>
-            <p:cNvPr id="15" name="Grupo 14"/>
-            <p:cNvGrpSpPr/>
-            <p:nvPr/>
-          </p:nvGrpSpPr>
-          <p:grpSpPr>
-            <a:xfrm>
-              <a:off x="870657" y="1994875"/>
-              <a:ext cx="713232" cy="2072664"/>
-              <a:chOff x="722376" y="1883664"/>
-              <a:chExt cx="713232" cy="2072664"/>
-            </a:xfrm>
-          </p:grpSpPr>
-          <p:sp>
-            <p:nvSpPr>
-              <p:cNvPr id="4" name="Elipse 3"/>
-              <p:cNvSpPr/>
-              <p:nvPr/>
-            </p:nvSpPr>
-            <p:spPr>
-              <a:xfrm>
-                <a:off x="722376" y="1883664"/>
-                <a:ext cx="713232" cy="731520"/>
-              </a:xfrm>
-              <a:prstGeom prst="ellipse">
-                <a:avLst/>
-              </a:prstGeom>
-            </p:spPr>
-            <p:style>
-              <a:lnRef idx="2">
-                <a:schemeClr val="dk1"/>
-              </a:lnRef>
-              <a:fillRef idx="1">
-                <a:schemeClr val="lt1"/>
-              </a:fillRef>
-              <a:effectRef idx="0">
-                <a:schemeClr val="dk1"/>
-              </a:effectRef>
-              <a:fontRef idx="minor">
-                <a:schemeClr val="dk1"/>
-              </a:fontRef>
-            </p:style>
-            <p:txBody>
-              <a:bodyPr rtlCol="0" anchor="ctr"/>
-              <a:lstStyle/>
-              <a:p>
-                <a:pPr algn="ctr"/>
-                <a:endParaRPr lang="es-VE" b="1">
-                  <a:ln w="10160">
-                    <a:solidFill>
-                      <a:schemeClr val="accent5"/>
-                    </a:solidFill>
-                    <a:prstDash val="solid"/>
-                  </a:ln>
-                  <a:solidFill>
-                    <a:srgbClr val="FFFFFF"/>
-                  </a:solidFill>
-                  <a:effectLst>
-                    <a:outerShdw blurRad="38100" dist="22860" dir="5400000" algn="tl" rotWithShape="0">
-                      <a:srgbClr val="000000">
-                        <a:alpha val="30000"/>
-                      </a:srgbClr>
-                    </a:outerShdw>
-                  </a:effectLst>
-                </a:endParaRPr>
-              </a:p>
-            </p:txBody>
-          </p:sp>
-          <p:cxnSp>
-            <p:nvCxnSpPr>
-              <p:cNvPr id="6" name="Conector recto 5"/>
-              <p:cNvCxnSpPr>
-                <a:stCxn id="4" idx="4"/>
-              </p:cNvCxnSpPr>
-              <p:nvPr/>
-            </p:nvCxnSpPr>
-            <p:spPr>
-              <a:xfrm flipH="1">
-                <a:off x="1071050" y="2615184"/>
-                <a:ext cx="7942" cy="780118"/>
-              </a:xfrm>
-              <a:prstGeom prst="line">
-                <a:avLst/>
-              </a:prstGeom>
-            </p:spPr>
-            <p:style>
-              <a:lnRef idx="1">
-                <a:schemeClr val="dk1"/>
-              </a:lnRef>
-              <a:fillRef idx="0">
-                <a:schemeClr val="dk1"/>
-              </a:fillRef>
-              <a:effectRef idx="0">
-                <a:schemeClr val="dk1"/>
-              </a:effectRef>
-              <a:fontRef idx="minor">
-                <a:schemeClr val="tx1"/>
-              </a:fontRef>
-            </p:style>
-          </p:cxnSp>
-          <p:cxnSp>
-            <p:nvCxnSpPr>
-              <p:cNvPr id="8" name="Conector recto 7"/>
-              <p:cNvCxnSpPr>
-                <a:stCxn id="4" idx="4"/>
-              </p:cNvCxnSpPr>
-              <p:nvPr/>
-            </p:nvCxnSpPr>
-            <p:spPr>
-              <a:xfrm>
-                <a:off x="1078992" y="2615184"/>
-                <a:ext cx="298073" cy="419458"/>
-              </a:xfrm>
-              <a:prstGeom prst="line">
-                <a:avLst/>
-              </a:prstGeom>
-            </p:spPr>
-            <p:style>
-              <a:lnRef idx="1">
-                <a:schemeClr val="dk1"/>
-              </a:lnRef>
-              <a:fillRef idx="0">
-                <a:schemeClr val="dk1"/>
-              </a:fillRef>
-              <a:effectRef idx="0">
-                <a:schemeClr val="dk1"/>
-              </a:effectRef>
-              <a:fontRef idx="minor">
-                <a:schemeClr val="tx1"/>
-              </a:fontRef>
-            </p:style>
-          </p:cxnSp>
-          <p:cxnSp>
-            <p:nvCxnSpPr>
-              <p:cNvPr id="10" name="Conector recto 9"/>
-              <p:cNvCxnSpPr>
-                <a:stCxn id="4" idx="4"/>
-              </p:cNvCxnSpPr>
-              <p:nvPr/>
-            </p:nvCxnSpPr>
-            <p:spPr>
-              <a:xfrm flipH="1">
-                <a:off x="805109" y="2615184"/>
-                <a:ext cx="273883" cy="415815"/>
-              </a:xfrm>
-              <a:prstGeom prst="line">
-                <a:avLst/>
-              </a:prstGeom>
-            </p:spPr>
-            <p:style>
-              <a:lnRef idx="1">
-                <a:schemeClr val="dk1"/>
-              </a:lnRef>
-              <a:fillRef idx="0">
-                <a:schemeClr val="dk1"/>
-              </a:fillRef>
-              <a:effectRef idx="0">
-                <a:schemeClr val="dk1"/>
-              </a:effectRef>
-              <a:fontRef idx="minor">
-                <a:schemeClr val="tx1"/>
-              </a:fontRef>
-            </p:style>
-          </p:cxnSp>
-          <p:cxnSp>
-            <p:nvCxnSpPr>
-              <p:cNvPr id="12" name="Conector recto 11"/>
-              <p:cNvCxnSpPr/>
-              <p:nvPr/>
-            </p:nvCxnSpPr>
-            <p:spPr>
-              <a:xfrm>
-                <a:off x="1071050" y="3395302"/>
-                <a:ext cx="251369" cy="561026"/>
-              </a:xfrm>
-              <a:prstGeom prst="line">
-                <a:avLst/>
-              </a:prstGeom>
-            </p:spPr>
-            <p:style>
-              <a:lnRef idx="1">
-                <a:schemeClr val="dk1"/>
-              </a:lnRef>
-              <a:fillRef idx="0">
-                <a:schemeClr val="dk1"/>
-              </a:fillRef>
-              <a:effectRef idx="0">
-                <a:schemeClr val="dk1"/>
-              </a:effectRef>
-              <a:fontRef idx="minor">
-                <a:schemeClr val="tx1"/>
-              </a:fontRef>
-            </p:style>
-          </p:cxnSp>
-          <p:cxnSp>
-            <p:nvCxnSpPr>
-              <p:cNvPr id="14" name="Conector recto 13"/>
-              <p:cNvCxnSpPr/>
-              <p:nvPr/>
-            </p:nvCxnSpPr>
-            <p:spPr>
-              <a:xfrm flipH="1">
-                <a:off x="848825" y="3395302"/>
-                <a:ext cx="222225" cy="561026"/>
-              </a:xfrm>
-              <a:prstGeom prst="line">
-                <a:avLst/>
-              </a:prstGeom>
-            </p:spPr>
-            <p:style>
-              <a:lnRef idx="1">
-                <a:schemeClr val="dk1"/>
-              </a:lnRef>
-              <a:fillRef idx="0">
-                <a:schemeClr val="dk1"/>
-              </a:fillRef>
-              <a:effectRef idx="0">
-                <a:schemeClr val="dk1"/>
-              </a:effectRef>
-              <a:fontRef idx="minor">
-                <a:schemeClr val="tx1"/>
-              </a:fontRef>
-            </p:style>
-          </p:cxnSp>
-        </p:grpSp>
-        <p:sp>
-          <p:nvSpPr>
-            <p:cNvPr id="16" name="Elipse 15"/>
-            <p:cNvSpPr/>
-            <p:nvPr/>
-          </p:nvSpPr>
-          <p:spPr>
-            <a:xfrm>
-              <a:off x="890753" y="232267"/>
-              <a:ext cx="2520000" cy="720000"/>
-            </a:xfrm>
-            <a:prstGeom prst="ellipse">
-              <a:avLst/>
-            </a:prstGeom>
-            <a:ln w="57150"/>
-          </p:spPr>
-          <p:style>
-            <a:lnRef idx="2">
-              <a:schemeClr val="dk1"/>
-            </a:lnRef>
-            <a:fillRef idx="1">
-              <a:schemeClr val="lt1"/>
-            </a:fillRef>
-            <a:effectRef idx="0">
-              <a:schemeClr val="dk1"/>
-            </a:effectRef>
-            <a:fontRef idx="minor">
-              <a:schemeClr val="dk1"/>
-            </a:fontRef>
-          </p:style>
-          <p:txBody>
-            <a:bodyPr rtlCol="0" anchor="ctr"/>
-            <a:lstStyle/>
-            <a:p>
-              <a:pPr algn="ctr"/>
-              <a:r>
-                <a:rPr lang="es-VE" sz="1400" dirty="0" smtClean="0">
-                  <a:latin typeface="Times New Roman" panose="02020603050405020304" pitchFamily="18" charset="0"/>
-                  <a:cs typeface="Times New Roman" panose="02020603050405020304" pitchFamily="18" charset="0"/>
-                </a:rPr>
-                <a:t>Iniciar Sesión</a:t>
-              </a:r>
-              <a:endParaRPr lang="es-VE" sz="1400" dirty="0">
-                <a:latin typeface="Times New Roman" panose="02020603050405020304" pitchFamily="18" charset="0"/>
-                <a:cs typeface="Times New Roman" panose="02020603050405020304" pitchFamily="18" charset="0"/>
-              </a:endParaRPr>
-            </a:p>
-          </p:txBody>
-        </p:sp>
-        <p:sp>
-          <p:nvSpPr>
-            <p:cNvPr id="18" name="Elipse 17"/>
-            <p:cNvSpPr/>
-            <p:nvPr/>
-          </p:nvSpPr>
-          <p:spPr>
-            <a:xfrm>
-              <a:off x="4643106" y="229491"/>
-              <a:ext cx="2520000" cy="720000"/>
-            </a:xfrm>
-            <a:prstGeom prst="ellipse">
-              <a:avLst/>
-            </a:prstGeom>
-            <a:ln w="57150"/>
-          </p:spPr>
-          <p:style>
-            <a:lnRef idx="2">
-              <a:schemeClr val="dk1"/>
-            </a:lnRef>
-            <a:fillRef idx="1">
-              <a:schemeClr val="lt1"/>
-            </a:fillRef>
-            <a:effectRef idx="0">
-              <a:schemeClr val="dk1"/>
-            </a:effectRef>
-            <a:fontRef idx="minor">
-              <a:schemeClr val="dk1"/>
-            </a:fontRef>
-          </p:style>
-          <p:txBody>
-            <a:bodyPr rtlCol="0" anchor="ctr"/>
-            <a:lstStyle/>
-            <a:p>
-              <a:pPr algn="ctr"/>
-              <a:r>
-                <a:rPr lang="es-VE" sz="1400" dirty="0" smtClean="0">
-                  <a:latin typeface="Times New Roman" panose="02020603050405020304" pitchFamily="18" charset="0"/>
-                  <a:cs typeface="Times New Roman" panose="02020603050405020304" pitchFamily="18" charset="0"/>
-                </a:rPr>
-                <a:t>Registrar Presupuesto Inicial</a:t>
-              </a:r>
-              <a:endParaRPr lang="es-VE" sz="1400" dirty="0">
-                <a:latin typeface="Times New Roman" panose="02020603050405020304" pitchFamily="18" charset="0"/>
-                <a:cs typeface="Times New Roman" panose="02020603050405020304" pitchFamily="18" charset="0"/>
-              </a:endParaRPr>
-            </a:p>
-          </p:txBody>
-        </p:sp>
-        <p:sp>
-          <p:nvSpPr>
-            <p:cNvPr id="21" name="Elipse 20"/>
-            <p:cNvSpPr/>
-            <p:nvPr/>
-          </p:nvSpPr>
-          <p:spPr>
-            <a:xfrm>
-              <a:off x="4643106" y="1406688"/>
-              <a:ext cx="2520000" cy="720000"/>
-            </a:xfrm>
-            <a:prstGeom prst="ellipse">
-              <a:avLst/>
-            </a:prstGeom>
-            <a:ln w="57150"/>
-          </p:spPr>
-          <p:style>
-            <a:lnRef idx="2">
-              <a:schemeClr val="dk1"/>
-            </a:lnRef>
-            <a:fillRef idx="1">
-              <a:schemeClr val="lt1"/>
-            </a:fillRef>
-            <a:effectRef idx="0">
-              <a:schemeClr val="dk1"/>
-            </a:effectRef>
-            <a:fontRef idx="minor">
-              <a:schemeClr val="dk1"/>
-            </a:fontRef>
-          </p:style>
-          <p:txBody>
-            <a:bodyPr rtlCol="0" anchor="ctr"/>
-            <a:lstStyle/>
-            <a:p>
-              <a:pPr algn="ctr"/>
-              <a:r>
-                <a:rPr lang="es-VE" sz="1400" dirty="0" smtClean="0">
-                  <a:latin typeface="Times New Roman" panose="02020603050405020304" pitchFamily="18" charset="0"/>
-                  <a:cs typeface="Times New Roman" panose="02020603050405020304" pitchFamily="18" charset="0"/>
-                </a:rPr>
-                <a:t>Gestionar Ingresos</a:t>
-              </a:r>
-              <a:endParaRPr lang="es-VE" sz="1400" dirty="0">
-                <a:latin typeface="Times New Roman" panose="02020603050405020304" pitchFamily="18" charset="0"/>
-                <a:cs typeface="Times New Roman" panose="02020603050405020304" pitchFamily="18" charset="0"/>
-              </a:endParaRPr>
-            </a:p>
-          </p:txBody>
-        </p:sp>
-        <p:sp>
-          <p:nvSpPr>
-            <p:cNvPr id="22" name="Elipse 21"/>
-            <p:cNvSpPr/>
-            <p:nvPr/>
-          </p:nvSpPr>
-          <p:spPr>
-            <a:xfrm>
-              <a:off x="4643106" y="2583885"/>
-              <a:ext cx="2520000" cy="720000"/>
-            </a:xfrm>
-            <a:prstGeom prst="ellipse">
-              <a:avLst/>
-            </a:prstGeom>
-            <a:ln w="57150"/>
-          </p:spPr>
-          <p:style>
-            <a:lnRef idx="2">
-              <a:schemeClr val="dk1"/>
-            </a:lnRef>
-            <a:fillRef idx="1">
-              <a:schemeClr val="lt1"/>
-            </a:fillRef>
-            <a:effectRef idx="0">
-              <a:schemeClr val="dk1"/>
-            </a:effectRef>
-            <a:fontRef idx="minor">
-              <a:schemeClr val="dk1"/>
-            </a:fontRef>
-          </p:style>
-          <p:txBody>
-            <a:bodyPr rtlCol="0" anchor="ctr"/>
-            <a:lstStyle/>
-            <a:p>
-              <a:pPr algn="ctr"/>
-              <a:r>
-                <a:rPr lang="es-VE" sz="1400" dirty="0" smtClean="0">
-                  <a:latin typeface="Times New Roman" panose="02020603050405020304" pitchFamily="18" charset="0"/>
-                  <a:cs typeface="Times New Roman" panose="02020603050405020304" pitchFamily="18" charset="0"/>
-                </a:rPr>
-                <a:t>Gestionar Egresos</a:t>
-              </a:r>
-              <a:endParaRPr lang="es-VE" sz="1400" dirty="0">
-                <a:latin typeface="Times New Roman" panose="02020603050405020304" pitchFamily="18" charset="0"/>
-                <a:cs typeface="Times New Roman" panose="02020603050405020304" pitchFamily="18" charset="0"/>
-              </a:endParaRPr>
-            </a:p>
-          </p:txBody>
-        </p:sp>
-        <p:sp>
-          <p:nvSpPr>
-            <p:cNvPr id="23" name="Elipse 22"/>
-            <p:cNvSpPr/>
-            <p:nvPr/>
-          </p:nvSpPr>
-          <p:spPr>
-            <a:xfrm>
-              <a:off x="4643106" y="3761082"/>
-              <a:ext cx="2520000" cy="720000"/>
-            </a:xfrm>
-            <a:prstGeom prst="ellipse">
-              <a:avLst/>
-            </a:prstGeom>
-            <a:ln w="57150"/>
-          </p:spPr>
-          <p:style>
-            <a:lnRef idx="2">
-              <a:schemeClr val="dk1"/>
-            </a:lnRef>
-            <a:fillRef idx="1">
-              <a:schemeClr val="lt1"/>
-            </a:fillRef>
-            <a:effectRef idx="0">
-              <a:schemeClr val="dk1"/>
-            </a:effectRef>
-            <a:fontRef idx="minor">
-              <a:schemeClr val="dk1"/>
-            </a:fontRef>
-          </p:style>
-          <p:txBody>
-            <a:bodyPr rtlCol="0" anchor="ctr"/>
-            <a:lstStyle/>
-            <a:p>
-              <a:pPr algn="ctr"/>
-              <a:r>
-                <a:rPr lang="es-VE" sz="1400" dirty="0" smtClean="0">
-                  <a:latin typeface="Times New Roman" panose="02020603050405020304" pitchFamily="18" charset="0"/>
-                  <a:cs typeface="Times New Roman" panose="02020603050405020304" pitchFamily="18" charset="0"/>
-                </a:rPr>
-                <a:t>Generar Pre-cierres</a:t>
-              </a:r>
-              <a:endParaRPr lang="es-VE" sz="1400" dirty="0">
-                <a:latin typeface="Times New Roman" panose="02020603050405020304" pitchFamily="18" charset="0"/>
-                <a:cs typeface="Times New Roman" panose="02020603050405020304" pitchFamily="18" charset="0"/>
-              </a:endParaRPr>
-            </a:p>
-          </p:txBody>
-        </p:sp>
-        <p:sp>
-          <p:nvSpPr>
-            <p:cNvPr id="24" name="Elipse 23"/>
-            <p:cNvSpPr/>
-            <p:nvPr/>
-          </p:nvSpPr>
-          <p:spPr>
-            <a:xfrm>
-              <a:off x="4643106" y="4938279"/>
-              <a:ext cx="2520000" cy="720000"/>
-            </a:xfrm>
-            <a:prstGeom prst="ellipse">
-              <a:avLst/>
-            </a:prstGeom>
-            <a:ln w="57150"/>
-          </p:spPr>
-          <p:style>
-            <a:lnRef idx="2">
-              <a:schemeClr val="dk1"/>
-            </a:lnRef>
-            <a:fillRef idx="1">
-              <a:schemeClr val="lt1"/>
-            </a:fillRef>
-            <a:effectRef idx="0">
-              <a:schemeClr val="dk1"/>
-            </a:effectRef>
-            <a:fontRef idx="minor">
-              <a:schemeClr val="dk1"/>
-            </a:fontRef>
-          </p:style>
-          <p:txBody>
-            <a:bodyPr rtlCol="0" anchor="ctr"/>
-            <a:lstStyle/>
-            <a:p>
-              <a:pPr algn="ctr"/>
-              <a:r>
-                <a:rPr lang="es-VE" sz="1400" dirty="0" smtClean="0">
-                  <a:latin typeface="Times New Roman" panose="02020603050405020304" pitchFamily="18" charset="0"/>
-                  <a:cs typeface="Times New Roman" panose="02020603050405020304" pitchFamily="18" charset="0"/>
-                </a:rPr>
-                <a:t>Gestionar Cierres</a:t>
-              </a:r>
-              <a:endParaRPr lang="es-VE" sz="1400" dirty="0">
-                <a:latin typeface="Times New Roman" panose="02020603050405020304" pitchFamily="18" charset="0"/>
-                <a:cs typeface="Times New Roman" panose="02020603050405020304" pitchFamily="18" charset="0"/>
-              </a:endParaRPr>
-            </a:p>
-          </p:txBody>
-        </p:sp>
-        <p:sp>
-          <p:nvSpPr>
-            <p:cNvPr id="25" name="Elipse 24"/>
-            <p:cNvSpPr/>
-            <p:nvPr/>
-          </p:nvSpPr>
-          <p:spPr>
-            <a:xfrm>
-              <a:off x="4643106" y="6115475"/>
-              <a:ext cx="2520000" cy="720000"/>
-            </a:xfrm>
-            <a:prstGeom prst="ellipse">
-              <a:avLst/>
-            </a:prstGeom>
-            <a:ln w="57150"/>
-          </p:spPr>
-          <p:style>
-            <a:lnRef idx="2">
-              <a:schemeClr val="dk1"/>
-            </a:lnRef>
-            <a:fillRef idx="1">
-              <a:schemeClr val="lt1"/>
-            </a:fillRef>
-            <a:effectRef idx="0">
-              <a:schemeClr val="dk1"/>
-            </a:effectRef>
-            <a:fontRef idx="minor">
-              <a:schemeClr val="dk1"/>
-            </a:fontRef>
-          </p:style>
-          <p:txBody>
-            <a:bodyPr rtlCol="0" anchor="ctr"/>
-            <a:lstStyle/>
-            <a:p>
-              <a:pPr algn="ctr"/>
-              <a:r>
-                <a:rPr lang="es-VE" sz="1400" dirty="0" smtClean="0">
-                  <a:latin typeface="Times New Roman" panose="02020603050405020304" pitchFamily="18" charset="0"/>
-                  <a:cs typeface="Times New Roman" panose="02020603050405020304" pitchFamily="18" charset="0"/>
-                </a:rPr>
-                <a:t>Generar Nominas</a:t>
-              </a:r>
-              <a:endParaRPr lang="es-VE" sz="1400" dirty="0">
-                <a:latin typeface="Times New Roman" panose="02020603050405020304" pitchFamily="18" charset="0"/>
-                <a:cs typeface="Times New Roman" panose="02020603050405020304" pitchFamily="18" charset="0"/>
-              </a:endParaRPr>
-            </a:p>
-          </p:txBody>
-        </p:sp>
-        <p:sp>
-          <p:nvSpPr>
-            <p:cNvPr id="27" name="Elipse 26"/>
-            <p:cNvSpPr/>
-            <p:nvPr/>
-          </p:nvSpPr>
-          <p:spPr>
-            <a:xfrm>
-              <a:off x="8075446" y="223414"/>
-              <a:ext cx="2520000" cy="720000"/>
-            </a:xfrm>
-            <a:prstGeom prst="ellipse">
-              <a:avLst/>
-            </a:prstGeom>
-            <a:ln w="57150"/>
-          </p:spPr>
-          <p:style>
-            <a:lnRef idx="2">
-              <a:schemeClr val="dk1"/>
-            </a:lnRef>
-            <a:fillRef idx="1">
-              <a:schemeClr val="lt1"/>
-            </a:fillRef>
-            <a:effectRef idx="0">
-              <a:schemeClr val="dk1"/>
-            </a:effectRef>
-            <a:fontRef idx="minor">
-              <a:schemeClr val="dk1"/>
-            </a:fontRef>
-          </p:style>
-          <p:txBody>
-            <a:bodyPr rtlCol="0" anchor="ctr"/>
-            <a:lstStyle/>
-            <a:p>
-              <a:pPr algn="ctr"/>
-              <a:r>
-                <a:rPr lang="es-VE" sz="1400" dirty="0" smtClean="0">
-                  <a:latin typeface="Times New Roman" panose="02020603050405020304" pitchFamily="18" charset="0"/>
-                  <a:cs typeface="Times New Roman" panose="02020603050405020304" pitchFamily="18" charset="0"/>
-                </a:rPr>
-                <a:t>Cargar Archivo</a:t>
-              </a:r>
-              <a:endParaRPr lang="es-VE" sz="1400" dirty="0">
-                <a:latin typeface="Times New Roman" panose="02020603050405020304" pitchFamily="18" charset="0"/>
-                <a:cs typeface="Times New Roman" panose="02020603050405020304" pitchFamily="18" charset="0"/>
-              </a:endParaRPr>
-            </a:p>
-          </p:txBody>
-        </p:sp>
-        <p:sp>
-          <p:nvSpPr>
-            <p:cNvPr id="34" name="CuadroTexto 33"/>
-            <p:cNvSpPr txBox="1"/>
-            <p:nvPr/>
-          </p:nvSpPr>
-          <p:spPr>
-            <a:xfrm>
-              <a:off x="825082" y="4120422"/>
-              <a:ext cx="804381" cy="307777"/>
-            </a:xfrm>
-            <a:prstGeom prst="rect">
-              <a:avLst/>
-            </a:prstGeom>
-            <a:noFill/>
-          </p:spPr>
-          <p:txBody>
-            <a:bodyPr wrap="square" rtlCol="0">
-              <a:spAutoFit/>
-            </a:bodyPr>
-            <a:lstStyle/>
-            <a:p>
-              <a:r>
-                <a:rPr lang="es-VE" sz="1400" dirty="0" smtClean="0">
-                  <a:latin typeface="Times New Roman" panose="02020603050405020304" pitchFamily="18" charset="0"/>
-                  <a:cs typeface="Times New Roman" panose="02020603050405020304" pitchFamily="18" charset="0"/>
-                </a:rPr>
-                <a:t>Analista</a:t>
-              </a:r>
-              <a:endParaRPr lang="es-VE" sz="1400" dirty="0">
-                <a:latin typeface="Times New Roman" panose="02020603050405020304" pitchFamily="18" charset="0"/>
-                <a:cs typeface="Times New Roman" panose="02020603050405020304" pitchFamily="18" charset="0"/>
-              </a:endParaRPr>
-            </a:p>
-          </p:txBody>
-        </p:sp>
-        <p:cxnSp>
-          <p:nvCxnSpPr>
-            <p:cNvPr id="38" name="Conector recto de flecha 37"/>
-            <p:cNvCxnSpPr>
-              <a:endCxn id="25" idx="2"/>
-            </p:cNvCxnSpPr>
-            <p:nvPr/>
-          </p:nvCxnSpPr>
-          <p:spPr>
-            <a:xfrm>
-              <a:off x="2720494" y="3116454"/>
-              <a:ext cx="1922612" cy="3359021"/>
-            </a:xfrm>
-            <a:prstGeom prst="straightConnector1">
-              <a:avLst/>
-            </a:prstGeom>
-            <a:ln>
-              <a:tailEnd type="triangle"/>
-            </a:ln>
-          </p:spPr>
-          <p:style>
-            <a:lnRef idx="1">
-              <a:schemeClr val="dk1"/>
-            </a:lnRef>
-            <a:fillRef idx="0">
-              <a:schemeClr val="dk1"/>
-            </a:fillRef>
-            <a:effectRef idx="0">
-              <a:schemeClr val="dk1"/>
-            </a:effectRef>
-            <a:fontRef idx="minor">
-              <a:schemeClr val="tx1"/>
-            </a:fontRef>
-          </p:style>
-        </p:cxnSp>
-        <p:cxnSp>
-          <p:nvCxnSpPr>
-            <p:cNvPr id="40" name="Conector recto de flecha 39"/>
-            <p:cNvCxnSpPr>
-              <a:endCxn id="18" idx="2"/>
-            </p:cNvCxnSpPr>
-            <p:nvPr/>
-          </p:nvCxnSpPr>
-          <p:spPr>
-            <a:xfrm flipV="1">
-              <a:off x="2720494" y="589491"/>
-              <a:ext cx="1922612" cy="2552720"/>
-            </a:xfrm>
-            <a:prstGeom prst="straightConnector1">
-              <a:avLst/>
-            </a:prstGeom>
-            <a:ln>
-              <a:tailEnd type="triangle"/>
-            </a:ln>
-          </p:spPr>
-          <p:style>
-            <a:lnRef idx="1">
-              <a:schemeClr val="dk1"/>
-            </a:lnRef>
-            <a:fillRef idx="0">
-              <a:schemeClr val="dk1"/>
-            </a:fillRef>
-            <a:effectRef idx="0">
-              <a:schemeClr val="dk1"/>
-            </a:effectRef>
-            <a:fontRef idx="minor">
-              <a:schemeClr val="tx1"/>
-            </a:fontRef>
-          </p:style>
-        </p:cxnSp>
-        <p:cxnSp>
-          <p:nvCxnSpPr>
-            <p:cNvPr id="44" name="Conector recto de flecha 43"/>
-            <p:cNvCxnSpPr>
-              <a:endCxn id="21" idx="2"/>
-            </p:cNvCxnSpPr>
-            <p:nvPr/>
-          </p:nvCxnSpPr>
-          <p:spPr>
-            <a:xfrm flipV="1">
-              <a:off x="2708785" y="1766688"/>
-              <a:ext cx="1934321" cy="1373845"/>
-            </a:xfrm>
-            <a:prstGeom prst="straightConnector1">
-              <a:avLst/>
-            </a:prstGeom>
-            <a:ln>
-              <a:tailEnd type="triangle"/>
-            </a:ln>
-          </p:spPr>
-          <p:style>
-            <a:lnRef idx="1">
-              <a:schemeClr val="dk1"/>
-            </a:lnRef>
-            <a:fillRef idx="0">
-              <a:schemeClr val="dk1"/>
-            </a:fillRef>
-            <a:effectRef idx="0">
-              <a:schemeClr val="dk1"/>
-            </a:effectRef>
-            <a:fontRef idx="minor">
-              <a:schemeClr val="tx1"/>
-            </a:fontRef>
-          </p:style>
-        </p:cxnSp>
-        <p:cxnSp>
-          <p:nvCxnSpPr>
-            <p:cNvPr id="46" name="Conector recto de flecha 45"/>
-            <p:cNvCxnSpPr>
-              <a:endCxn id="22" idx="2"/>
-            </p:cNvCxnSpPr>
-            <p:nvPr/>
-          </p:nvCxnSpPr>
-          <p:spPr>
-            <a:xfrm flipV="1">
-              <a:off x="2720494" y="2943885"/>
-              <a:ext cx="1922612" cy="183472"/>
-            </a:xfrm>
-            <a:prstGeom prst="straightConnector1">
-              <a:avLst/>
-            </a:prstGeom>
-            <a:ln>
-              <a:tailEnd type="triangle"/>
-            </a:ln>
-          </p:spPr>
-          <p:style>
-            <a:lnRef idx="1">
-              <a:schemeClr val="dk1"/>
-            </a:lnRef>
-            <a:fillRef idx="0">
-              <a:schemeClr val="dk1"/>
-            </a:fillRef>
-            <a:effectRef idx="0">
-              <a:schemeClr val="dk1"/>
-            </a:effectRef>
-            <a:fontRef idx="minor">
-              <a:schemeClr val="tx1"/>
-            </a:fontRef>
-          </p:style>
-        </p:cxnSp>
-        <p:cxnSp>
-          <p:nvCxnSpPr>
-            <p:cNvPr id="48" name="Conector recto de flecha 47"/>
-            <p:cNvCxnSpPr>
-              <a:endCxn id="23" idx="2"/>
-            </p:cNvCxnSpPr>
-            <p:nvPr/>
-          </p:nvCxnSpPr>
-          <p:spPr>
-            <a:xfrm>
-              <a:off x="2720494" y="3140533"/>
-              <a:ext cx="1922612" cy="980549"/>
-            </a:xfrm>
-            <a:prstGeom prst="straightConnector1">
-              <a:avLst/>
-            </a:prstGeom>
-            <a:ln>
-              <a:tailEnd type="triangle"/>
-            </a:ln>
-          </p:spPr>
-          <p:style>
-            <a:lnRef idx="1">
-              <a:schemeClr val="dk1"/>
-            </a:lnRef>
-            <a:fillRef idx="0">
-              <a:schemeClr val="dk1"/>
-            </a:fillRef>
-            <a:effectRef idx="0">
-              <a:schemeClr val="dk1"/>
-            </a:effectRef>
-            <a:fontRef idx="minor">
-              <a:schemeClr val="tx1"/>
-            </a:fontRef>
-          </p:style>
-        </p:cxnSp>
-        <p:cxnSp>
-          <p:nvCxnSpPr>
-            <p:cNvPr id="50" name="Conector recto de flecha 49"/>
-            <p:cNvCxnSpPr>
-              <a:endCxn id="24" idx="2"/>
-            </p:cNvCxnSpPr>
-            <p:nvPr/>
-          </p:nvCxnSpPr>
-          <p:spPr>
-            <a:xfrm>
-              <a:off x="2720494" y="3113464"/>
-              <a:ext cx="1922612" cy="2184815"/>
-            </a:xfrm>
-            <a:prstGeom prst="straightConnector1">
-              <a:avLst/>
-            </a:prstGeom>
-            <a:ln>
-              <a:tailEnd type="triangle"/>
-            </a:ln>
-          </p:spPr>
-          <p:style>
-            <a:lnRef idx="1">
-              <a:schemeClr val="dk1"/>
-            </a:lnRef>
-            <a:fillRef idx="0">
-              <a:schemeClr val="dk1"/>
-            </a:fillRef>
-            <a:effectRef idx="0">
-              <a:schemeClr val="dk1"/>
-            </a:effectRef>
-            <a:fontRef idx="minor">
-              <a:schemeClr val="tx1"/>
-            </a:fontRef>
-          </p:style>
-        </p:cxnSp>
-        <p:cxnSp>
-          <p:nvCxnSpPr>
-            <p:cNvPr id="65" name="Conector recto de flecha 64"/>
-            <p:cNvCxnSpPr>
-              <a:stCxn id="16" idx="6"/>
-            </p:cNvCxnSpPr>
-            <p:nvPr/>
-          </p:nvCxnSpPr>
-          <p:spPr>
-            <a:xfrm>
-              <a:off x="3410753" y="592267"/>
-              <a:ext cx="1240249" cy="0"/>
-            </a:xfrm>
-            <a:prstGeom prst="straightConnector1">
-              <a:avLst/>
-            </a:prstGeom>
-            <a:ln w="9525" cap="flat" cmpd="sng" algn="ctr">
-              <a:solidFill>
-                <a:schemeClr val="dk1"/>
-              </a:solidFill>
-              <a:prstDash val="dash"/>
-              <a:round/>
-              <a:headEnd type="triangle" w="med" len="med"/>
-              <a:tailEnd type="none" w="med" len="med"/>
-            </a:ln>
-          </p:spPr>
-          <p:style>
-            <a:lnRef idx="0">
-              <a:scrgbClr r="0" g="0" b="0"/>
-            </a:lnRef>
-            <a:fillRef idx="0">
-              <a:scrgbClr r="0" g="0" b="0"/>
-            </a:fillRef>
-            <a:effectRef idx="0">
-              <a:scrgbClr r="0" g="0" b="0"/>
-            </a:effectRef>
-            <a:fontRef idx="minor">
-              <a:schemeClr val="tx1"/>
-            </a:fontRef>
-          </p:style>
-        </p:cxnSp>
-        <p:cxnSp>
-          <p:nvCxnSpPr>
-            <p:cNvPr id="67" name="Conector recto de flecha 66"/>
-            <p:cNvCxnSpPr>
-              <a:stCxn id="27" idx="2"/>
-            </p:cNvCxnSpPr>
-            <p:nvPr/>
-          </p:nvCxnSpPr>
-          <p:spPr>
-            <a:xfrm flipH="1">
-              <a:off x="7191100" y="583414"/>
-              <a:ext cx="884346" cy="0"/>
-            </a:xfrm>
-            <a:prstGeom prst="straightConnector1">
-              <a:avLst/>
-            </a:prstGeom>
-            <a:ln w="9525" cap="flat" cmpd="sng" algn="ctr">
-              <a:solidFill>
-                <a:schemeClr val="dk1"/>
-              </a:solidFill>
-              <a:prstDash val="dash"/>
-              <a:round/>
-              <a:headEnd type="triangle" w="med" len="med"/>
-              <a:tailEnd type="none" w="med" len="med"/>
-            </a:ln>
-          </p:spPr>
-          <p:style>
-            <a:lnRef idx="0">
-              <a:scrgbClr r="0" g="0" b="0"/>
-            </a:lnRef>
-            <a:fillRef idx="0">
-              <a:scrgbClr r="0" g="0" b="0"/>
-            </a:fillRef>
-            <a:effectRef idx="0">
-              <a:scrgbClr r="0" g="0" b="0"/>
-            </a:effectRef>
-            <a:fontRef idx="minor">
-              <a:schemeClr val="tx1"/>
-            </a:fontRef>
-          </p:style>
-        </p:cxnSp>
-        <p:sp>
-          <p:nvSpPr>
-            <p:cNvPr id="83" name="CuadroTexto 82"/>
-            <p:cNvSpPr txBox="1"/>
-            <p:nvPr/>
-          </p:nvSpPr>
-          <p:spPr>
-            <a:xfrm>
-              <a:off x="7085714" y="238379"/>
-              <a:ext cx="1119519" cy="307777"/>
-            </a:xfrm>
-            <a:prstGeom prst="rect">
-              <a:avLst/>
-            </a:prstGeom>
-            <a:noFill/>
-          </p:spPr>
-          <p:txBody>
-            <a:bodyPr wrap="square" rtlCol="0">
-              <a:spAutoFit/>
-            </a:bodyPr>
-            <a:lstStyle/>
-            <a:p>
-              <a:r>
-                <a:rPr lang="es-VE" sz="1400" dirty="0" smtClean="0">
-                  <a:latin typeface="Times New Roman" panose="02020603050405020304" pitchFamily="18" charset="0"/>
-                  <a:cs typeface="Times New Roman" panose="02020603050405020304" pitchFamily="18" charset="0"/>
-                </a:rPr>
-                <a:t>&lt;&lt;Include&gt;&gt;</a:t>
-              </a:r>
-              <a:endParaRPr lang="es-VE" sz="1400" dirty="0">
-                <a:latin typeface="Times New Roman" panose="02020603050405020304" pitchFamily="18" charset="0"/>
-                <a:cs typeface="Times New Roman" panose="02020603050405020304" pitchFamily="18" charset="0"/>
-              </a:endParaRPr>
-            </a:p>
-          </p:txBody>
-        </p:sp>
-        <p:sp>
-          <p:nvSpPr>
-            <p:cNvPr id="84" name="CuadroTexto 83"/>
-            <p:cNvSpPr txBox="1"/>
-            <p:nvPr/>
-          </p:nvSpPr>
-          <p:spPr>
-            <a:xfrm>
-              <a:off x="3471118" y="277902"/>
-              <a:ext cx="1119519" cy="307777"/>
-            </a:xfrm>
-            <a:prstGeom prst="rect">
-              <a:avLst/>
-            </a:prstGeom>
-            <a:noFill/>
-          </p:spPr>
-          <p:txBody>
-            <a:bodyPr wrap="square" rtlCol="0">
-              <a:spAutoFit/>
-            </a:bodyPr>
-            <a:lstStyle/>
-            <a:p>
-              <a:r>
-                <a:rPr lang="es-VE" sz="1400" dirty="0" smtClean="0">
-                  <a:latin typeface="Times New Roman" panose="02020603050405020304" pitchFamily="18" charset="0"/>
-                  <a:cs typeface="Times New Roman" panose="02020603050405020304" pitchFamily="18" charset="0"/>
-                </a:rPr>
-                <a:t>&lt;&lt;Include&gt;&gt;</a:t>
-              </a:r>
-              <a:endParaRPr lang="es-VE" sz="1400" dirty="0">
-                <a:latin typeface="Times New Roman" panose="02020603050405020304" pitchFamily="18" charset="0"/>
-                <a:cs typeface="Times New Roman" panose="02020603050405020304" pitchFamily="18" charset="0"/>
-              </a:endParaRPr>
-            </a:p>
-          </p:txBody>
-        </p:sp>
-      </p:grpSp>
-    </p:spTree>
-    <p:extLst>
-      <p:ext uri="{BB962C8B-B14F-4D97-AF65-F5344CB8AC3E}">
-        <p14:creationId xmlns:p14="http://schemas.microsoft.com/office/powerpoint/2010/main" val="2783502962"/>
-      </p:ext>
-    </p:extLst>
-  </p:cSld>
-  <p:clrMapOvr>
-    <a:masterClrMapping/>
-  </p:clrMapOvr>
-</p:sld>
-</file>
-
-<file path=ppt/slides/slide3.xml><?xml version="1.0" encoding="utf-8"?>
-<p:sld xmlns:a="http://schemas.openxmlformats.org/drawingml/2006/main" xmlns:r="http://schemas.openxmlformats.org/officeDocument/2006/relationships" xmlns:p="http://schemas.openxmlformats.org/presentationml/2006/main">
-  <p:cSld>
-    <p:spTree>
-      <p:nvGrpSpPr>
-        <p:cNvPr id="1" name=""/>
-        <p:cNvGrpSpPr/>
-        <p:nvPr/>
-      </p:nvGrpSpPr>
-      <p:grpSpPr>
-        <a:xfrm>
-          <a:off x="0" y="0"/>
-          <a:ext cx="0" cy="0"/>
-          <a:chOff x="0" y="0"/>
-          <a:chExt cx="0" cy="0"/>
-        </a:xfrm>
-      </p:grpSpPr>
-      <p:grpSp>
-        <p:nvGrpSpPr>
-          <p:cNvPr id="2" name="Grupo 1"/>
-          <p:cNvGrpSpPr/>
-          <p:nvPr/>
-        </p:nvGrpSpPr>
-        <p:grpSpPr>
-          <a:xfrm>
-            <a:off x="542611" y="229491"/>
-            <a:ext cx="6620495" cy="6605984"/>
-            <a:chOff x="542611" y="229491"/>
-            <a:chExt cx="6620495" cy="6605984"/>
-          </a:xfrm>
-        </p:grpSpPr>
-        <p:grpSp>
-          <p:nvGrpSpPr>
-            <p:cNvPr id="15" name="Grupo 14"/>
-            <p:cNvGrpSpPr/>
-            <p:nvPr/>
-          </p:nvGrpSpPr>
-          <p:grpSpPr>
-            <a:xfrm>
-              <a:off x="870657" y="1994875"/>
-              <a:ext cx="713232" cy="2072664"/>
-              <a:chOff x="722376" y="1883664"/>
-              <a:chExt cx="713232" cy="2072664"/>
-            </a:xfrm>
-          </p:grpSpPr>
-          <p:sp>
-            <p:nvSpPr>
-              <p:cNvPr id="4" name="Elipse 3"/>
-              <p:cNvSpPr/>
-              <p:nvPr/>
-            </p:nvSpPr>
-            <p:spPr>
-              <a:xfrm>
-                <a:off x="722376" y="1883664"/>
-                <a:ext cx="713232" cy="731520"/>
-              </a:xfrm>
-              <a:prstGeom prst="ellipse">
-                <a:avLst/>
-              </a:prstGeom>
-            </p:spPr>
-            <p:style>
-              <a:lnRef idx="2">
-                <a:schemeClr val="dk1"/>
-              </a:lnRef>
-              <a:fillRef idx="1">
-                <a:schemeClr val="lt1"/>
-              </a:fillRef>
-              <a:effectRef idx="0">
-                <a:schemeClr val="dk1"/>
-              </a:effectRef>
-              <a:fontRef idx="minor">
-                <a:schemeClr val="dk1"/>
-              </a:fontRef>
-            </p:style>
-            <p:txBody>
-              <a:bodyPr rtlCol="0" anchor="ctr"/>
-              <a:lstStyle/>
-              <a:p>
-                <a:pPr algn="ctr"/>
-                <a:endParaRPr lang="es-VE" b="1">
-                  <a:ln w="10160">
-                    <a:solidFill>
-                      <a:schemeClr val="accent5"/>
-                    </a:solidFill>
-                    <a:prstDash val="solid"/>
-                  </a:ln>
-                  <a:solidFill>
-                    <a:srgbClr val="FFFFFF"/>
-                  </a:solidFill>
-                  <a:effectLst>
-                    <a:outerShdw blurRad="38100" dist="22860" dir="5400000" algn="tl" rotWithShape="0">
-                      <a:srgbClr val="000000">
-                        <a:alpha val="30000"/>
-                      </a:srgbClr>
-                    </a:outerShdw>
-                  </a:effectLst>
-                </a:endParaRPr>
-              </a:p>
-            </p:txBody>
-          </p:sp>
-          <p:cxnSp>
-            <p:nvCxnSpPr>
-              <p:cNvPr id="6" name="Conector recto 5"/>
-              <p:cNvCxnSpPr>
-                <a:stCxn id="4" idx="4"/>
-              </p:cNvCxnSpPr>
-              <p:nvPr/>
-            </p:nvCxnSpPr>
-            <p:spPr>
-              <a:xfrm flipH="1">
-                <a:off x="1071050" y="2615184"/>
-                <a:ext cx="7942" cy="780118"/>
-              </a:xfrm>
-              <a:prstGeom prst="line">
-                <a:avLst/>
-              </a:prstGeom>
-            </p:spPr>
-            <p:style>
-              <a:lnRef idx="1">
-                <a:schemeClr val="dk1"/>
-              </a:lnRef>
-              <a:fillRef idx="0">
-                <a:schemeClr val="dk1"/>
-              </a:fillRef>
-              <a:effectRef idx="0">
-                <a:schemeClr val="dk1"/>
-              </a:effectRef>
-              <a:fontRef idx="minor">
-                <a:schemeClr val="tx1"/>
-              </a:fontRef>
-            </p:style>
-          </p:cxnSp>
-          <p:cxnSp>
-            <p:nvCxnSpPr>
-              <p:cNvPr id="8" name="Conector recto 7"/>
-              <p:cNvCxnSpPr>
-                <a:stCxn id="4" idx="4"/>
-              </p:cNvCxnSpPr>
-              <p:nvPr/>
-            </p:nvCxnSpPr>
-            <p:spPr>
-              <a:xfrm>
-                <a:off x="1078992" y="2615184"/>
-                <a:ext cx="298073" cy="419458"/>
-              </a:xfrm>
-              <a:prstGeom prst="line">
-                <a:avLst/>
-              </a:prstGeom>
-            </p:spPr>
-            <p:style>
-              <a:lnRef idx="1">
-                <a:schemeClr val="dk1"/>
-              </a:lnRef>
-              <a:fillRef idx="0">
-                <a:schemeClr val="dk1"/>
-              </a:fillRef>
-              <a:effectRef idx="0">
-                <a:schemeClr val="dk1"/>
-              </a:effectRef>
-              <a:fontRef idx="minor">
-                <a:schemeClr val="tx1"/>
-              </a:fontRef>
-            </p:style>
-          </p:cxnSp>
-          <p:cxnSp>
-            <p:nvCxnSpPr>
-              <p:cNvPr id="10" name="Conector recto 9"/>
-              <p:cNvCxnSpPr>
-                <a:stCxn id="4" idx="4"/>
-              </p:cNvCxnSpPr>
-              <p:nvPr/>
-            </p:nvCxnSpPr>
-            <p:spPr>
-              <a:xfrm flipH="1">
-                <a:off x="805109" y="2615184"/>
-                <a:ext cx="273883" cy="415815"/>
-              </a:xfrm>
-              <a:prstGeom prst="line">
-                <a:avLst/>
-              </a:prstGeom>
-            </p:spPr>
-            <p:style>
-              <a:lnRef idx="1">
-                <a:schemeClr val="dk1"/>
-              </a:lnRef>
-              <a:fillRef idx="0">
-                <a:schemeClr val="dk1"/>
-              </a:fillRef>
-              <a:effectRef idx="0">
-                <a:schemeClr val="dk1"/>
-              </a:effectRef>
-              <a:fontRef idx="minor">
-                <a:schemeClr val="tx1"/>
-              </a:fontRef>
-            </p:style>
-          </p:cxnSp>
-          <p:cxnSp>
-            <p:nvCxnSpPr>
-              <p:cNvPr id="12" name="Conector recto 11"/>
-              <p:cNvCxnSpPr/>
-              <p:nvPr/>
-            </p:nvCxnSpPr>
-            <p:spPr>
-              <a:xfrm>
-                <a:off x="1071050" y="3395302"/>
-                <a:ext cx="251369" cy="561026"/>
-              </a:xfrm>
-              <a:prstGeom prst="line">
-                <a:avLst/>
-              </a:prstGeom>
-            </p:spPr>
-            <p:style>
-              <a:lnRef idx="1">
-                <a:schemeClr val="dk1"/>
-              </a:lnRef>
-              <a:fillRef idx="0">
-                <a:schemeClr val="dk1"/>
-              </a:fillRef>
-              <a:effectRef idx="0">
-                <a:schemeClr val="dk1"/>
-              </a:effectRef>
-              <a:fontRef idx="minor">
-                <a:schemeClr val="tx1"/>
-              </a:fontRef>
-            </p:style>
-          </p:cxnSp>
-          <p:cxnSp>
-            <p:nvCxnSpPr>
-              <p:cNvPr id="14" name="Conector recto 13"/>
-              <p:cNvCxnSpPr/>
-              <p:nvPr/>
-            </p:nvCxnSpPr>
-            <p:spPr>
-              <a:xfrm flipH="1">
-                <a:off x="848825" y="3395302"/>
-                <a:ext cx="222225" cy="561026"/>
-              </a:xfrm>
-              <a:prstGeom prst="line">
-                <a:avLst/>
-              </a:prstGeom>
-            </p:spPr>
-            <p:style>
-              <a:lnRef idx="1">
-                <a:schemeClr val="dk1"/>
-              </a:lnRef>
-              <a:fillRef idx="0">
-                <a:schemeClr val="dk1"/>
-              </a:fillRef>
-              <a:effectRef idx="0">
-                <a:schemeClr val="dk1"/>
-              </a:effectRef>
-              <a:fontRef idx="minor">
-                <a:schemeClr val="tx1"/>
-              </a:fontRef>
-            </p:style>
-          </p:cxnSp>
-        </p:grpSp>
-        <p:sp>
-          <p:nvSpPr>
-            <p:cNvPr id="16" name="Elipse 15"/>
-            <p:cNvSpPr/>
-            <p:nvPr/>
-          </p:nvSpPr>
-          <p:spPr>
-            <a:xfrm>
-              <a:off x="890753" y="232267"/>
-              <a:ext cx="2520000" cy="720000"/>
-            </a:xfrm>
-            <a:prstGeom prst="ellipse">
-              <a:avLst/>
-            </a:prstGeom>
-            <a:ln w="57150"/>
-          </p:spPr>
-          <p:style>
-            <a:lnRef idx="2">
-              <a:schemeClr val="dk1"/>
-            </a:lnRef>
-            <a:fillRef idx="1">
-              <a:schemeClr val="lt1"/>
-            </a:fillRef>
-            <a:effectRef idx="0">
-              <a:schemeClr val="dk1"/>
-            </a:effectRef>
-            <a:fontRef idx="minor">
-              <a:schemeClr val="dk1"/>
-            </a:fontRef>
-          </p:style>
-          <p:txBody>
-            <a:bodyPr rtlCol="0" anchor="ctr"/>
-            <a:lstStyle/>
-            <a:p>
-              <a:pPr algn="ctr"/>
-              <a:r>
-                <a:rPr lang="es-VE" sz="1400" dirty="0" smtClean="0">
-                  <a:latin typeface="Times New Roman" panose="02020603050405020304" pitchFamily="18" charset="0"/>
-                  <a:cs typeface="Times New Roman" panose="02020603050405020304" pitchFamily="18" charset="0"/>
-                </a:rPr>
-                <a:t>Iniciar Sesión</a:t>
-              </a:r>
-              <a:endParaRPr lang="es-VE" sz="1400" dirty="0">
-                <a:latin typeface="Times New Roman" panose="02020603050405020304" pitchFamily="18" charset="0"/>
-                <a:cs typeface="Times New Roman" panose="02020603050405020304" pitchFamily="18" charset="0"/>
-              </a:endParaRPr>
-            </a:p>
-          </p:txBody>
-        </p:sp>
-        <p:sp>
-          <p:nvSpPr>
-            <p:cNvPr id="18" name="Elipse 17"/>
-            <p:cNvSpPr/>
-            <p:nvPr/>
-          </p:nvSpPr>
-          <p:spPr>
-            <a:xfrm>
-              <a:off x="4643106" y="229491"/>
-              <a:ext cx="2520000" cy="720000"/>
-            </a:xfrm>
-            <a:prstGeom prst="ellipse">
-              <a:avLst/>
-            </a:prstGeom>
-            <a:ln w="57150"/>
-          </p:spPr>
-          <p:style>
-            <a:lnRef idx="2">
-              <a:schemeClr val="dk1"/>
-            </a:lnRef>
-            <a:fillRef idx="1">
-              <a:schemeClr val="lt1"/>
-            </a:fillRef>
-            <a:effectRef idx="0">
-              <a:schemeClr val="dk1"/>
-            </a:effectRef>
-            <a:fontRef idx="minor">
-              <a:schemeClr val="dk1"/>
-            </a:fontRef>
-          </p:style>
-          <p:txBody>
-            <a:bodyPr rtlCol="0" anchor="ctr"/>
-            <a:lstStyle/>
-            <a:p>
-              <a:pPr algn="ctr"/>
-              <a:r>
-                <a:rPr lang="es-VE" sz="1400" dirty="0" smtClean="0">
-                  <a:latin typeface="Times New Roman" panose="02020603050405020304" pitchFamily="18" charset="0"/>
-                  <a:cs typeface="Times New Roman" panose="02020603050405020304" pitchFamily="18" charset="0"/>
-                </a:rPr>
-                <a:t>Consultar Presupuesto Inicial</a:t>
-              </a:r>
-              <a:endParaRPr lang="es-VE" sz="1400" dirty="0">
-                <a:latin typeface="Times New Roman" panose="02020603050405020304" pitchFamily="18" charset="0"/>
-                <a:cs typeface="Times New Roman" panose="02020603050405020304" pitchFamily="18" charset="0"/>
-              </a:endParaRPr>
-            </a:p>
-          </p:txBody>
-        </p:sp>
-        <p:sp>
-          <p:nvSpPr>
-            <p:cNvPr id="19" name="Elipse 18"/>
-            <p:cNvSpPr/>
-            <p:nvPr/>
-          </p:nvSpPr>
-          <p:spPr>
-            <a:xfrm>
-              <a:off x="4643106" y="1210488"/>
-              <a:ext cx="2520000" cy="720000"/>
-            </a:xfrm>
-            <a:prstGeom prst="ellipse">
-              <a:avLst/>
-            </a:prstGeom>
-            <a:ln w="57150"/>
-          </p:spPr>
-          <p:style>
-            <a:lnRef idx="2">
-              <a:schemeClr val="dk1"/>
-            </a:lnRef>
-            <a:fillRef idx="1">
-              <a:schemeClr val="lt1"/>
-            </a:fillRef>
-            <a:effectRef idx="0">
-              <a:schemeClr val="dk1"/>
-            </a:effectRef>
-            <a:fontRef idx="minor">
-              <a:schemeClr val="dk1"/>
-            </a:fontRef>
-          </p:style>
-          <p:txBody>
-            <a:bodyPr rtlCol="0" anchor="ctr"/>
-            <a:lstStyle/>
-            <a:p>
-              <a:pPr algn="ctr"/>
-              <a:r>
-                <a:rPr lang="es-VE" sz="1400" dirty="0" smtClean="0">
-                  <a:latin typeface="Times New Roman" panose="02020603050405020304" pitchFamily="18" charset="0"/>
-                  <a:cs typeface="Times New Roman" panose="02020603050405020304" pitchFamily="18" charset="0"/>
-                </a:rPr>
-                <a:t>Consultar Reformulación</a:t>
-              </a:r>
-              <a:endParaRPr lang="es-VE" sz="1400" dirty="0">
-                <a:latin typeface="Times New Roman" panose="02020603050405020304" pitchFamily="18" charset="0"/>
-                <a:cs typeface="Times New Roman" panose="02020603050405020304" pitchFamily="18" charset="0"/>
-              </a:endParaRPr>
-            </a:p>
-          </p:txBody>
-        </p:sp>
-        <p:sp>
-          <p:nvSpPr>
-            <p:cNvPr id="21" name="Elipse 20"/>
-            <p:cNvSpPr/>
-            <p:nvPr/>
-          </p:nvSpPr>
-          <p:spPr>
-            <a:xfrm>
-              <a:off x="4643106" y="2191485"/>
-              <a:ext cx="2520000" cy="720000"/>
-            </a:xfrm>
-            <a:prstGeom prst="ellipse">
-              <a:avLst/>
-            </a:prstGeom>
-            <a:ln w="57150"/>
-          </p:spPr>
-          <p:style>
-            <a:lnRef idx="2">
-              <a:schemeClr val="dk1"/>
-            </a:lnRef>
-            <a:fillRef idx="1">
-              <a:schemeClr val="lt1"/>
-            </a:fillRef>
-            <a:effectRef idx="0">
-              <a:schemeClr val="dk1"/>
-            </a:effectRef>
-            <a:fontRef idx="minor">
-              <a:schemeClr val="dk1"/>
-            </a:fontRef>
-          </p:style>
-          <p:txBody>
-            <a:bodyPr rtlCol="0" anchor="ctr"/>
-            <a:lstStyle/>
-            <a:p>
-              <a:pPr algn="ctr"/>
-              <a:r>
-                <a:rPr lang="es-VE" sz="1400" dirty="0" smtClean="0">
-                  <a:latin typeface="Times New Roman" panose="02020603050405020304" pitchFamily="18" charset="0"/>
-                  <a:cs typeface="Times New Roman" panose="02020603050405020304" pitchFamily="18" charset="0"/>
-                </a:rPr>
-                <a:t>Consultar Ingresos</a:t>
-              </a:r>
-              <a:endParaRPr lang="es-VE" sz="1400" dirty="0">
-                <a:latin typeface="Times New Roman" panose="02020603050405020304" pitchFamily="18" charset="0"/>
-                <a:cs typeface="Times New Roman" panose="02020603050405020304" pitchFamily="18" charset="0"/>
-              </a:endParaRPr>
-            </a:p>
-          </p:txBody>
-        </p:sp>
-        <p:sp>
-          <p:nvSpPr>
-            <p:cNvPr id="22" name="Elipse 21"/>
-            <p:cNvSpPr/>
-            <p:nvPr/>
-          </p:nvSpPr>
-          <p:spPr>
-            <a:xfrm>
-              <a:off x="4643106" y="3172482"/>
-              <a:ext cx="2520000" cy="720000"/>
-            </a:xfrm>
-            <a:prstGeom prst="ellipse">
-              <a:avLst/>
-            </a:prstGeom>
-            <a:ln w="57150"/>
-          </p:spPr>
-          <p:style>
-            <a:lnRef idx="2">
-              <a:schemeClr val="dk1"/>
-            </a:lnRef>
-            <a:fillRef idx="1">
-              <a:schemeClr val="lt1"/>
-            </a:fillRef>
-            <a:effectRef idx="0">
-              <a:schemeClr val="dk1"/>
-            </a:effectRef>
-            <a:fontRef idx="minor">
-              <a:schemeClr val="dk1"/>
-            </a:fontRef>
-          </p:style>
-          <p:txBody>
-            <a:bodyPr rtlCol="0" anchor="ctr"/>
-            <a:lstStyle/>
-            <a:p>
-              <a:pPr algn="ctr"/>
-              <a:r>
-                <a:rPr lang="es-VE" sz="1400" dirty="0" smtClean="0">
-                  <a:latin typeface="Times New Roman" panose="02020603050405020304" pitchFamily="18" charset="0"/>
-                  <a:cs typeface="Times New Roman" panose="02020603050405020304" pitchFamily="18" charset="0"/>
-                </a:rPr>
-                <a:t>Consultar Egresos</a:t>
-              </a:r>
-              <a:endParaRPr lang="es-VE" sz="1400" dirty="0">
-                <a:latin typeface="Times New Roman" panose="02020603050405020304" pitchFamily="18" charset="0"/>
-                <a:cs typeface="Times New Roman" panose="02020603050405020304" pitchFamily="18" charset="0"/>
-              </a:endParaRPr>
-            </a:p>
-          </p:txBody>
-        </p:sp>
-        <p:sp>
-          <p:nvSpPr>
-            <p:cNvPr id="23" name="Elipse 22"/>
-            <p:cNvSpPr/>
-            <p:nvPr/>
-          </p:nvSpPr>
-          <p:spPr>
-            <a:xfrm>
-              <a:off x="4643106" y="4153479"/>
-              <a:ext cx="2520000" cy="720000"/>
-            </a:xfrm>
-            <a:prstGeom prst="ellipse">
-              <a:avLst/>
-            </a:prstGeom>
-            <a:ln w="57150"/>
-          </p:spPr>
-          <p:style>
-            <a:lnRef idx="2">
-              <a:schemeClr val="dk1"/>
-            </a:lnRef>
-            <a:fillRef idx="1">
-              <a:schemeClr val="lt1"/>
-            </a:fillRef>
-            <a:effectRef idx="0">
-              <a:schemeClr val="dk1"/>
-            </a:effectRef>
-            <a:fontRef idx="minor">
-              <a:schemeClr val="dk1"/>
-            </a:fontRef>
-          </p:style>
-          <p:txBody>
-            <a:bodyPr rtlCol="0" anchor="ctr"/>
-            <a:lstStyle/>
-            <a:p>
-              <a:pPr algn="ctr"/>
-              <a:r>
-                <a:rPr lang="es-VE" sz="1400" dirty="0" smtClean="0">
-                  <a:latin typeface="Times New Roman" panose="02020603050405020304" pitchFamily="18" charset="0"/>
-                  <a:cs typeface="Times New Roman" panose="02020603050405020304" pitchFamily="18" charset="0"/>
-                </a:rPr>
-                <a:t>Consultar Pre-cierres</a:t>
-              </a:r>
-              <a:endParaRPr lang="es-VE" sz="1400" dirty="0">
-                <a:latin typeface="Times New Roman" panose="02020603050405020304" pitchFamily="18" charset="0"/>
-                <a:cs typeface="Times New Roman" panose="02020603050405020304" pitchFamily="18" charset="0"/>
-              </a:endParaRPr>
-            </a:p>
-          </p:txBody>
-        </p:sp>
-        <p:sp>
-          <p:nvSpPr>
-            <p:cNvPr id="24" name="Elipse 23"/>
-            <p:cNvSpPr/>
-            <p:nvPr/>
-          </p:nvSpPr>
-          <p:spPr>
-            <a:xfrm>
-              <a:off x="4643106" y="5134476"/>
-              <a:ext cx="2520000" cy="720000"/>
-            </a:xfrm>
-            <a:prstGeom prst="ellipse">
-              <a:avLst/>
-            </a:prstGeom>
-            <a:ln w="57150"/>
-          </p:spPr>
-          <p:style>
-            <a:lnRef idx="2">
-              <a:schemeClr val="dk1"/>
-            </a:lnRef>
-            <a:fillRef idx="1">
-              <a:schemeClr val="lt1"/>
-            </a:fillRef>
-            <a:effectRef idx="0">
-              <a:schemeClr val="dk1"/>
-            </a:effectRef>
-            <a:fontRef idx="minor">
-              <a:schemeClr val="dk1"/>
-            </a:fontRef>
-          </p:style>
-          <p:txBody>
-            <a:bodyPr rtlCol="0" anchor="ctr"/>
-            <a:lstStyle/>
-            <a:p>
-              <a:pPr algn="ctr"/>
-              <a:r>
-                <a:rPr lang="es-VE" sz="1400" dirty="0" smtClean="0">
-                  <a:latin typeface="Times New Roman" panose="02020603050405020304" pitchFamily="18" charset="0"/>
-                  <a:cs typeface="Times New Roman" panose="02020603050405020304" pitchFamily="18" charset="0"/>
-                </a:rPr>
-                <a:t>Consultar Cierres</a:t>
-              </a:r>
-              <a:endParaRPr lang="es-VE" sz="1400" dirty="0">
-                <a:latin typeface="Times New Roman" panose="02020603050405020304" pitchFamily="18" charset="0"/>
-                <a:cs typeface="Times New Roman" panose="02020603050405020304" pitchFamily="18" charset="0"/>
-              </a:endParaRPr>
-            </a:p>
-          </p:txBody>
-        </p:sp>
-        <p:sp>
-          <p:nvSpPr>
-            <p:cNvPr id="25" name="Elipse 24"/>
-            <p:cNvSpPr/>
-            <p:nvPr/>
-          </p:nvSpPr>
-          <p:spPr>
-            <a:xfrm>
-              <a:off x="4643106" y="6115475"/>
-              <a:ext cx="2520000" cy="720000"/>
-            </a:xfrm>
-            <a:prstGeom prst="ellipse">
-              <a:avLst/>
-            </a:prstGeom>
-            <a:ln w="57150"/>
-          </p:spPr>
-          <p:style>
-            <a:lnRef idx="2">
-              <a:schemeClr val="dk1"/>
-            </a:lnRef>
-            <a:fillRef idx="1">
-              <a:schemeClr val="lt1"/>
-            </a:fillRef>
-            <a:effectRef idx="0">
-              <a:schemeClr val="dk1"/>
-            </a:effectRef>
-            <a:fontRef idx="minor">
-              <a:schemeClr val="dk1"/>
-            </a:fontRef>
-          </p:style>
-          <p:txBody>
-            <a:bodyPr rtlCol="0" anchor="ctr"/>
-            <a:lstStyle/>
-            <a:p>
-              <a:pPr algn="ctr"/>
-              <a:r>
-                <a:rPr lang="es-VE" sz="1400" dirty="0" smtClean="0">
-                  <a:latin typeface="Times New Roman" panose="02020603050405020304" pitchFamily="18" charset="0"/>
-                  <a:cs typeface="Times New Roman" panose="02020603050405020304" pitchFamily="18" charset="0"/>
-                </a:rPr>
-                <a:t>Consultar Nominas</a:t>
-              </a:r>
-              <a:endParaRPr lang="es-VE" sz="1400" dirty="0">
-                <a:latin typeface="Times New Roman" panose="02020603050405020304" pitchFamily="18" charset="0"/>
-                <a:cs typeface="Times New Roman" panose="02020603050405020304" pitchFamily="18" charset="0"/>
-              </a:endParaRPr>
-            </a:p>
-          </p:txBody>
-        </p:sp>
-        <p:sp>
-          <p:nvSpPr>
-            <p:cNvPr id="34" name="CuadroTexto 33"/>
-            <p:cNvSpPr txBox="1"/>
-            <p:nvPr/>
-          </p:nvSpPr>
-          <p:spPr>
-            <a:xfrm>
-              <a:off x="542611" y="4120422"/>
-              <a:ext cx="1446963" cy="307777"/>
-            </a:xfrm>
-            <a:prstGeom prst="rect">
-              <a:avLst/>
-            </a:prstGeom>
-            <a:noFill/>
-          </p:spPr>
-          <p:txBody>
-            <a:bodyPr wrap="square" rtlCol="0">
-              <a:spAutoFit/>
-            </a:bodyPr>
-            <a:lstStyle/>
-            <a:p>
-              <a:r>
-                <a:rPr lang="es-VE" sz="1400" dirty="0" smtClean="0">
-                  <a:latin typeface="Times New Roman" panose="02020603050405020304" pitchFamily="18" charset="0"/>
-                  <a:cs typeface="Times New Roman" panose="02020603050405020304" pitchFamily="18" charset="0"/>
-                </a:rPr>
-                <a:t>Analista Externo</a:t>
-              </a:r>
-              <a:endParaRPr lang="es-VE" sz="1400" dirty="0">
-                <a:latin typeface="Times New Roman" panose="02020603050405020304" pitchFamily="18" charset="0"/>
-                <a:cs typeface="Times New Roman" panose="02020603050405020304" pitchFamily="18" charset="0"/>
-              </a:endParaRPr>
-            </a:p>
-          </p:txBody>
-        </p:sp>
-        <p:cxnSp>
-          <p:nvCxnSpPr>
-            <p:cNvPr id="38" name="Conector recto de flecha 37"/>
-            <p:cNvCxnSpPr>
-              <a:endCxn id="25" idx="2"/>
-            </p:cNvCxnSpPr>
-            <p:nvPr/>
-          </p:nvCxnSpPr>
-          <p:spPr>
-            <a:xfrm>
-              <a:off x="2720494" y="3116454"/>
-              <a:ext cx="1922612" cy="3359021"/>
-            </a:xfrm>
-            <a:prstGeom prst="straightConnector1">
-              <a:avLst/>
-            </a:prstGeom>
-            <a:ln>
-              <a:tailEnd type="triangle"/>
-            </a:ln>
-          </p:spPr>
-          <p:style>
-            <a:lnRef idx="1">
-              <a:schemeClr val="dk1"/>
-            </a:lnRef>
-            <a:fillRef idx="0">
-              <a:schemeClr val="dk1"/>
-            </a:fillRef>
-            <a:effectRef idx="0">
-              <a:schemeClr val="dk1"/>
-            </a:effectRef>
-            <a:fontRef idx="minor">
-              <a:schemeClr val="tx1"/>
-            </a:fontRef>
-          </p:style>
-        </p:cxnSp>
-        <p:cxnSp>
-          <p:nvCxnSpPr>
-            <p:cNvPr id="40" name="Conector recto de flecha 39"/>
-            <p:cNvCxnSpPr>
-              <a:endCxn id="18" idx="2"/>
-            </p:cNvCxnSpPr>
-            <p:nvPr/>
-          </p:nvCxnSpPr>
-          <p:spPr>
-            <a:xfrm flipV="1">
-              <a:off x="2720494" y="589491"/>
-              <a:ext cx="1922612" cy="2552720"/>
-            </a:xfrm>
-            <a:prstGeom prst="straightConnector1">
-              <a:avLst/>
-            </a:prstGeom>
-            <a:ln>
-              <a:tailEnd type="triangle"/>
-            </a:ln>
-          </p:spPr>
-          <p:style>
-            <a:lnRef idx="1">
-              <a:schemeClr val="dk1"/>
-            </a:lnRef>
-            <a:fillRef idx="0">
-              <a:schemeClr val="dk1"/>
-            </a:fillRef>
-            <a:effectRef idx="0">
-              <a:schemeClr val="dk1"/>
-            </a:effectRef>
-            <a:fontRef idx="minor">
-              <a:schemeClr val="tx1"/>
-            </a:fontRef>
-          </p:style>
-        </p:cxnSp>
-        <p:cxnSp>
-          <p:nvCxnSpPr>
-            <p:cNvPr id="42" name="Conector recto de flecha 41"/>
-            <p:cNvCxnSpPr>
-              <a:endCxn id="19" idx="2"/>
-            </p:cNvCxnSpPr>
-            <p:nvPr/>
-          </p:nvCxnSpPr>
-          <p:spPr>
-            <a:xfrm flipV="1">
-              <a:off x="2720494" y="1570488"/>
-              <a:ext cx="1922612" cy="1578947"/>
-            </a:xfrm>
-            <a:prstGeom prst="straightConnector1">
-              <a:avLst/>
-            </a:prstGeom>
-            <a:ln>
-              <a:tailEnd type="triangle"/>
-            </a:ln>
-          </p:spPr>
-          <p:style>
-            <a:lnRef idx="1">
-              <a:schemeClr val="dk1"/>
-            </a:lnRef>
-            <a:fillRef idx="0">
-              <a:schemeClr val="dk1"/>
-            </a:fillRef>
-            <a:effectRef idx="0">
-              <a:schemeClr val="dk1"/>
-            </a:effectRef>
-            <a:fontRef idx="minor">
-              <a:schemeClr val="tx1"/>
-            </a:fontRef>
-          </p:style>
-        </p:cxnSp>
-        <p:cxnSp>
-          <p:nvCxnSpPr>
-            <p:cNvPr id="44" name="Conector recto de flecha 43"/>
-            <p:cNvCxnSpPr>
-              <a:endCxn id="21" idx="2"/>
-            </p:cNvCxnSpPr>
-            <p:nvPr/>
-          </p:nvCxnSpPr>
-          <p:spPr>
-            <a:xfrm flipV="1">
-              <a:off x="2708785" y="2551485"/>
-              <a:ext cx="1934321" cy="589048"/>
-            </a:xfrm>
-            <a:prstGeom prst="straightConnector1">
-              <a:avLst/>
-            </a:prstGeom>
-            <a:ln>
-              <a:tailEnd type="triangle"/>
-            </a:ln>
-          </p:spPr>
-          <p:style>
-            <a:lnRef idx="1">
-              <a:schemeClr val="dk1"/>
-            </a:lnRef>
-            <a:fillRef idx="0">
-              <a:schemeClr val="dk1"/>
-            </a:fillRef>
-            <a:effectRef idx="0">
-              <a:schemeClr val="dk1"/>
-            </a:effectRef>
-            <a:fontRef idx="minor">
-              <a:schemeClr val="tx1"/>
-            </a:fontRef>
-          </p:style>
-        </p:cxnSp>
-        <p:cxnSp>
-          <p:nvCxnSpPr>
-            <p:cNvPr id="46" name="Conector recto de flecha 45"/>
-            <p:cNvCxnSpPr>
-              <a:endCxn id="22" idx="2"/>
-            </p:cNvCxnSpPr>
-            <p:nvPr/>
-          </p:nvCxnSpPr>
-          <p:spPr>
-            <a:xfrm>
-              <a:off x="2720494" y="3127357"/>
-              <a:ext cx="1922612" cy="405125"/>
-            </a:xfrm>
-            <a:prstGeom prst="straightConnector1">
-              <a:avLst/>
-            </a:prstGeom>
-            <a:ln>
-              <a:tailEnd type="triangle"/>
-            </a:ln>
-          </p:spPr>
-          <p:style>
-            <a:lnRef idx="1">
-              <a:schemeClr val="dk1"/>
-            </a:lnRef>
-            <a:fillRef idx="0">
-              <a:schemeClr val="dk1"/>
-            </a:fillRef>
-            <a:effectRef idx="0">
-              <a:schemeClr val="dk1"/>
-            </a:effectRef>
-            <a:fontRef idx="minor">
-              <a:schemeClr val="tx1"/>
-            </a:fontRef>
-          </p:style>
-        </p:cxnSp>
-        <p:cxnSp>
-          <p:nvCxnSpPr>
-            <p:cNvPr id="48" name="Conector recto de flecha 47"/>
-            <p:cNvCxnSpPr>
-              <a:endCxn id="23" idx="2"/>
-            </p:cNvCxnSpPr>
-            <p:nvPr/>
-          </p:nvCxnSpPr>
-          <p:spPr>
-            <a:xfrm>
-              <a:off x="2720494" y="3140533"/>
-              <a:ext cx="1922612" cy="1372946"/>
-            </a:xfrm>
-            <a:prstGeom prst="straightConnector1">
-              <a:avLst/>
-            </a:prstGeom>
-            <a:ln>
-              <a:tailEnd type="triangle"/>
-            </a:ln>
-          </p:spPr>
-          <p:style>
-            <a:lnRef idx="1">
-              <a:schemeClr val="dk1"/>
-            </a:lnRef>
-            <a:fillRef idx="0">
-              <a:schemeClr val="dk1"/>
-            </a:fillRef>
-            <a:effectRef idx="0">
-              <a:schemeClr val="dk1"/>
-            </a:effectRef>
-            <a:fontRef idx="minor">
-              <a:schemeClr val="tx1"/>
-            </a:fontRef>
-          </p:style>
-        </p:cxnSp>
-        <p:cxnSp>
-          <p:nvCxnSpPr>
-            <p:cNvPr id="50" name="Conector recto de flecha 49"/>
-            <p:cNvCxnSpPr>
-              <a:endCxn id="24" idx="2"/>
-            </p:cNvCxnSpPr>
-            <p:nvPr/>
-          </p:nvCxnSpPr>
-          <p:spPr>
-            <a:xfrm>
-              <a:off x="2720494" y="3113464"/>
-              <a:ext cx="1922612" cy="2381012"/>
-            </a:xfrm>
-            <a:prstGeom prst="straightConnector1">
-              <a:avLst/>
-            </a:prstGeom>
-            <a:ln>
-              <a:tailEnd type="triangle"/>
-            </a:ln>
-          </p:spPr>
-          <p:style>
-            <a:lnRef idx="1">
-              <a:schemeClr val="dk1"/>
-            </a:lnRef>
-            <a:fillRef idx="0">
-              <a:schemeClr val="dk1"/>
-            </a:fillRef>
-            <a:effectRef idx="0">
-              <a:schemeClr val="dk1"/>
-            </a:effectRef>
-            <a:fontRef idx="minor">
-              <a:schemeClr val="tx1"/>
-            </a:fontRef>
-          </p:style>
-        </p:cxnSp>
-        <p:cxnSp>
-          <p:nvCxnSpPr>
-            <p:cNvPr id="65" name="Conector recto de flecha 64"/>
-            <p:cNvCxnSpPr>
-              <a:stCxn id="16" idx="6"/>
-            </p:cNvCxnSpPr>
-            <p:nvPr/>
-          </p:nvCxnSpPr>
-          <p:spPr>
-            <a:xfrm>
-              <a:off x="3410753" y="592267"/>
-              <a:ext cx="1240249" cy="0"/>
-            </a:xfrm>
-            <a:prstGeom prst="straightConnector1">
-              <a:avLst/>
-            </a:prstGeom>
-            <a:ln w="9525" cap="flat" cmpd="sng" algn="ctr">
-              <a:solidFill>
-                <a:schemeClr val="dk1"/>
-              </a:solidFill>
-              <a:prstDash val="dash"/>
-              <a:round/>
-              <a:headEnd type="triangle" w="med" len="med"/>
-              <a:tailEnd type="none" w="med" len="med"/>
-            </a:ln>
-          </p:spPr>
-          <p:style>
-            <a:lnRef idx="0">
-              <a:scrgbClr r="0" g="0" b="0"/>
-            </a:lnRef>
-            <a:fillRef idx="0">
-              <a:scrgbClr r="0" g="0" b="0"/>
-            </a:fillRef>
-            <a:effectRef idx="0">
-              <a:scrgbClr r="0" g="0" b="0"/>
-            </a:effectRef>
-            <a:fontRef idx="minor">
-              <a:schemeClr val="tx1"/>
-            </a:fontRef>
-          </p:style>
-        </p:cxnSp>
-        <p:sp>
-          <p:nvSpPr>
-            <p:cNvPr id="84" name="CuadroTexto 83"/>
-            <p:cNvSpPr txBox="1"/>
-            <p:nvPr/>
-          </p:nvSpPr>
-          <p:spPr>
-            <a:xfrm>
-              <a:off x="3471118" y="277902"/>
-              <a:ext cx="1119519" cy="307777"/>
-            </a:xfrm>
-            <a:prstGeom prst="rect">
-              <a:avLst/>
-            </a:prstGeom>
-            <a:noFill/>
-          </p:spPr>
-          <p:txBody>
-            <a:bodyPr wrap="square" rtlCol="0">
-              <a:spAutoFit/>
-            </a:bodyPr>
-            <a:lstStyle/>
-            <a:p>
-              <a:r>
-                <a:rPr lang="es-VE" sz="1400" dirty="0" smtClean="0">
-                  <a:latin typeface="Times New Roman" panose="02020603050405020304" pitchFamily="18" charset="0"/>
-                  <a:cs typeface="Times New Roman" panose="02020603050405020304" pitchFamily="18" charset="0"/>
-                </a:rPr>
-                <a:t>&lt;&lt;Include&gt;&gt;</a:t>
-              </a:r>
-              <a:endParaRPr lang="es-VE" sz="1400" dirty="0">
-                <a:latin typeface="Times New Roman" panose="02020603050405020304" pitchFamily="18" charset="0"/>
-                <a:cs typeface="Times New Roman" panose="02020603050405020304" pitchFamily="18" charset="0"/>
-              </a:endParaRPr>
-            </a:p>
-          </p:txBody>
-        </p:sp>
-      </p:grpSp>
-    </p:spTree>
-    <p:extLst>
-      <p:ext uri="{BB962C8B-B14F-4D97-AF65-F5344CB8AC3E}">
-        <p14:creationId xmlns:p14="http://schemas.microsoft.com/office/powerpoint/2010/main" val="3847669344"/>
+        <p14:creationId xmlns:p14="http://schemas.microsoft.com/office/powerpoint/2010/main" val="1987013616"/>
       </p:ext>
     </p:extLst>
   </p:cSld>
